--- a/midterm_presentation.pptx
+++ b/midterm_presentation.pptx
@@ -12,6 +12,9 @@
     <p:sldId id="257" r:id="rId9"/>
     <p:sldId id="258" r:id="rId10"/>
     <p:sldId id="259" r:id="rId11"/>
+    <p:sldId id="260" r:id="rId12"/>
+    <p:sldId id="261" r:id="rId13"/>
+    <p:sldId id="262" r:id="rId14"/>
   </p:sldIdLst>
   <p:sldSz cx="24384000" cy="13716000"/>
   <p:notesSz cx="6858000" cy="9144000"/>
@@ -576,7 +579,7 @@
           </a:prstGeom>
         </p:spPr>
         <p:txBody>
-          <a:bodyPr/>
+          <a:bodyPr numCol="1" spcCol="38100"/>
           <a:lstStyle>
             <a:lvl1pPr marL="0" indent="0" algn="ctr" defTabSz="825500">
               <a:spcBef>
@@ -622,7 +625,7 @@
           </a:prstGeom>
         </p:spPr>
         <p:txBody>
-          <a:bodyPr/>
+          <a:bodyPr numCol="1" spcCol="38100"/>
           <a:lstStyle>
             <a:lvl1pPr marL="0" indent="0" algn="ctr" defTabSz="825500">
               <a:spcBef>
@@ -808,7 +811,7 @@
           </a:prstGeom>
         </p:spPr>
         <p:txBody>
-          <a:bodyPr anchor="ctr"/>
+          <a:bodyPr numCol="1" spcCol="38100" anchor="ctr"/>
           <a:lstStyle>
             <a:lvl1pPr marL="0" indent="0" algn="ctr">
               <a:spcBef>
@@ -1034,7 +1037,7 @@
           </a:prstGeom>
         </p:spPr>
         <p:txBody>
-          <a:bodyPr anchor="b"/>
+          <a:bodyPr numCol="1" spcCol="38100" anchor="b"/>
           <a:lstStyle>
             <a:lvl1pPr marL="0" indent="0" algn="ctr" defTabSz="2438338">
               <a:lnSpc>
@@ -1227,7 +1230,7 @@
           </a:prstGeom>
         </p:spPr>
         <p:txBody>
-          <a:bodyPr/>
+          <a:bodyPr numCol="1" spcCol="38100"/>
           <a:lstStyle>
             <a:lvl1pPr marL="0" indent="0" algn="ctr" defTabSz="825500">
               <a:spcBef>
@@ -1321,7 +1324,7 @@
           </a:prstGeom>
         </p:spPr>
         <p:txBody>
-          <a:bodyPr anchor="ctr"/>
+          <a:bodyPr numCol="1" spcCol="38100" anchor="ctr"/>
           <a:lstStyle>
             <a:lvl1pPr marL="0" indent="0" algn="ctr" defTabSz="825500">
               <a:spcBef>
@@ -1367,7 +1370,7 @@
           </a:prstGeom>
         </p:spPr>
         <p:txBody>
-          <a:bodyPr anchor="ctr"/>
+          <a:bodyPr numCol="1" spcCol="38100" anchor="ctr"/>
           <a:lstStyle>
             <a:lvl1pPr marL="0" indent="0" algn="ctr">
               <a:lnSpc>
@@ -1608,7 +1611,7 @@
           </a:prstGeom>
         </p:spPr>
         <p:txBody>
-          <a:bodyPr lIns="91439" tIns="45719" rIns="91439" bIns="45719">
+          <a:bodyPr lIns="91439" tIns="45719" rIns="91439" bIns="45719" numCol="1" spcCol="38100">
             <a:noAutofit/>
           </a:bodyPr>
           <a:lstStyle/>
@@ -1635,7 +1638,7 @@
           </a:prstGeom>
         </p:spPr>
         <p:txBody>
-          <a:bodyPr lIns="91439" tIns="45719" rIns="91439" bIns="45719">
+          <a:bodyPr lIns="91439" tIns="45719" rIns="91439" bIns="45719" numCol="1" spcCol="38100">
             <a:noAutofit/>
           </a:bodyPr>
           <a:lstStyle/>
@@ -1662,7 +1665,7 @@
           </a:prstGeom>
         </p:spPr>
         <p:txBody>
-          <a:bodyPr lIns="91439" tIns="45719" rIns="91439" bIns="45719">
+          <a:bodyPr lIns="91439" tIns="45719" rIns="91439" bIns="45719" numCol="1" spcCol="38100">
             <a:noAutofit/>
           </a:bodyPr>
           <a:lstStyle/>
@@ -1737,7 +1740,7 @@
           </a:prstGeom>
         </p:spPr>
         <p:txBody>
-          <a:bodyPr lIns="91439" tIns="45719" rIns="91439" bIns="45719">
+          <a:bodyPr lIns="91439" tIns="45719" rIns="91439" bIns="45719" numCol="1" spcCol="38100">
             <a:noAutofit/>
           </a:bodyPr>
           <a:lstStyle/>
@@ -1860,7 +1863,7 @@
           </a:prstGeom>
         </p:spPr>
         <p:txBody>
-          <a:bodyPr lIns="91439" tIns="45719" rIns="91439" bIns="45719">
+          <a:bodyPr lIns="91439" tIns="45719" rIns="91439" bIns="45719" numCol="1" spcCol="38100">
             <a:noAutofit/>
           </a:bodyPr>
           <a:lstStyle/>
@@ -1887,7 +1890,7 @@
           </a:prstGeom>
         </p:spPr>
         <p:txBody>
-          <a:bodyPr/>
+          <a:bodyPr numCol="1" spcCol="38100"/>
           <a:lstStyle>
             <a:lvl1pPr marL="0" indent="0" algn="ctr" defTabSz="825500">
               <a:spcBef>
@@ -1968,7 +1971,7 @@
           </a:prstGeom>
         </p:spPr>
         <p:txBody>
-          <a:bodyPr/>
+          <a:bodyPr numCol="1" spcCol="38100"/>
           <a:lstStyle>
             <a:lvl1pPr marL="0" indent="0" algn="ctr" defTabSz="825500">
               <a:spcBef>
@@ -2154,7 +2157,7 @@
           </a:prstGeom>
         </p:spPr>
         <p:txBody>
-          <a:bodyPr lIns="91439" tIns="45719" rIns="91439" bIns="45719">
+          <a:bodyPr lIns="91439" tIns="45719" rIns="91439" bIns="45719" numCol="1" spcCol="38100">
             <a:noAutofit/>
           </a:bodyPr>
           <a:lstStyle/>
@@ -2209,7 +2212,7 @@
           </a:prstGeom>
         </p:spPr>
         <p:txBody>
-          <a:bodyPr/>
+          <a:bodyPr numCol="1" spcCol="38100"/>
           <a:lstStyle>
             <a:lvl1pPr marL="0" indent="0" algn="ctr" defTabSz="825500">
               <a:spcBef>
@@ -2386,6 +2389,10 @@
           </p:nvPr>
         </p:nvSpPr>
         <p:spPr>
+          <a:xfrm>
+            <a:off x="1270000" y="812800"/>
+            <a:ext cx="21844000" cy="1557437"/>
+          </a:xfrm>
           <a:prstGeom prst="rect">
             <a:avLst/>
           </a:prstGeom>
@@ -2419,7 +2426,7 @@
           </a:prstGeom>
         </p:spPr>
         <p:txBody>
-          <a:bodyPr/>
+          <a:bodyPr numCol="1" spcCol="38100"/>
           <a:lstStyle>
             <a:lvl1pPr marL="0" indent="0" algn="ctr" defTabSz="825500">
               <a:spcBef>
@@ -2452,16 +2459,20 @@
           <p:cNvPr id="44" name="Body Level One…"/>
           <p:cNvSpPr txBox="1"/>
           <p:nvPr>
-            <p:ph type="body" idx="1" hasCustomPrompt="1"/>
+            <p:ph type="body" sz="half" idx="1" hasCustomPrompt="1"/>
           </p:nvPr>
         </p:nvSpPr>
         <p:spPr>
+          <a:xfrm>
+            <a:off x="1270000" y="4267200"/>
+            <a:ext cx="21844000" cy="5894664"/>
+          </a:xfrm>
           <a:prstGeom prst="rect">
             <a:avLst/>
           </a:prstGeom>
         </p:spPr>
         <p:txBody>
-          <a:bodyPr/>
+          <a:bodyPr numCol="1" spcCol="38100"/>
           <a:lstStyle/>
           <a:p>
             <a:pPr/>
@@ -2552,16 +2563,12 @@
           </p:nvPr>
         </p:nvSpPr>
         <p:spPr>
-          <a:xfrm>
-            <a:off x="1270000" y="4269316"/>
-            <a:ext cx="21844000" cy="8432801"/>
-          </a:xfrm>
           <a:prstGeom prst="rect">
             <a:avLst/>
           </a:prstGeom>
         </p:spPr>
         <p:txBody>
-          <a:bodyPr numCol="2" spcCol="1092200"/>
+          <a:bodyPr/>
           <a:lstStyle/>
           <a:p>
             <a:pPr/>
@@ -2661,7 +2668,7 @@
           </a:prstGeom>
         </p:spPr>
         <p:txBody>
-          <a:bodyPr lIns="91439" tIns="45719" rIns="91439" bIns="45719">
+          <a:bodyPr lIns="91439" tIns="45719" rIns="91439" bIns="45719" numCol="1" spcCol="38100">
             <a:noAutofit/>
           </a:bodyPr>
           <a:lstStyle/>
@@ -2716,7 +2723,7 @@
           </a:prstGeom>
         </p:spPr>
         <p:txBody>
-          <a:bodyPr/>
+          <a:bodyPr numCol="1" spcCol="38100"/>
           <a:lstStyle/>
           <a:p>
             <a:pPr/>
@@ -2768,7 +2775,7 @@
           </a:prstGeom>
         </p:spPr>
         <p:txBody>
-          <a:bodyPr/>
+          <a:bodyPr numCol="1" spcCol="38100"/>
           <a:lstStyle>
             <a:lvl1pPr marL="0" indent="0" algn="ctr" defTabSz="825500">
               <a:spcBef>
@@ -2948,6 +2955,10 @@
           </p:nvPr>
         </p:nvSpPr>
         <p:spPr>
+          <a:xfrm>
+            <a:off x="1270000" y="812800"/>
+            <a:ext cx="21844000" cy="1557437"/>
+          </a:xfrm>
           <a:prstGeom prst="rect">
             <a:avLst/>
           </a:prstGeom>
@@ -2981,7 +2992,7 @@
           </a:prstGeom>
         </p:spPr>
         <p:txBody>
-          <a:bodyPr/>
+          <a:bodyPr numCol="1" spcCol="38100"/>
           <a:lstStyle>
             <a:lvl1pPr marL="0" indent="0" algn="ctr" defTabSz="825500">
               <a:spcBef>
@@ -3066,10 +3077,6 @@
           </p:nvPr>
         </p:nvSpPr>
         <p:spPr>
-          <a:xfrm>
-            <a:off x="1270000" y="812800"/>
-            <a:ext cx="21844000" cy="1562100"/>
-          </a:xfrm>
           <a:prstGeom prst="rect">
             <a:avLst/>
           </a:prstGeom>
@@ -3103,7 +3110,7 @@
           </a:prstGeom>
         </p:spPr>
         <p:txBody>
-          <a:bodyPr/>
+          <a:bodyPr numCol="1" spcCol="38100"/>
           <a:lstStyle>
             <a:lvl1pPr marL="0" indent="0" algn="ctr" defTabSz="825500">
               <a:spcBef>
@@ -3140,12 +3147,16 @@
           </p:nvPr>
         </p:nvSpPr>
         <p:spPr>
+          <a:xfrm>
+            <a:off x="1270000" y="4267200"/>
+            <a:ext cx="21844000" cy="8432800"/>
+          </a:xfrm>
           <a:prstGeom prst="rect">
             <a:avLst/>
           </a:prstGeom>
         </p:spPr>
         <p:txBody>
-          <a:bodyPr/>
+          <a:bodyPr numCol="1" spcCol="38100"/>
           <a:lstStyle>
             <a:lvl1pPr marL="0" indent="0" defTabSz="825500">
               <a:buClrTx/>
@@ -3275,7 +3286,69 @@
       </p:grpSpPr>
       <p:sp>
         <p:nvSpPr>
-          <p:cNvPr id="2" name="Slide Title"/>
+          <p:cNvPr id="2" name="Body Level One…"/>
+          <p:cNvSpPr txBox="1"/>
+          <p:nvPr>
+            <p:ph type="body" idx="1" hasCustomPrompt="1"/>
+          </p:nvPr>
+        </p:nvSpPr>
+        <p:spPr>
+          <a:xfrm>
+            <a:off x="1270000" y="4269316"/>
+            <a:ext cx="21844000" cy="8432801"/>
+          </a:xfrm>
+          <a:prstGeom prst="rect">
+            <a:avLst/>
+          </a:prstGeom>
+          <a:ln w="12700">
+            <a:miter lim="400000"/>
+          </a:ln>
+          <a:extLst>
+            <a:ext uri="{C572A759-6A51-4108-AA02-DFA0A04FC94B}">
+              <ma14:wrappingTextBoxFlag xmlns:ma14="http://schemas.microsoft.com/office/mac/drawingml/2011/main" val="1"/>
+            </a:ext>
+          </a:extLst>
+        </p:spPr>
+        <p:txBody>
+          <a:bodyPr lIns="50800" tIns="50800" rIns="50800" bIns="50800" numCol="2" spcCol="1092200">
+            <a:normAutofit fontScale="100000" lnSpcReduction="0"/>
+          </a:bodyPr>
+          <a:lstStyle/>
+          <a:p>
+            <a:pPr/>
+            <a:r>
+              <a:t>Slide bullet text</a:t>
+            </a:r>
+          </a:p>
+          <a:p>
+            <a:pPr lvl="1"/>
+            <a:r>
+              <a:t/>
+            </a:r>
+          </a:p>
+          <a:p>
+            <a:pPr lvl="2"/>
+            <a:r>
+              <a:t/>
+            </a:r>
+          </a:p>
+          <a:p>
+            <a:pPr lvl="3"/>
+            <a:r>
+              <a:t/>
+            </a:r>
+          </a:p>
+          <a:p>
+            <a:pPr lvl="4"/>
+            <a:r>
+              <a:t/>
+            </a:r>
+          </a:p>
+        </p:txBody>
+      </p:sp>
+      <p:sp>
+        <p:nvSpPr>
+          <p:cNvPr id="3" name="Slide Title"/>
           <p:cNvSpPr txBox="1"/>
           <p:nvPr>
             <p:ph type="title" hasCustomPrompt="1"/>
@@ -3284,7 +3357,7 @@
         <p:spPr>
           <a:xfrm>
             <a:off x="1270000" y="812800"/>
-            <a:ext cx="21844000" cy="1557437"/>
+            <a:ext cx="21844000" cy="1562100"/>
           </a:xfrm>
           <a:prstGeom prst="rect">
             <a:avLst/>
@@ -3307,68 +3380,6 @@
             <a:pPr/>
             <a:r>
               <a:t>Slide Title</a:t>
-            </a:r>
-          </a:p>
-        </p:txBody>
-      </p:sp>
-      <p:sp>
-        <p:nvSpPr>
-          <p:cNvPr id="3" name="Body Level One…"/>
-          <p:cNvSpPr txBox="1"/>
-          <p:nvPr>
-            <p:ph type="body" idx="1" hasCustomPrompt="1"/>
-          </p:nvPr>
-        </p:nvSpPr>
-        <p:spPr>
-          <a:xfrm>
-            <a:off x="1270000" y="4267200"/>
-            <a:ext cx="21844000" cy="8432800"/>
-          </a:xfrm>
-          <a:prstGeom prst="rect">
-            <a:avLst/>
-          </a:prstGeom>
-          <a:ln w="12700">
-            <a:miter lim="400000"/>
-          </a:ln>
-          <a:extLst>
-            <a:ext uri="{C572A759-6A51-4108-AA02-DFA0A04FC94B}">
-              <ma14:wrappingTextBoxFlag xmlns:ma14="http://schemas.microsoft.com/office/mac/drawingml/2011/main" val="1"/>
-            </a:ext>
-          </a:extLst>
-        </p:spPr>
-        <p:txBody>
-          <a:bodyPr lIns="50800" tIns="50800" rIns="50800" bIns="50800">
-            <a:normAutofit fontScale="100000" lnSpcReduction="0"/>
-          </a:bodyPr>
-          <a:lstStyle/>
-          <a:p>
-            <a:pPr/>
-            <a:r>
-              <a:t>Slide bullet text</a:t>
-            </a:r>
-          </a:p>
-          <a:p>
-            <a:pPr lvl="1"/>
-            <a:r>
-              <a:t/>
-            </a:r>
-          </a:p>
-          <a:p>
-            <a:pPr lvl="2"/>
-            <a:r>
-              <a:t/>
-            </a:r>
-          </a:p>
-          <a:p>
-            <a:pPr lvl="3"/>
-            <a:r>
-              <a:t/>
-            </a:r>
-          </a:p>
-          <a:p>
-            <a:pPr lvl="4"/>
-            <a:r>
-              <a:t/>
             </a:r>
           </a:p>
         </p:txBody>
@@ -4279,28 +4290,7 @@
       </p:sp>
       <p:sp>
         <p:nvSpPr>
-          <p:cNvPr id="152" name="Author and Date"/>
-          <p:cNvSpPr txBox="1"/>
-          <p:nvPr>
-            <p:ph type="body" idx="21"/>
-          </p:nvPr>
-        </p:nvSpPr>
-        <p:spPr>
-          <a:prstGeom prst="rect">
-            <a:avLst/>
-          </a:prstGeom>
-        </p:spPr>
-        <p:txBody>
-          <a:bodyPr/>
-          <a:lstStyle/>
-          <a:p>
-            <a:pPr/>
-          </a:p>
-        </p:txBody>
-      </p:sp>
-      <p:sp>
-        <p:nvSpPr>
-          <p:cNvPr id="153" name="Gerard Burgués…"/>
+          <p:cNvPr id="152" name="Gerard Burgués…"/>
           <p:cNvSpPr txBox="1"/>
           <p:nvPr>
             <p:ph type="subTitle" sz="quarter" idx="1"/>
@@ -4356,7 +4346,7 @@
       </p:grpSpPr>
       <p:sp>
         <p:nvSpPr>
-          <p:cNvPr id="155" name="Content"/>
+          <p:cNvPr id="154" name="Content"/>
           <p:cNvSpPr txBox="1"/>
           <p:nvPr>
             <p:ph type="title"/>
@@ -4380,7 +4370,7 @@
       </p:sp>
       <p:sp>
         <p:nvSpPr>
-          <p:cNvPr id="156" name="Problem + Solution…"/>
+          <p:cNvPr id="155" name="Problem + Solution…"/>
           <p:cNvSpPr txBox="1"/>
           <p:nvPr>
             <p:ph type="body" sz="half" idx="1"/>
@@ -4434,7 +4424,7 @@
       </p:sp>
       <p:grpSp>
         <p:nvGrpSpPr>
-          <p:cNvPr id="159" name="Image Gallery"/>
+          <p:cNvPr id="158" name="Image Gallery"/>
           <p:cNvGrpSpPr/>
           <p:nvPr/>
         </p:nvGrpSpPr>
@@ -4448,7 +4438,7 @@
         </p:grpSpPr>
         <p:pic>
           <p:nvPicPr>
-            <p:cNvPr id="157" name="backgro.jpg" descr="backgro.jpg"/>
+            <p:cNvPr id="156" name="backgro.jpg" descr="backgro.jpg"/>
             <p:cNvPicPr>
               <a:picLocks noChangeAspect="1"/>
             </p:cNvPicPr>
@@ -4480,7 +4470,7 @@
         </p:pic>
         <p:sp>
           <p:nvSpPr>
-            <p:cNvPr id="158" name="Caption"/>
+            <p:cNvPr id="157" name="Caption"/>
             <p:cNvSpPr/>
             <p:nvPr/>
           </p:nvSpPr>
@@ -4546,7 +4536,7 @@
       </p:grpSpPr>
       <p:sp>
         <p:nvSpPr>
-          <p:cNvPr id="161" name="Rectangle"/>
+          <p:cNvPr id="160" name="Rectangle"/>
           <p:cNvSpPr/>
           <p:nvPr/>
         </p:nvSpPr>
@@ -4585,7 +4575,7 @@
       </p:sp>
       <p:sp>
         <p:nvSpPr>
-          <p:cNvPr id="162" name="Problem &amp; Solution"/>
+          <p:cNvPr id="161" name="Problem &amp; Solution"/>
           <p:cNvSpPr txBox="1"/>
           <p:nvPr>
             <p:ph type="title"/>
@@ -4609,16 +4599,16 @@
       </p:sp>
       <p:sp>
         <p:nvSpPr>
-          <p:cNvPr id="163" name="A lot of pictures of vacation, friends, family, evens, etc.…"/>
+          <p:cNvPr id="162" name="A lot of pictures of vacation, friends, family, evens, etc.…"/>
           <p:cNvSpPr txBox="1"/>
           <p:nvPr>
-            <p:ph type="body" idx="1"/>
+            <p:ph type="body" sz="half" idx="1"/>
           </p:nvPr>
         </p:nvSpPr>
         <p:spPr>
           <a:xfrm>
             <a:off x="1270000" y="4271367"/>
-            <a:ext cx="21844000" cy="8432801"/>
+            <a:ext cx="21844000" cy="5894664"/>
           </a:xfrm>
           <a:prstGeom prst="rect">
             <a:avLst/>
@@ -4628,20 +4618,33 @@
           <a:bodyPr/>
           <a:lstStyle/>
           <a:p>
-            <a:pPr/>
+            <a:pPr marL="530859" indent="-530859" defTabSz="2316479">
+              <a:spcBef>
+                <a:spcPts val="2200"/>
+              </a:spcBef>
+              <a:defRPr sz="4560"/>
+            </a:pPr>
             <a:r>
               <a:t>A lot of pictures of vacation, friends, family, evens, etc.</a:t>
             </a:r>
           </a:p>
           <a:p>
-            <a:pPr/>
+            <a:pPr marL="530859" indent="-530859" defTabSz="2316479">
+              <a:spcBef>
+                <a:spcPts val="2200"/>
+              </a:spcBef>
+              <a:defRPr sz="4560"/>
+            </a:pPr>
             <a:r>
               <a:t>How can we organise those pictures?How can I classify those pictures?</a:t>
             </a:r>
           </a:p>
           <a:p>
-            <a:pPr>
-              <a:defRPr>
+            <a:pPr marL="530859" indent="-530859" defTabSz="2316479">
+              <a:spcBef>
+                <a:spcPts val="2200"/>
+              </a:spcBef>
+              <a:defRPr sz="4560">
                 <a:solidFill>
                   <a:srgbClr val="000000"/>
                 </a:solidFill>
@@ -4649,60 +4652,19 @@
             </a:pPr>
           </a:p>
           <a:p>
-            <a:pPr>
-              <a:defRPr>
+            <a:pPr marL="530859" indent="-530859" defTabSz="2316479">
+              <a:spcBef>
+                <a:spcPts val="2200"/>
+              </a:spcBef>
+              <a:defRPr sz="4560">
                 <a:solidFill>
                   <a:srgbClr val="000000"/>
                 </a:solidFill>
               </a:defRPr>
             </a:pPr>
             <a:r>
-              <a:t>Using Face Recognition will help us to organise and classify all our images. Each person will have an specific folder.</a:t>
-            </a:r>
-          </a:p>
-        </p:txBody>
-      </p:sp>
-      <p:sp>
-        <p:nvSpPr>
-          <p:cNvPr id="164" name="Arrow">
-            <a:hlinkClick r:id="" invalidUrl="" action="ppaction://hlinkshowjump?jump=nextslide" tgtFrame="" tooltip="" history="1" highlightClick="0" endSnd="0"/>
-          </p:cNvPr>
-          <p:cNvSpPr/>
-          <p:nvPr/>
-        </p:nvSpPr>
-        <p:spPr>
-          <a:xfrm>
-            <a:off x="20827026" y="11368897"/>
-            <a:ext cx="2032113" cy="1270001"/>
-          </a:xfrm>
-          <a:prstGeom prst="rightArrow">
-            <a:avLst>
-              <a:gd name="adj1" fmla="val 32000"/>
-              <a:gd name="adj2" fmla="val 64000"/>
-            </a:avLst>
-          </a:prstGeom>
-          <a:solidFill>
-            <a:srgbClr val="000000"/>
-          </a:solidFill>
-          <a:ln w="12700">
-            <a:miter lim="400000"/>
-          </a:ln>
-        </p:spPr>
-        <p:txBody>
-          <a:bodyPr lIns="50800" tIns="50800" rIns="50800" bIns="50800" anchor="ctr"/>
-          <a:lstStyle/>
-          <a:p>
-            <a:pPr defTabSz="457200">
-              <a:defRPr sz="3200">
-                <a:solidFill>
-                  <a:srgbClr val="FFFFFF"/>
-                </a:solidFill>
-                <a:latin typeface="Graphik Medium"/>
-                <a:ea typeface="Graphik Medium"/>
-                <a:cs typeface="Graphik Medium"/>
-                <a:sym typeface="Graphik Medium"/>
-              </a:defRPr>
-            </a:pPr>
+              <a:t>Using Face Recognition will help us organise and classify all our images. Each person will have a specific folder.</a:t>
+            </a:r>
           </a:p>
         </p:txBody>
       </p:sp>
@@ -4734,7 +4696,7 @@
       </p:grpSpPr>
       <p:sp>
         <p:nvSpPr>
-          <p:cNvPr id="166" name="Slide Title"/>
+          <p:cNvPr id="164" name="SIFT-Algorithm"/>
           <p:cNvSpPr txBox="1"/>
           <p:nvPr>
             <p:ph type="title"/>
@@ -4750,12 +4712,238 @@
           <a:lstStyle/>
           <a:p>
             <a:pPr/>
+            <a:r>
+              <a:t>SIFT-Algorithm</a:t>
+            </a:r>
           </a:p>
         </p:txBody>
       </p:sp>
       <p:sp>
         <p:nvSpPr>
-          <p:cNvPr id="167" name="Slide Subtitle"/>
+          <p:cNvPr id="165" name="STEPS…"/>
+          <p:cNvSpPr txBox="1"/>
+          <p:nvPr>
+            <p:ph type="body" sz="half" idx="1"/>
+          </p:nvPr>
+        </p:nvSpPr>
+        <p:spPr>
+          <a:prstGeom prst="rect">
+            <a:avLst/>
+          </a:prstGeom>
+        </p:spPr>
+        <p:txBody>
+          <a:bodyPr/>
+          <a:lstStyle/>
+          <a:p>
+            <a:pPr marL="502919" indent="-502919" defTabSz="2194559">
+              <a:spcBef>
+                <a:spcPts val="2100"/>
+              </a:spcBef>
+              <a:defRPr sz="4319"/>
+            </a:pPr>
+            <a:r>
+              <a:t>STEPS</a:t>
+            </a:r>
+          </a:p>
+          <a:p>
+            <a:pPr lvl="1" marL="1600200" indent="-800100" defTabSz="2194559">
+              <a:spcBef>
+                <a:spcPts val="2100"/>
+              </a:spcBef>
+              <a:buClrTx/>
+              <a:buAutoNum type="arabicPeriod" startAt="1"/>
+              <a:defRPr sz="4319"/>
+            </a:pPr>
+            <a:r>
+              <a:t>Finding Scale-space: We will use Difference of Gaussian (DoG)</a:t>
+            </a:r>
+          </a:p>
+          <a:p>
+            <a:pPr lvl="1" marL="1600200" indent="-800100" defTabSz="2194559">
+              <a:spcBef>
+                <a:spcPts val="2100"/>
+              </a:spcBef>
+              <a:buClrTx/>
+              <a:buAutoNum type="arabicPeriod" startAt="1"/>
+              <a:defRPr sz="4319"/>
+            </a:pPr>
+            <a:r>
+              <a:t>Key point localisation and filtering</a:t>
+            </a:r>
+          </a:p>
+          <a:p>
+            <a:pPr lvl="1" marL="1600200" indent="-800100" defTabSz="2194559">
+              <a:spcBef>
+                <a:spcPts val="2100"/>
+              </a:spcBef>
+              <a:buClrTx/>
+              <a:buAutoNum type="arabicPeriod" startAt="1"/>
+              <a:defRPr sz="4319"/>
+            </a:pPr>
+            <a:r>
+              <a:t>Orientation assignment</a:t>
+            </a:r>
+          </a:p>
+          <a:p>
+            <a:pPr lvl="1" marL="1600200" indent="-800100" defTabSz="2194559">
+              <a:spcBef>
+                <a:spcPts val="2100"/>
+              </a:spcBef>
+              <a:buClrTx/>
+              <a:buAutoNum type="arabicPeriod" startAt="1"/>
+              <a:defRPr sz="4319"/>
+            </a:pPr>
+            <a:r>
+              <a:t>Key Point Descriptor</a:t>
+            </a:r>
+          </a:p>
+          <a:p>
+            <a:pPr lvl="1" marL="1600200" indent="-800100" defTabSz="2194559">
+              <a:spcBef>
+                <a:spcPts val="2100"/>
+              </a:spcBef>
+              <a:buClrTx/>
+              <a:buAutoNum type="arabicPeriod" startAt="1"/>
+              <a:defRPr sz="4319"/>
+            </a:pPr>
+            <a:r>
+              <a:t>Key point match: Match by identifying their nearest neighbours</a:t>
+            </a:r>
+          </a:p>
+        </p:txBody>
+      </p:sp>
+      <p:sp>
+        <p:nvSpPr>
+          <p:cNvPr id="166" name="Slide Number"/>
+          <p:cNvSpPr txBox="1"/>
+          <p:nvPr>
+            <p:ph type="sldNum" sz="quarter" idx="4294967295"/>
+          </p:nvPr>
+        </p:nvSpPr>
+        <p:spPr>
+          <a:xfrm>
+            <a:off x="12042305" y="13081000"/>
+            <a:ext cx="286690" cy="467107"/>
+          </a:xfrm>
+          <a:prstGeom prst="rect">
+            <a:avLst/>
+          </a:prstGeom>
+          <a:extLst>
+            <a:ext uri="{C572A759-6A51-4108-AA02-DFA0A04FC94B}">
+              <ma14:wrappingTextBoxFlag xmlns:ma14="http://schemas.microsoft.com/office/mac/drawingml/2011/main" val="1"/>
+            </a:ext>
+          </a:extLst>
+        </p:spPr>
+        <p:txBody>
+          <a:bodyPr/>
+          <a:lstStyle/>
+          <a:p>
+            <a:pPr/>
+            <a:fld id="{86CB4B4D-7CA3-9044-876B-883B54F8677D}" type="slidenum"/>
+          </a:p>
+        </p:txBody>
+      </p:sp>
+      <p:sp>
+        <p:nvSpPr>
+          <p:cNvPr id="167" name="https://medium.com/data-breach/introduction-to-sift-scale-invariant-feature-transform-65d7f3a72d40"/>
+          <p:cNvSpPr txBox="1"/>
+          <p:nvPr/>
+        </p:nvSpPr>
+        <p:spPr>
+          <a:xfrm>
+            <a:off x="4872685" y="11375305"/>
+            <a:ext cx="14638630" cy="492253"/>
+          </a:xfrm>
+          <a:prstGeom prst="rect">
+            <a:avLst/>
+          </a:prstGeom>
+          <a:ln w="12700">
+            <a:miter lim="400000"/>
+          </a:ln>
+          <a:extLst>
+            <a:ext uri="{C572A759-6A51-4108-AA02-DFA0A04FC94B}">
+              <ma14:wrappingTextBoxFlag xmlns:ma14="http://schemas.microsoft.com/office/mac/drawingml/2011/main" val="1"/>
+            </a:ext>
+          </a:extLst>
+        </p:spPr>
+        <p:txBody>
+          <a:bodyPr wrap="none" lIns="50800" tIns="50800" rIns="50800" bIns="50800" anchor="ctr">
+            <a:spAutoFit/>
+          </a:bodyPr>
+          <a:lstStyle>
+            <a:lvl1pPr>
+              <a:defRPr>
+                <a:solidFill>
+                  <a:schemeClr val="accent2">
+                    <a:hueOff val="-206910"/>
+                    <a:satOff val="-12829"/>
+                    <a:lumOff val="16238"/>
+                  </a:schemeClr>
+                </a:solidFill>
+              </a:defRPr>
+            </a:lvl1pPr>
+          </a:lstStyle>
+          <a:p>
+            <a:pPr/>
+            <a:r>
+              <a:t>https://medium.com/data-breach/introduction-to-sift-scale-invariant-feature-transform-65d7f3a72d40</a:t>
+            </a:r>
+          </a:p>
+        </p:txBody>
+      </p:sp>
+    </p:spTree>
+  </p:cSld>
+  <p:clrMapOvr>
+    <a:masterClrMapping/>
+  </p:clrMapOvr>
+  <p:transition xmlns:p14="http://schemas.microsoft.com/office/powerpoint/2010/main" spd="med" advClick="1"/>
+</p:sld>
+</file>
+
+<file path=ppt/slides/slide5.xml><?xml version="1.0" encoding="utf-8"?>
+<p:sld xmlns:a="http://schemas.openxmlformats.org/drawingml/2006/main" xmlns:r="http://schemas.openxmlformats.org/officeDocument/2006/relationships" xmlns:p="http://schemas.openxmlformats.org/presentationml/2006/main" xmlns:m="http://schemas.openxmlformats.org/officeDocument/2006/math" xmlns:a14="http://schemas.microsoft.com/office/drawing/2010/main" showMasterSp="1" showMasterPhAnim="1">
+  <p:cSld>
+    <p:spTree>
+      <p:nvGrpSpPr>
+        <p:cNvPr id="1" name=""/>
+        <p:cNvGrpSpPr/>
+        <p:nvPr/>
+      </p:nvGrpSpPr>
+      <p:grpSpPr>
+        <a:xfrm>
+          <a:off x="0" y="0"/>
+          <a:ext cx="0" cy="0"/>
+          <a:chOff x="0" y="0"/>
+          <a:chExt cx="0" cy="0"/>
+        </a:xfrm>
+      </p:grpSpPr>
+      <p:sp>
+        <p:nvSpPr>
+          <p:cNvPr id="169" name="SIFT-Results"/>
+          <p:cNvSpPr txBox="1"/>
+          <p:nvPr>
+            <p:ph type="title"/>
+          </p:nvPr>
+        </p:nvSpPr>
+        <p:spPr>
+          <a:prstGeom prst="rect">
+            <a:avLst/>
+          </a:prstGeom>
+        </p:spPr>
+        <p:txBody>
+          <a:bodyPr/>
+          <a:lstStyle/>
+          <a:p>
+            <a:pPr/>
+            <a:r>
+              <a:t>SIFT-Results</a:t>
+            </a:r>
+          </a:p>
+        </p:txBody>
+      </p:sp>
+      <p:sp>
+        <p:nvSpPr>
+          <p:cNvPr id="170" name="Slide Subtitle"/>
           <p:cNvSpPr txBox="1"/>
           <p:nvPr>
             <p:ph type="body" idx="21"/>
@@ -4776,10 +4964,327 @@
       </p:sp>
       <p:sp>
         <p:nvSpPr>
-          <p:cNvPr id="168" name="Slide bullet text"/>
+          <p:cNvPr id="171" name="Slide bullet text"/>
+          <p:cNvSpPr txBox="1"/>
+          <p:nvPr>
+            <p:ph type="body" sz="half" idx="1"/>
+          </p:nvPr>
+        </p:nvSpPr>
+        <p:spPr>
+          <a:prstGeom prst="rect">
+            <a:avLst/>
+          </a:prstGeom>
+        </p:spPr>
+        <p:txBody>
+          <a:bodyPr/>
+          <a:lstStyle/>
+          <a:p>
+            <a:pPr/>
+          </a:p>
+        </p:txBody>
+      </p:sp>
+    </p:spTree>
+  </p:cSld>
+  <p:clrMapOvr>
+    <a:masterClrMapping/>
+  </p:clrMapOvr>
+  <p:transition xmlns:p14="http://schemas.microsoft.com/office/powerpoint/2010/main" spd="med" advClick="1"/>
+</p:sld>
+</file>
+
+<file path=ppt/slides/slide6.xml><?xml version="1.0" encoding="utf-8"?>
+<p:sld xmlns:a="http://schemas.openxmlformats.org/drawingml/2006/main" xmlns:r="http://schemas.openxmlformats.org/officeDocument/2006/relationships" xmlns:p="http://schemas.openxmlformats.org/presentationml/2006/main" xmlns:m="http://schemas.openxmlformats.org/officeDocument/2006/math" xmlns:a14="http://schemas.microsoft.com/office/drawing/2010/main" showMasterSp="1" showMasterPhAnim="1">
+  <p:cSld>
+    <p:spTree>
+      <p:nvGrpSpPr>
+        <p:cNvPr id="1" name=""/>
+        <p:cNvGrpSpPr/>
+        <p:nvPr/>
+      </p:nvGrpSpPr>
+      <p:grpSpPr>
+        <a:xfrm>
+          <a:off x="0" y="0"/>
+          <a:ext cx="0" cy="0"/>
+          <a:chOff x="0" y="0"/>
+          <a:chExt cx="0" cy="0"/>
+        </a:xfrm>
+      </p:grpSpPr>
+      <p:sp>
+        <p:nvSpPr>
+          <p:cNvPr id="173" name="LBPH-Algorithm"/>
+          <p:cNvSpPr txBox="1"/>
+          <p:nvPr>
+            <p:ph type="title"/>
+          </p:nvPr>
+        </p:nvSpPr>
+        <p:spPr>
+          <a:prstGeom prst="rect">
+            <a:avLst/>
+          </a:prstGeom>
+        </p:spPr>
+        <p:txBody>
+          <a:bodyPr/>
+          <a:lstStyle/>
+          <a:p>
+            <a:pPr/>
+            <a:r>
+              <a:t>LBPH-Algorithm</a:t>
+            </a:r>
+          </a:p>
+        </p:txBody>
+      </p:sp>
+      <p:sp>
+        <p:nvSpPr>
+          <p:cNvPr id="174" name="Steps…"/>
           <p:cNvSpPr txBox="1"/>
           <p:nvPr>
             <p:ph type="body" idx="1"/>
+          </p:nvPr>
+        </p:nvSpPr>
+        <p:spPr>
+          <a:xfrm>
+            <a:off x="1270000" y="3613899"/>
+            <a:ext cx="21844001" cy="7549542"/>
+          </a:xfrm>
+          <a:prstGeom prst="rect">
+            <a:avLst/>
+          </a:prstGeom>
+        </p:spPr>
+        <p:txBody>
+          <a:bodyPr/>
+          <a:lstStyle/>
+          <a:p>
+            <a:pPr/>
+            <a:r>
+              <a:t>Steps</a:t>
+            </a:r>
+          </a:p>
+          <a:p>
+            <a:pPr lvl="1" marL="1778000" indent="-889000">
+              <a:buClrTx/>
+              <a:buAutoNum type="arabicPeriod" startAt="1"/>
+            </a:pPr>
+            <a:r>
+              <a:t>Save same person image with same ID</a:t>
+            </a:r>
+          </a:p>
+          <a:p>
+            <a:pPr lvl="1" marL="1778000" indent="-889000">
+              <a:buClrTx/>
+              <a:buAutoNum type="arabicPeriod" startAt="1"/>
+            </a:pPr>
+            <a:r>
+              <a:t>LBP operation:</a:t>
+            </a:r>
+          </a:p>
+          <a:p>
+            <a:pPr lvl="1" marL="1778000" indent="-889000">
+              <a:buClrTx/>
+              <a:buAutoNum type="arabicPeriod" startAt="1"/>
+            </a:pPr>
+            <a:r>
+              <a:t>Extract of histograms:</a:t>
+            </a:r>
+          </a:p>
+          <a:p>
+            <a:pPr lvl="1" marL="1778000" indent="-889000">
+              <a:buClrTx/>
+              <a:buAutoNum type="arabicPeriod" startAt="1"/>
+            </a:pPr>
+            <a:r>
+              <a:t>Perform of face recognition (match):</a:t>
+            </a:r>
+          </a:p>
+          <a:p>
+            <a:pPr lvl="2" marL="2667000" indent="-889000">
+              <a:buClrTx/>
+              <a:buAutoNum type="arabicPeriod" startAt="1"/>
+            </a:pPr>
+            <a:r>
+              <a:t>We will use euclidian distance</a:t>
+            </a:r>
+          </a:p>
+        </p:txBody>
+      </p:sp>
+      <p:pic>
+        <p:nvPicPr>
+          <p:cNvPr id="175" name="Image" descr="Image"/>
+          <p:cNvPicPr>
+            <a:picLocks noChangeAspect="1"/>
+          </p:cNvPicPr>
+          <p:nvPr/>
+        </p:nvPicPr>
+        <p:blipFill>
+          <a:blip r:embed="rId2">
+            <a:extLst/>
+          </a:blip>
+          <a:stretch>
+            <a:fillRect/>
+          </a:stretch>
+        </p:blipFill>
+        <p:spPr>
+          <a:xfrm>
+            <a:off x="15703312" y="5418666"/>
+            <a:ext cx="8636001" cy="2878668"/>
+          </a:xfrm>
+          <a:prstGeom prst="rect">
+            <a:avLst/>
+          </a:prstGeom>
+          <a:ln w="12700">
+            <a:miter lim="400000"/>
+          </a:ln>
+        </p:spPr>
+      </p:pic>
+      <p:pic>
+        <p:nvPicPr>
+          <p:cNvPr id="176" name="Image" descr="Image"/>
+          <p:cNvPicPr>
+            <a:picLocks noChangeAspect="1"/>
+          </p:cNvPicPr>
+          <p:nvPr/>
+        </p:nvPicPr>
+        <p:blipFill>
+          <a:blip r:embed="rId3">
+            <a:extLst/>
+          </a:blip>
+          <a:stretch>
+            <a:fillRect/>
+          </a:stretch>
+        </p:blipFill>
+        <p:spPr>
+          <a:xfrm>
+            <a:off x="15703312" y="8346192"/>
+            <a:ext cx="8636001" cy="2324101"/>
+          </a:xfrm>
+          <a:prstGeom prst="rect">
+            <a:avLst/>
+          </a:prstGeom>
+          <a:ln w="12700">
+            <a:miter lim="400000"/>
+          </a:ln>
+        </p:spPr>
+      </p:pic>
+      <p:sp>
+        <p:nvSpPr>
+          <p:cNvPr id="177" name="https://towardsdatascience.com/face-recognition-how-lbph-works-90ec258c3d6b"/>
+          <p:cNvSpPr txBox="1"/>
+          <p:nvPr/>
+        </p:nvSpPr>
+        <p:spPr>
+          <a:xfrm>
+            <a:off x="1497052" y="11343888"/>
+            <a:ext cx="11890553" cy="492253"/>
+          </a:xfrm>
+          <a:prstGeom prst="rect">
+            <a:avLst/>
+          </a:prstGeom>
+          <a:ln w="12700">
+            <a:miter lim="400000"/>
+          </a:ln>
+          <a:extLst>
+            <a:ext uri="{C572A759-6A51-4108-AA02-DFA0A04FC94B}">
+              <ma14:wrappingTextBoxFlag xmlns:ma14="http://schemas.microsoft.com/office/mac/drawingml/2011/main" val="1"/>
+            </a:ext>
+          </a:extLst>
+        </p:spPr>
+        <p:txBody>
+          <a:bodyPr wrap="none" lIns="50800" tIns="50800" rIns="50800" bIns="50800" anchor="ctr">
+            <a:spAutoFit/>
+          </a:bodyPr>
+          <a:lstStyle>
+            <a:lvl1pPr>
+              <a:defRPr>
+                <a:solidFill>
+                  <a:srgbClr val="FCFFFF"/>
+                </a:solidFill>
+              </a:defRPr>
+            </a:lvl1pPr>
+          </a:lstStyle>
+          <a:p>
+            <a:pPr/>
+            <a:r>
+              <a:t>https://towardsdatascience.com/face-recognition-how-lbph-works-90ec258c3d6b</a:t>
+            </a:r>
+          </a:p>
+        </p:txBody>
+      </p:sp>
+    </p:spTree>
+  </p:cSld>
+  <p:clrMapOvr>
+    <a:masterClrMapping/>
+  </p:clrMapOvr>
+  <p:transition xmlns:p14="http://schemas.microsoft.com/office/powerpoint/2010/main" spd="med" advClick="1"/>
+</p:sld>
+</file>
+
+<file path=ppt/slides/slide7.xml><?xml version="1.0" encoding="utf-8"?>
+<p:sld xmlns:a="http://schemas.openxmlformats.org/drawingml/2006/main" xmlns:r="http://schemas.openxmlformats.org/officeDocument/2006/relationships" xmlns:p="http://schemas.openxmlformats.org/presentationml/2006/main" xmlns:m="http://schemas.openxmlformats.org/officeDocument/2006/math" xmlns:a14="http://schemas.microsoft.com/office/drawing/2010/main" showMasterSp="1" showMasterPhAnim="1">
+  <p:cSld>
+    <p:spTree>
+      <p:nvGrpSpPr>
+        <p:cNvPr id="1" name=""/>
+        <p:cNvGrpSpPr/>
+        <p:nvPr/>
+      </p:nvGrpSpPr>
+      <p:grpSpPr>
+        <a:xfrm>
+          <a:off x="0" y="0"/>
+          <a:ext cx="0" cy="0"/>
+          <a:chOff x="0" y="0"/>
+          <a:chExt cx="0" cy="0"/>
+        </a:xfrm>
+      </p:grpSpPr>
+      <p:sp>
+        <p:nvSpPr>
+          <p:cNvPr id="179" name="LBPH-Results"/>
+          <p:cNvSpPr txBox="1"/>
+          <p:nvPr>
+            <p:ph type="title"/>
+          </p:nvPr>
+        </p:nvSpPr>
+        <p:spPr>
+          <a:prstGeom prst="rect">
+            <a:avLst/>
+          </a:prstGeom>
+        </p:spPr>
+        <p:txBody>
+          <a:bodyPr/>
+          <a:lstStyle/>
+          <a:p>
+            <a:pPr/>
+            <a:r>
+              <a:t>LBPH-Results</a:t>
+            </a:r>
+          </a:p>
+        </p:txBody>
+      </p:sp>
+      <p:sp>
+        <p:nvSpPr>
+          <p:cNvPr id="180" name="Slide Subtitle"/>
+          <p:cNvSpPr txBox="1"/>
+          <p:nvPr>
+            <p:ph type="body" idx="21"/>
+          </p:nvPr>
+        </p:nvSpPr>
+        <p:spPr>
+          <a:prstGeom prst="rect">
+            <a:avLst/>
+          </a:prstGeom>
+        </p:spPr>
+        <p:txBody>
+          <a:bodyPr/>
+          <a:lstStyle/>
+          <a:p>
+            <a:pPr/>
+          </a:p>
+        </p:txBody>
+      </p:sp>
+      <p:sp>
+        <p:nvSpPr>
+          <p:cNvPr id="181" name="Slide bullet text"/>
+          <p:cNvSpPr txBox="1"/>
+          <p:nvPr>
+            <p:ph type="body" sz="half" idx="1"/>
           </p:nvPr>
         </p:nvSpPr>
         <p:spPr>

--- a/midterm_presentation.pptx
+++ b/midterm_presentation.pptx
@@ -1,20 +1,25 @@
 
 <file path=ppt/presentation.xml><?xml version="1.0" encoding="utf-8"?>
-<p:presentation xmlns:a="http://schemas.openxmlformats.org/drawingml/2006/main" xmlns:r="http://schemas.openxmlformats.org/officeDocument/2006/relationships" xmlns:p="http://schemas.openxmlformats.org/presentationml/2006/main" xmlns:m="http://schemas.openxmlformats.org/officeDocument/2006/math" xmlns:a14="http://schemas.microsoft.com/office/drawing/2010/main">
+<p:presentation xmlns:a="http://schemas.openxmlformats.org/drawingml/2006/main" xmlns:r="http://schemas.openxmlformats.org/officeDocument/2006/relationships" xmlns:p="http://schemas.openxmlformats.org/presentationml/2006/main">
   <p:sldMasterIdLst>
-    <p:sldMasterId id="2147483648" r:id="rId5"/>
+    <p:sldMasterId id="2147483648" r:id="rId1"/>
   </p:sldMasterIdLst>
   <p:notesMasterIdLst>
-    <p:notesMasterId r:id="rId7"/>
+    <p:notesMasterId r:id="rId14"/>
   </p:notesMasterIdLst>
   <p:sldIdLst>
-    <p:sldId id="256" r:id="rId8"/>
-    <p:sldId id="257" r:id="rId9"/>
-    <p:sldId id="258" r:id="rId10"/>
-    <p:sldId id="259" r:id="rId11"/>
-    <p:sldId id="260" r:id="rId12"/>
-    <p:sldId id="261" r:id="rId13"/>
-    <p:sldId id="262" r:id="rId14"/>
+    <p:sldId id="256" r:id="rId2"/>
+    <p:sldId id="257" r:id="rId3"/>
+    <p:sldId id="258" r:id="rId4"/>
+    <p:sldId id="259" r:id="rId5"/>
+    <p:sldId id="260" r:id="rId6"/>
+    <p:sldId id="261" r:id="rId7"/>
+    <p:sldId id="262" r:id="rId8"/>
+    <p:sldId id="263" r:id="rId9"/>
+    <p:sldId id="264" r:id="rId10"/>
+    <p:sldId id="265" r:id="rId11"/>
+    <p:sldId id="266" r:id="rId12"/>
+    <p:sldId id="267" r:id="rId13"/>
   </p:sldIdLst>
   <p:sldSz cx="24384000" cy="13716000"/>
   <p:notesSz cx="6858000" cy="9144000"/>
@@ -34,7 +39,7 @@
       <a:buFontTx/>
       <a:buNone/>
       <a:tabLst/>
-      <a:defRPr b="0" baseline="0" cap="none" i="0" spc="0" strike="noStrike" sz="1800" u="none" kumimoji="0" normalizeH="0">
+      <a:defRPr kumimoji="0" sz="1800" b="0" i="0" u="none" strike="noStrike" cap="none" spc="0" normalizeH="0" baseline="0">
         <a:ln>
           <a:noFill/>
         </a:ln>
@@ -60,7 +65,7 @@
       <a:buFontTx/>
       <a:buNone/>
       <a:tabLst/>
-      <a:defRPr b="0" baseline="0" cap="none" i="0" spc="0" strike="noStrike" sz="2400" u="none" kumimoji="0" normalizeH="0">
+      <a:defRPr kumimoji="0" sz="2400" b="0" i="0" u="none" strike="noStrike" cap="none" spc="0" normalizeH="0" baseline="0">
         <a:ln>
           <a:noFill/>
         </a:ln>
@@ -90,7 +95,7 @@
       <a:buFontTx/>
       <a:buNone/>
       <a:tabLst/>
-      <a:defRPr b="0" baseline="0" cap="none" i="0" spc="0" strike="noStrike" sz="2400" u="none" kumimoji="0" normalizeH="0">
+      <a:defRPr kumimoji="0" sz="2400" b="0" i="0" u="none" strike="noStrike" cap="none" spc="0" normalizeH="0" baseline="0">
         <a:ln>
           <a:noFill/>
         </a:ln>
@@ -120,7 +125,7 @@
       <a:buFontTx/>
       <a:buNone/>
       <a:tabLst/>
-      <a:defRPr b="0" baseline="0" cap="none" i="0" spc="0" strike="noStrike" sz="2400" u="none" kumimoji="0" normalizeH="0">
+      <a:defRPr kumimoji="0" sz="2400" b="0" i="0" u="none" strike="noStrike" cap="none" spc="0" normalizeH="0" baseline="0">
         <a:ln>
           <a:noFill/>
         </a:ln>
@@ -150,7 +155,7 @@
       <a:buFontTx/>
       <a:buNone/>
       <a:tabLst/>
-      <a:defRPr b="0" baseline="0" cap="none" i="0" spc="0" strike="noStrike" sz="2400" u="none" kumimoji="0" normalizeH="0">
+      <a:defRPr kumimoji="0" sz="2400" b="0" i="0" u="none" strike="noStrike" cap="none" spc="0" normalizeH="0" baseline="0">
         <a:ln>
           <a:noFill/>
         </a:ln>
@@ -180,7 +185,7 @@
       <a:buFontTx/>
       <a:buNone/>
       <a:tabLst/>
-      <a:defRPr b="0" baseline="0" cap="none" i="0" spc="0" strike="noStrike" sz="2400" u="none" kumimoji="0" normalizeH="0">
+      <a:defRPr kumimoji="0" sz="2400" b="0" i="0" u="none" strike="noStrike" cap="none" spc="0" normalizeH="0" baseline="0">
         <a:ln>
           <a:noFill/>
         </a:ln>
@@ -210,7 +215,7 @@
       <a:buFontTx/>
       <a:buNone/>
       <a:tabLst/>
-      <a:defRPr b="0" baseline="0" cap="none" i="0" spc="0" strike="noStrike" sz="2400" u="none" kumimoji="0" normalizeH="0">
+      <a:defRPr kumimoji="0" sz="2400" b="0" i="0" u="none" strike="noStrike" cap="none" spc="0" normalizeH="0" baseline="0">
         <a:ln>
           <a:noFill/>
         </a:ln>
@@ -240,7 +245,7 @@
       <a:buFontTx/>
       <a:buNone/>
       <a:tabLst/>
-      <a:defRPr b="0" baseline="0" cap="none" i="0" spc="0" strike="noStrike" sz="2400" u="none" kumimoji="0" normalizeH="0">
+      <a:defRPr kumimoji="0" sz="2400" b="0" i="0" u="none" strike="noStrike" cap="none" spc="0" normalizeH="0" baseline="0">
         <a:ln>
           <a:noFill/>
         </a:ln>
@@ -270,7 +275,7 @@
       <a:buFontTx/>
       <a:buNone/>
       <a:tabLst/>
-      <a:defRPr b="0" baseline="0" cap="none" i="0" spc="0" strike="noStrike" sz="2400" u="none" kumimoji="0" normalizeH="0">
+      <a:defRPr kumimoji="0" sz="2400" b="0" i="0" u="none" strike="noStrike" cap="none" spc="0" normalizeH="0" baseline="0">
         <a:ln>
           <a:noFill/>
         </a:ln>
@@ -300,7 +305,7 @@
       <a:buFontTx/>
       <a:buNone/>
       <a:tabLst/>
-      <a:defRPr b="0" baseline="0" cap="none" i="0" spc="0" strike="noStrike" sz="2400" u="none" kumimoji="0" normalizeH="0">
+      <a:defRPr kumimoji="0" sz="2400" b="0" i="0" u="none" strike="noStrike" cap="none" spc="0" normalizeH="0" baseline="0">
         <a:ln>
           <a:noFill/>
         </a:ln>
@@ -319,13 +324,14 @@
 </p:presentation>
 </file>
 
-<file path=ppt/commentAuthors.xml><?xml version="1.0" encoding="utf-8"?>
-<p:cmAuthorLst xmlns:a="http://schemas.openxmlformats.org/drawingml/2006/main" xmlns:r="http://schemas.openxmlformats.org/officeDocument/2006/relationships" xmlns:p="http://schemas.openxmlformats.org/presentationml/2006/main" xmlns:m="http://schemas.openxmlformats.org/officeDocument/2006/math" xmlns:a14="http://schemas.microsoft.com/office/drawing/2010/main"/>
-</file>
-
 <file path=ppt/notesMasters/notesMaster1.xml><?xml version="1.0" encoding="utf-8"?>
-<p:notesMaster xmlns:a="http://schemas.openxmlformats.org/drawingml/2006/main" xmlns:r="http://schemas.openxmlformats.org/officeDocument/2006/relationships" xmlns:p="http://schemas.openxmlformats.org/presentationml/2006/main" xmlns:m="http://schemas.openxmlformats.org/officeDocument/2006/math" xmlns:a14="http://schemas.microsoft.com/office/drawing/2010/main">
+<p:notesMaster xmlns:a="http://schemas.openxmlformats.org/drawingml/2006/main" xmlns:r="http://schemas.openxmlformats.org/officeDocument/2006/relationships" xmlns:p="http://schemas.openxmlformats.org/presentationml/2006/main">
   <p:cSld>
+    <p:bg>
+      <p:bgRef idx="1001">
+        <a:schemeClr val="bg1"/>
+      </p:bgRef>
+    </p:bg>
     <p:spTree>
       <p:nvGrpSpPr>
         <p:cNvPr id="1" name=""/>
@@ -343,7 +349,9 @@
       <p:sp>
         <p:nvSpPr>
           <p:cNvPr id="148" name="Shape 148"/>
-          <p:cNvSpPr/>
+          <p:cNvSpPr>
+            <a:spLocks noGrp="1" noRot="1" noChangeAspect="1"/>
+          </p:cNvSpPr>
           <p:nvPr>
             <p:ph type="sldImg"/>
           </p:nvPr>
@@ -361,14 +369,16 @@
           <a:bodyPr/>
           <a:lstStyle/>
           <a:p>
-            <a:pPr/>
+            <a:endParaRPr/>
           </a:p>
         </p:txBody>
       </p:sp>
       <p:sp>
         <p:nvSpPr>
           <p:cNvPr id="149" name="Shape 149"/>
-          <p:cNvSpPr/>
+          <p:cNvSpPr>
+            <a:spLocks noGrp="1"/>
+          </p:cNvSpPr>
           <p:nvPr>
             <p:ph type="body" sz="quarter" idx="1"/>
           </p:nvPr>
@@ -386,7 +396,7 @@
           <a:bodyPr/>
           <a:lstStyle/>
           <a:p>
-            <a:pPr/>
+            <a:endParaRPr/>
           </a:p>
         </p:txBody>
       </p:sp>
@@ -497,8 +507,360 @@
 </p:notesMaster>
 </file>
 
+<file path=ppt/notesSlides/notesSlide1.xml><?xml version="1.0" encoding="utf-8"?>
+<p:notes xmlns:a="http://schemas.openxmlformats.org/drawingml/2006/main" xmlns:r="http://schemas.openxmlformats.org/officeDocument/2006/relationships" xmlns:p="http://schemas.openxmlformats.org/presentationml/2006/main">
+  <p:cSld>
+    <p:spTree>
+      <p:nvGrpSpPr>
+        <p:cNvPr id="1" name=""/>
+        <p:cNvGrpSpPr/>
+        <p:nvPr/>
+      </p:nvGrpSpPr>
+      <p:grpSpPr>
+        <a:xfrm>
+          <a:off x="0" y="0"/>
+          <a:ext cx="0" cy="0"/>
+          <a:chOff x="0" y="0"/>
+          <a:chExt cx="0" cy="0"/>
+        </a:xfrm>
+      </p:grpSpPr>
+      <p:sp>
+        <p:nvSpPr>
+          <p:cNvPr id="2" name="Espace réservé de l'image des diapositives 1"/>
+          <p:cNvSpPr>
+            <a:spLocks noGrp="1" noRot="1" noChangeAspect="1"/>
+          </p:cNvSpPr>
+          <p:nvPr>
+            <p:ph type="sldImg"/>
+          </p:nvPr>
+        </p:nvSpPr>
+        <p:spPr>
+          <a:xfrm>
+            <a:off x="381000" y="685800"/>
+            <a:ext cx="6096000" cy="3429000"/>
+          </a:xfrm>
+        </p:spPr>
+      </p:sp>
+      <p:sp>
+        <p:nvSpPr>
+          <p:cNvPr id="3" name="Espace réservé des notes 2"/>
+          <p:cNvSpPr>
+            <a:spLocks noGrp="1"/>
+          </p:cNvSpPr>
+          <p:nvPr>
+            <p:ph type="body" idx="1"/>
+          </p:nvPr>
+        </p:nvSpPr>
+        <p:spPr/>
+        <p:txBody>
+          <a:bodyPr/>
+          <a:lstStyle/>
+          <a:p>
+            <a:r>
+              <a:rPr lang="en-GB" dirty="0"/>
+              <a:t>Link :</a:t>
+            </a:r>
+          </a:p>
+        </p:txBody>
+      </p:sp>
+    </p:spTree>
+    <p:extLst>
+      <p:ext uri="{BB962C8B-B14F-4D97-AF65-F5344CB8AC3E}">
+        <p14:creationId xmlns:p14="http://schemas.microsoft.com/office/powerpoint/2010/main" val="629562961"/>
+      </p:ext>
+    </p:extLst>
+  </p:cSld>
+  <p:clrMapOvr>
+    <a:masterClrMapping/>
+  </p:clrMapOvr>
+</p:notes>
+</file>
+
+<file path=ppt/notesSlides/notesSlide2.xml><?xml version="1.0" encoding="utf-8"?>
+<p:notes xmlns:a="http://schemas.openxmlformats.org/drawingml/2006/main" xmlns:r="http://schemas.openxmlformats.org/officeDocument/2006/relationships" xmlns:p="http://schemas.openxmlformats.org/presentationml/2006/main">
+  <p:cSld>
+    <p:spTree>
+      <p:nvGrpSpPr>
+        <p:cNvPr id="1" name=""/>
+        <p:cNvGrpSpPr/>
+        <p:nvPr/>
+      </p:nvGrpSpPr>
+      <p:grpSpPr>
+        <a:xfrm>
+          <a:off x="0" y="0"/>
+          <a:ext cx="0" cy="0"/>
+          <a:chOff x="0" y="0"/>
+          <a:chExt cx="0" cy="0"/>
+        </a:xfrm>
+      </p:grpSpPr>
+      <p:sp>
+        <p:nvSpPr>
+          <p:cNvPr id="2" name="Espace réservé de l'image des diapositives 1"/>
+          <p:cNvSpPr>
+            <a:spLocks noGrp="1" noRot="1" noChangeAspect="1"/>
+          </p:cNvSpPr>
+          <p:nvPr>
+            <p:ph type="sldImg"/>
+          </p:nvPr>
+        </p:nvSpPr>
+        <p:spPr>
+          <a:xfrm>
+            <a:off x="381000" y="685800"/>
+            <a:ext cx="6096000" cy="3429000"/>
+          </a:xfrm>
+        </p:spPr>
+      </p:sp>
+      <p:sp>
+        <p:nvSpPr>
+          <p:cNvPr id="3" name="Espace réservé des notes 2"/>
+          <p:cNvSpPr>
+            <a:spLocks noGrp="1"/>
+          </p:cNvSpPr>
+          <p:nvPr>
+            <p:ph type="body" idx="1"/>
+          </p:nvPr>
+        </p:nvSpPr>
+        <p:spPr/>
+        <p:txBody>
+          <a:bodyPr/>
+          <a:lstStyle/>
+          <a:p>
+            <a:pPr algn="l"/>
+            <a:r>
+              <a:rPr lang="en-GB" sz="1800" b="0" i="0" u="none" strike="noStrike" baseline="0" dirty="0">
+                <a:latin typeface="TimesNewRoman"/>
+              </a:rPr>
+              <a:t>Gabor method: Pre-processing + </a:t>
+            </a:r>
+            <a:r>
+              <a:rPr lang="en-US" sz="1800" b="0" i="0" u="none" strike="noStrike" baseline="0" dirty="0" err="1">
+                <a:latin typeface="TimesNewRoman"/>
+              </a:rPr>
+              <a:t>Haar</a:t>
+            </a:r>
+            <a:r>
+              <a:rPr lang="en-US" sz="1800" b="0" i="0" u="none" strike="noStrike" baseline="0" dirty="0">
+                <a:latin typeface="TimesNewRoman"/>
+              </a:rPr>
+              <a:t>-detection + Gabor + Cosine similarity;</a:t>
+            </a:r>
+          </a:p>
+          <a:p>
+            <a:pPr algn="l"/>
+            <a:r>
+              <a:rPr lang="en-US" sz="1800" b="0" i="0" u="none" strike="noStrike" baseline="0" dirty="0">
+                <a:latin typeface="TimesNewRoman"/>
+              </a:rPr>
+              <a:t> LBP method: Pre-processing + </a:t>
+            </a:r>
+            <a:r>
+              <a:rPr lang="en-US" sz="1800" b="0" i="0" u="none" strike="noStrike" baseline="0" dirty="0" err="1">
+                <a:latin typeface="TimesNewRoman"/>
+              </a:rPr>
+              <a:t>Haar</a:t>
+            </a:r>
+            <a:r>
+              <a:rPr lang="en-US" sz="1800" b="0" i="0" u="none" strike="noStrike" baseline="0" dirty="0">
+                <a:latin typeface="TimesNewRoman"/>
+              </a:rPr>
+              <a:t>-detection + LBP + </a:t>
+            </a:r>
+            <a:r>
+              <a:rPr lang="en-GB" sz="1800" b="0" i="0" u="none" strike="noStrike" baseline="0" dirty="0">
+                <a:latin typeface="TimesNewRoman"/>
+              </a:rPr>
+              <a:t>Cosine similarity;</a:t>
+            </a:r>
+          </a:p>
+          <a:p>
+            <a:pPr algn="l"/>
+            <a:r>
+              <a:rPr lang="en-GB" sz="1800" b="0" i="0" u="none" strike="noStrike" baseline="0" dirty="0">
+                <a:latin typeface="TimesNewRoman"/>
+              </a:rPr>
+              <a:t> GPCA method: Pre-processing + </a:t>
+            </a:r>
+            <a:r>
+              <a:rPr lang="en-GB" sz="1800" b="0" i="0" u="none" strike="noStrike" baseline="0" dirty="0" err="1">
+                <a:latin typeface="TimesNewRoman"/>
+              </a:rPr>
+              <a:t>Haar</a:t>
+            </a:r>
+            <a:r>
+              <a:rPr lang="en-GB" sz="1800" b="0" i="0" u="none" strike="noStrike" baseline="0" dirty="0">
+                <a:latin typeface="TimesNewRoman"/>
+              </a:rPr>
+              <a:t>-detection + Gabor + PCA + Cosine </a:t>
+            </a:r>
+            <a:r>
+              <a:rPr lang="en-US" sz="1800" b="0" i="0" u="none" strike="noStrike" baseline="0" dirty="0">
+                <a:latin typeface="TimesNewRoman"/>
+              </a:rPr>
+              <a:t>similarity;</a:t>
+            </a:r>
+          </a:p>
+          <a:p>
+            <a:pPr algn="l"/>
+            <a:r>
+              <a:rPr lang="en-US" sz="1800" b="0" i="0" u="none" strike="noStrike" baseline="0" dirty="0">
+                <a:latin typeface="TimesNewRoman"/>
+              </a:rPr>
+              <a:t> GLDA method: Pre-processing + </a:t>
+            </a:r>
+            <a:r>
+              <a:rPr lang="en-US" sz="1800" b="0" i="0" u="none" strike="noStrike" baseline="0" dirty="0" err="1">
+                <a:latin typeface="TimesNewRoman"/>
+              </a:rPr>
+              <a:t>Haar</a:t>
+            </a:r>
+            <a:r>
+              <a:rPr lang="en-US" sz="1800" b="0" i="0" u="none" strike="noStrike" baseline="0" dirty="0">
+                <a:latin typeface="TimesNewRoman"/>
+              </a:rPr>
+              <a:t>-detection + Gabor + LDA + Cosine similarity;</a:t>
+            </a:r>
+          </a:p>
+          <a:p>
+            <a:pPr algn="l"/>
+            <a:r>
+              <a:rPr lang="en-GB" sz="1800" b="0" i="0" u="none" strike="noStrike" baseline="0" dirty="0">
+                <a:latin typeface="TimesNewRoman"/>
+              </a:rPr>
+              <a:t>GLDP method: Pre-processing + </a:t>
+            </a:r>
+            <a:r>
+              <a:rPr lang="en-GB" sz="1800" b="0" i="0" u="none" strike="noStrike" baseline="0" dirty="0" err="1">
+                <a:latin typeface="TimesNewRoman"/>
+              </a:rPr>
+              <a:t>Haar</a:t>
+            </a:r>
+            <a:r>
+              <a:rPr lang="en-GB" sz="1800" b="0" i="0" u="none" strike="noStrike" baseline="0" dirty="0">
+                <a:latin typeface="TimesNewRoman"/>
+              </a:rPr>
+              <a:t>-detection + Gabor + LDP + Cosine similarity; </a:t>
+            </a:r>
+          </a:p>
+          <a:p>
+            <a:pPr algn="l"/>
+            <a:r>
+              <a:rPr lang="en-GB" sz="1800" b="0" i="0" u="none" strike="noStrike" baseline="0" dirty="0">
+                <a:latin typeface="TimesNewRoman"/>
+              </a:rPr>
+              <a:t>KGWRCM </a:t>
+            </a:r>
+            <a:r>
+              <a:rPr lang="en-US" sz="1800" b="0" i="0" u="none" strike="noStrike" baseline="0" dirty="0">
+                <a:latin typeface="TimesNewRoman"/>
+              </a:rPr>
+              <a:t>method: Pre-processing + </a:t>
+            </a:r>
+            <a:r>
+              <a:rPr lang="en-US" sz="1800" b="0" i="0" u="none" strike="noStrike" baseline="0" dirty="0" err="1">
+                <a:latin typeface="TimesNewRoman"/>
+              </a:rPr>
+              <a:t>Haar</a:t>
+            </a:r>
+            <a:r>
+              <a:rPr lang="en-US" sz="1800" b="0" i="0" u="none" strike="noStrike" baseline="0" dirty="0">
+                <a:latin typeface="TimesNewRoman"/>
+              </a:rPr>
+              <a:t>-detection + Gabor + PCA + Cosine similarity; </a:t>
+            </a:r>
+          </a:p>
+          <a:p>
+            <a:pPr algn="l"/>
+            <a:r>
+              <a:rPr lang="en-US" sz="1800" b="0" i="0" u="none" strike="noStrike" baseline="0" dirty="0">
+                <a:latin typeface="TimesNewRoman"/>
+              </a:rPr>
+              <a:t>.</a:t>
+            </a:r>
+            <a:endParaRPr lang="en-GB" dirty="0"/>
+          </a:p>
+        </p:txBody>
+      </p:sp>
+    </p:spTree>
+    <p:extLst>
+      <p:ext uri="{BB962C8B-B14F-4D97-AF65-F5344CB8AC3E}">
+        <p14:creationId xmlns:p14="http://schemas.microsoft.com/office/powerpoint/2010/main" val="3030746166"/>
+      </p:ext>
+    </p:extLst>
+  </p:cSld>
+  <p:clrMapOvr>
+    <a:masterClrMapping/>
+  </p:clrMapOvr>
+</p:notes>
+</file>
+
+<file path=ppt/notesSlides/notesSlide3.xml><?xml version="1.0" encoding="utf-8"?>
+<p:notes xmlns:a="http://schemas.openxmlformats.org/drawingml/2006/main" xmlns:r="http://schemas.openxmlformats.org/officeDocument/2006/relationships" xmlns:p="http://schemas.openxmlformats.org/presentationml/2006/main">
+  <p:cSld>
+    <p:spTree>
+      <p:nvGrpSpPr>
+        <p:cNvPr id="1" name=""/>
+        <p:cNvGrpSpPr/>
+        <p:nvPr/>
+      </p:nvGrpSpPr>
+      <p:grpSpPr>
+        <a:xfrm>
+          <a:off x="0" y="0"/>
+          <a:ext cx="0" cy="0"/>
+          <a:chOff x="0" y="0"/>
+          <a:chExt cx="0" cy="0"/>
+        </a:xfrm>
+      </p:grpSpPr>
+      <p:sp>
+        <p:nvSpPr>
+          <p:cNvPr id="2" name="Espace réservé de l'image des diapositives 1"/>
+          <p:cNvSpPr>
+            <a:spLocks noGrp="1" noRot="1" noChangeAspect="1"/>
+          </p:cNvSpPr>
+          <p:nvPr>
+            <p:ph type="sldImg"/>
+          </p:nvPr>
+        </p:nvSpPr>
+        <p:spPr>
+          <a:xfrm>
+            <a:off x="381000" y="685800"/>
+            <a:ext cx="6096000" cy="3429000"/>
+          </a:xfrm>
+        </p:spPr>
+      </p:sp>
+      <p:sp>
+        <p:nvSpPr>
+          <p:cNvPr id="3" name="Espace réservé des notes 2"/>
+          <p:cNvSpPr>
+            <a:spLocks noGrp="1"/>
+          </p:cNvSpPr>
+          <p:nvPr>
+            <p:ph type="body" idx="1"/>
+          </p:nvPr>
+        </p:nvSpPr>
+        <p:spPr/>
+        <p:txBody>
+          <a:bodyPr/>
+          <a:lstStyle/>
+          <a:p>
+            <a:endParaRPr lang="en-GB" dirty="0"/>
+          </a:p>
+        </p:txBody>
+      </p:sp>
+    </p:spTree>
+    <p:extLst>
+      <p:ext uri="{BB962C8B-B14F-4D97-AF65-F5344CB8AC3E}">
+        <p14:creationId xmlns:p14="http://schemas.microsoft.com/office/powerpoint/2010/main" val="1351383712"/>
+      </p:ext>
+    </p:extLst>
+  </p:cSld>
+  <p:clrMapOvr>
+    <a:masterClrMapping/>
+  </p:clrMapOvr>
+</p:notes>
+</file>
+
 <file path=ppt/slideLayouts/slideLayout1.xml><?xml version="1.0" encoding="utf-8"?>
-<p:sldLayout xmlns:a="http://schemas.openxmlformats.org/drawingml/2006/main" xmlns:r="http://schemas.openxmlformats.org/officeDocument/2006/relationships" xmlns:p="http://schemas.openxmlformats.org/presentationml/2006/main" xmlns:m="http://schemas.openxmlformats.org/officeDocument/2006/math" xmlns:a14="http://schemas.microsoft.com/office/drawing/2010/main" type="title" showMasterSp="1" showMasterPhAnim="1">
+<p:sldLayout xmlns:a="http://schemas.openxmlformats.org/drawingml/2006/main" xmlns:r="http://schemas.openxmlformats.org/officeDocument/2006/relationships" xmlns:p="http://schemas.openxmlformats.org/presentationml/2006/main" type="title">
   <p:cSld name="Title">
     <p:spTree>
       <p:nvGrpSpPr>
@@ -517,7 +879,9 @@
       <p:sp>
         <p:nvSpPr>
           <p:cNvPr id="11" name="Presentation Title"/>
-          <p:cNvSpPr txBox="1"/>
+          <p:cNvSpPr txBox="1">
+            <a:spLocks noGrp="1"/>
+          </p:cNvSpPr>
           <p:nvPr>
             <p:ph type="title" hasCustomPrompt="1"/>
           </p:nvPr>
@@ -538,7 +902,7 @@
               <a:lnSpc>
                 <a:spcPct val="90000"/>
               </a:lnSpc>
-              <a:defRPr spc="-348" sz="11600">
+              <a:defRPr sz="11600" spc="-348">
                 <a:gradFill flip="none" rotWithShape="1">
                   <a:gsLst>
                     <a:gs pos="0">
@@ -554,7 +918,6 @@
             </a:lvl1pPr>
           </a:lstStyle>
           <a:p>
-            <a:pPr/>
             <a:r>
               <a:t>Presentation Title</a:t>
             </a:r>
@@ -564,7 +927,9 @@
       <p:sp>
         <p:nvSpPr>
           <p:cNvPr id="12" name="Author and Date"/>
-          <p:cNvSpPr txBox="1"/>
+          <p:cNvSpPr txBox="1">
+            <a:spLocks noGrp="1"/>
+          </p:cNvSpPr>
           <p:nvPr>
             <p:ph type="body" sz="quarter" idx="21" hasCustomPrompt="1"/>
           </p:nvPr>
@@ -579,7 +944,7 @@
           </a:prstGeom>
         </p:spPr>
         <p:txBody>
-          <a:bodyPr numCol="1" spcCol="38100"/>
+          <a:bodyPr/>
           <a:lstStyle>
             <a:lvl1pPr marL="0" indent="0" algn="ctr" defTabSz="825500">
               <a:spcBef>
@@ -600,7 +965,6 @@
             </a:lvl1pPr>
           </a:lstStyle>
           <a:p>
-            <a:pPr/>
             <a:r>
               <a:t>Author and Date</a:t>
             </a:r>
@@ -610,7 +974,9 @@
       <p:sp>
         <p:nvSpPr>
           <p:cNvPr id="13" name="Body Level One…"/>
-          <p:cNvSpPr txBox="1"/>
+          <p:cNvSpPr txBox="1">
+            <a:spLocks noGrp="1"/>
+          </p:cNvSpPr>
           <p:nvPr>
             <p:ph type="body" sz="quarter" idx="1" hasCustomPrompt="1"/>
           </p:nvPr>
@@ -625,7 +991,7 @@
           </a:prstGeom>
         </p:spPr>
         <p:txBody>
-          <a:bodyPr numCol="1" spcCol="38100"/>
+          <a:bodyPr/>
           <a:lstStyle>
             <a:lvl1pPr marL="0" indent="0" algn="ctr" defTabSz="825500">
               <a:spcBef>
@@ -714,41 +1080,34 @@
             </a:lvl5pPr>
           </a:lstStyle>
           <a:p>
-            <a:pPr/>
             <a:r>
               <a:t>Presentation Subtitle</a:t>
             </a:r>
           </a:p>
           <a:p>
             <a:pPr lvl="1"/>
-            <a:r>
-              <a:t/>
-            </a:r>
+            <a:endParaRPr/>
           </a:p>
           <a:p>
             <a:pPr lvl="2"/>
-            <a:r>
-              <a:t/>
-            </a:r>
+            <a:endParaRPr/>
           </a:p>
           <a:p>
             <a:pPr lvl="3"/>
-            <a:r>
-              <a:t/>
-            </a:r>
+            <a:endParaRPr/>
           </a:p>
           <a:p>
             <a:pPr lvl="4"/>
-            <a:r>
-              <a:t/>
-            </a:r>
+            <a:endParaRPr/>
           </a:p>
         </p:txBody>
       </p:sp>
       <p:sp>
         <p:nvSpPr>
           <p:cNvPr id="14" name="Slide Number"/>
-          <p:cNvSpPr txBox="1"/>
+          <p:cNvSpPr txBox="1">
+            <a:spLocks noGrp="1"/>
+          </p:cNvSpPr>
           <p:nvPr>
             <p:ph type="sldNum" sz="quarter" idx="2"/>
           </p:nvPr>
@@ -762,8 +1121,10 @@
           <a:bodyPr/>
           <a:lstStyle/>
           <a:p>
-            <a:pPr/>
-            <a:fld id="{86CB4B4D-7CA3-9044-876B-883B54F8677D}" type="slidenum"/>
+            <a:fld id="{86CB4B4D-7CA3-9044-876B-883B54F8677D}" type="slidenum">
+              <a:t>‹N°›</a:t>
+            </a:fld>
+            <a:endParaRPr/>
           </a:p>
         </p:txBody>
       </p:sp>
@@ -772,12 +1133,12 @@
   <p:clrMapOvr>
     <a:masterClrMapping/>
   </p:clrMapOvr>
-  <p:transition xmlns:p14="http://schemas.microsoft.com/office/powerpoint/2010/main" spd="med" advClick="1"/>
+  <p:transition spd="med"/>
 </p:sldLayout>
 </file>
 
 <file path=ppt/slideLayouts/slideLayout10.xml><?xml version="1.0" encoding="utf-8"?>
-<p:sldLayout xmlns:a="http://schemas.openxmlformats.org/drawingml/2006/main" xmlns:r="http://schemas.openxmlformats.org/officeDocument/2006/relationships" xmlns:p="http://schemas.openxmlformats.org/presentationml/2006/main" xmlns:m="http://schemas.openxmlformats.org/officeDocument/2006/math" xmlns:a14="http://schemas.microsoft.com/office/drawing/2010/main" type="tx" showMasterSp="1" showMasterPhAnim="1">
+<p:sldLayout xmlns:a="http://schemas.openxmlformats.org/drawingml/2006/main" xmlns:r="http://schemas.openxmlformats.org/officeDocument/2006/relationships" xmlns:p="http://schemas.openxmlformats.org/presentationml/2006/main" type="tx">
   <p:cSld name="Statement">
     <p:spTree>
       <p:nvGrpSpPr>
@@ -796,7 +1157,9 @@
       <p:sp>
         <p:nvSpPr>
           <p:cNvPr id="98" name="Body Level One…"/>
-          <p:cNvSpPr txBox="1"/>
+          <p:cNvSpPr txBox="1">
+            <a:spLocks noGrp="1"/>
+          </p:cNvSpPr>
           <p:nvPr>
             <p:ph type="body" sz="half" idx="1" hasCustomPrompt="1"/>
           </p:nvPr>
@@ -811,7 +1174,7 @@
           </a:prstGeom>
         </p:spPr>
         <p:txBody>
-          <a:bodyPr numCol="1" spcCol="38100" anchor="ctr"/>
+          <a:bodyPr anchor="ctr"/>
           <a:lstStyle>
             <a:lvl1pPr marL="0" indent="0" algn="ctr">
               <a:spcBef>
@@ -820,7 +1183,7 @@
               <a:buClrTx/>
               <a:buSzTx/>
               <a:buNone/>
-              <a:defRPr spc="-252" sz="8400">
+              <a:defRPr sz="8400" spc="-252">
                 <a:gradFill flip="none" rotWithShape="1">
                   <a:gsLst>
                     <a:gs pos="0">
@@ -845,7 +1208,7 @@
               <a:buClrTx/>
               <a:buSzTx/>
               <a:buNone/>
-              <a:defRPr spc="-252" sz="8400">
+              <a:defRPr sz="8400" spc="-252">
                 <a:gradFill flip="none" rotWithShape="1">
                   <a:gsLst>
                     <a:gs pos="0">
@@ -870,7 +1233,7 @@
               <a:buClrTx/>
               <a:buSzTx/>
               <a:buNone/>
-              <a:defRPr spc="-252" sz="8400">
+              <a:defRPr sz="8400" spc="-252">
                 <a:gradFill flip="none" rotWithShape="1">
                   <a:gsLst>
                     <a:gs pos="0">
@@ -895,7 +1258,7 @@
               <a:buClrTx/>
               <a:buSzTx/>
               <a:buNone/>
-              <a:defRPr spc="-252" sz="8400">
+              <a:defRPr sz="8400" spc="-252">
                 <a:gradFill flip="none" rotWithShape="1">
                   <a:gsLst>
                     <a:gs pos="0">
@@ -920,7 +1283,7 @@
               <a:buClrTx/>
               <a:buSzTx/>
               <a:buNone/>
-              <a:defRPr spc="-252" sz="8400">
+              <a:defRPr sz="8400" spc="-252">
                 <a:gradFill flip="none" rotWithShape="1">
                   <a:gsLst>
                     <a:gs pos="0">
@@ -940,41 +1303,34 @@
             </a:lvl5pPr>
           </a:lstStyle>
           <a:p>
-            <a:pPr/>
             <a:r>
               <a:t>Statement</a:t>
             </a:r>
           </a:p>
           <a:p>
             <a:pPr lvl="1"/>
-            <a:r>
-              <a:t/>
-            </a:r>
+            <a:endParaRPr/>
           </a:p>
           <a:p>
             <a:pPr lvl="2"/>
-            <a:r>
-              <a:t/>
-            </a:r>
+            <a:endParaRPr/>
           </a:p>
           <a:p>
             <a:pPr lvl="3"/>
-            <a:r>
-              <a:t/>
-            </a:r>
+            <a:endParaRPr/>
           </a:p>
           <a:p>
             <a:pPr lvl="4"/>
-            <a:r>
-              <a:t/>
-            </a:r>
+            <a:endParaRPr/>
           </a:p>
         </p:txBody>
       </p:sp>
       <p:sp>
         <p:nvSpPr>
           <p:cNvPr id="99" name="Slide Number"/>
-          <p:cNvSpPr txBox="1"/>
+          <p:cNvSpPr txBox="1">
+            <a:spLocks noGrp="1"/>
+          </p:cNvSpPr>
           <p:nvPr>
             <p:ph type="sldNum" sz="quarter" idx="2"/>
           </p:nvPr>
@@ -988,8 +1344,10 @@
           <a:bodyPr/>
           <a:lstStyle/>
           <a:p>
-            <a:pPr/>
-            <a:fld id="{86CB4B4D-7CA3-9044-876B-883B54F8677D}" type="slidenum"/>
+            <a:fld id="{86CB4B4D-7CA3-9044-876B-883B54F8677D}" type="slidenum">
+              <a:t>‹N°›</a:t>
+            </a:fld>
+            <a:endParaRPr/>
           </a:p>
         </p:txBody>
       </p:sp>
@@ -998,12 +1356,12 @@
   <p:clrMapOvr>
     <a:masterClrMapping/>
   </p:clrMapOvr>
-  <p:transition xmlns:p14="http://schemas.microsoft.com/office/powerpoint/2010/main" spd="med" advClick="1"/>
+  <p:transition spd="med"/>
 </p:sldLayout>
 </file>
 
 <file path=ppt/slideLayouts/slideLayout11.xml><?xml version="1.0" encoding="utf-8"?>
-<p:sldLayout xmlns:a="http://schemas.openxmlformats.org/drawingml/2006/main" xmlns:r="http://schemas.openxmlformats.org/officeDocument/2006/relationships" xmlns:p="http://schemas.openxmlformats.org/presentationml/2006/main" xmlns:m="http://schemas.openxmlformats.org/officeDocument/2006/math" xmlns:a14="http://schemas.microsoft.com/office/drawing/2010/main" type="tx" showMasterSp="1" showMasterPhAnim="1">
+<p:sldLayout xmlns:a="http://schemas.openxmlformats.org/drawingml/2006/main" xmlns:r="http://schemas.openxmlformats.org/officeDocument/2006/relationships" xmlns:p="http://schemas.openxmlformats.org/presentationml/2006/main" type="tx">
   <p:cSld name="Big Fact">
     <p:spTree>
       <p:nvGrpSpPr>
@@ -1022,7 +1380,9 @@
       <p:sp>
         <p:nvSpPr>
           <p:cNvPr id="106" name="Body Level One…"/>
-          <p:cNvSpPr txBox="1"/>
+          <p:cNvSpPr txBox="1">
+            <a:spLocks noGrp="1"/>
+          </p:cNvSpPr>
           <p:nvPr>
             <p:ph type="body" sz="half" idx="1" hasCustomPrompt="1"/>
           </p:nvPr>
@@ -1037,7 +1397,7 @@
           </a:prstGeom>
         </p:spPr>
         <p:txBody>
-          <a:bodyPr numCol="1" spcCol="38100" anchor="b"/>
+          <a:bodyPr anchor="b"/>
           <a:lstStyle>
             <a:lvl1pPr marL="0" indent="0" algn="ctr" defTabSz="2438338">
               <a:lnSpc>
@@ -1049,7 +1409,7 @@
               <a:buClrTx/>
               <a:buSzTx/>
               <a:buNone/>
-              <a:defRPr spc="-448" sz="22400">
+              <a:defRPr sz="22400" spc="-448">
                 <a:gradFill flip="none" rotWithShape="1">
                   <a:gsLst>
                     <a:gs pos="0">
@@ -1077,7 +1437,7 @@
               <a:buClrTx/>
               <a:buSzTx/>
               <a:buNone/>
-              <a:defRPr spc="-448" sz="22400">
+              <a:defRPr sz="22400" spc="-448">
                 <a:gradFill flip="none" rotWithShape="1">
                   <a:gsLst>
                     <a:gs pos="0">
@@ -1105,7 +1465,7 @@
               <a:buClrTx/>
               <a:buSzTx/>
               <a:buNone/>
-              <a:defRPr spc="-448" sz="22400">
+              <a:defRPr sz="22400" spc="-448">
                 <a:gradFill flip="none" rotWithShape="1">
                   <a:gsLst>
                     <a:gs pos="0">
@@ -1133,7 +1493,7 @@
               <a:buClrTx/>
               <a:buSzTx/>
               <a:buNone/>
-              <a:defRPr spc="-448" sz="22400">
+              <a:defRPr sz="22400" spc="-448">
                 <a:gradFill flip="none" rotWithShape="1">
                   <a:gsLst>
                     <a:gs pos="0">
@@ -1161,7 +1521,7 @@
               <a:buClrTx/>
               <a:buSzTx/>
               <a:buNone/>
-              <a:defRPr spc="-448" sz="22400">
+              <a:defRPr sz="22400" spc="-448">
                 <a:gradFill flip="none" rotWithShape="1">
                   <a:gsLst>
                     <a:gs pos="0">
@@ -1181,41 +1541,34 @@
             </a:lvl5pPr>
           </a:lstStyle>
           <a:p>
-            <a:pPr/>
             <a:r>
               <a:t>100%</a:t>
             </a:r>
           </a:p>
           <a:p>
             <a:pPr lvl="1"/>
-            <a:r>
-              <a:t/>
-            </a:r>
+            <a:endParaRPr/>
           </a:p>
           <a:p>
             <a:pPr lvl="2"/>
-            <a:r>
-              <a:t/>
-            </a:r>
+            <a:endParaRPr/>
           </a:p>
           <a:p>
             <a:pPr lvl="3"/>
-            <a:r>
-              <a:t/>
-            </a:r>
+            <a:endParaRPr/>
           </a:p>
           <a:p>
             <a:pPr lvl="4"/>
-            <a:r>
-              <a:t/>
-            </a:r>
+            <a:endParaRPr/>
           </a:p>
         </p:txBody>
       </p:sp>
       <p:sp>
         <p:nvSpPr>
           <p:cNvPr id="107" name="Fact information"/>
-          <p:cNvSpPr txBox="1"/>
+          <p:cNvSpPr txBox="1">
+            <a:spLocks noGrp="1"/>
+          </p:cNvSpPr>
           <p:nvPr>
             <p:ph type="body" sz="quarter" idx="21" hasCustomPrompt="1"/>
           </p:nvPr>
@@ -1230,7 +1583,7 @@
           </a:prstGeom>
         </p:spPr>
         <p:txBody>
-          <a:bodyPr numCol="1" spcCol="38100"/>
+          <a:bodyPr/>
           <a:lstStyle>
             <a:lvl1pPr marL="0" indent="0" algn="ctr" defTabSz="825500">
               <a:spcBef>
@@ -1251,7 +1604,6 @@
             </a:lvl1pPr>
           </a:lstStyle>
           <a:p>
-            <a:pPr/>
             <a:r>
               <a:t>Fact information</a:t>
             </a:r>
@@ -1261,7 +1613,9 @@
       <p:sp>
         <p:nvSpPr>
           <p:cNvPr id="108" name="Slide Number"/>
-          <p:cNvSpPr txBox="1"/>
+          <p:cNvSpPr txBox="1">
+            <a:spLocks noGrp="1"/>
+          </p:cNvSpPr>
           <p:nvPr>
             <p:ph type="sldNum" sz="quarter" idx="2"/>
           </p:nvPr>
@@ -1275,8 +1629,10 @@
           <a:bodyPr/>
           <a:lstStyle/>
           <a:p>
-            <a:pPr/>
-            <a:fld id="{86CB4B4D-7CA3-9044-876B-883B54F8677D}" type="slidenum"/>
+            <a:fld id="{86CB4B4D-7CA3-9044-876B-883B54F8677D}" type="slidenum">
+              <a:t>‹N°›</a:t>
+            </a:fld>
+            <a:endParaRPr/>
           </a:p>
         </p:txBody>
       </p:sp>
@@ -1285,12 +1641,12 @@
   <p:clrMapOvr>
     <a:masterClrMapping/>
   </p:clrMapOvr>
-  <p:transition xmlns:p14="http://schemas.microsoft.com/office/powerpoint/2010/main" spd="med" advClick="1"/>
+  <p:transition spd="med"/>
 </p:sldLayout>
 </file>
 
 <file path=ppt/slideLayouts/slideLayout12.xml><?xml version="1.0" encoding="utf-8"?>
-<p:sldLayout xmlns:a="http://schemas.openxmlformats.org/drawingml/2006/main" xmlns:r="http://schemas.openxmlformats.org/officeDocument/2006/relationships" xmlns:p="http://schemas.openxmlformats.org/presentationml/2006/main" xmlns:m="http://schemas.openxmlformats.org/officeDocument/2006/math" xmlns:a14="http://schemas.microsoft.com/office/drawing/2010/main" type="tx" showMasterSp="1" showMasterPhAnim="1">
+<p:sldLayout xmlns:a="http://schemas.openxmlformats.org/drawingml/2006/main" xmlns:r="http://schemas.openxmlformats.org/officeDocument/2006/relationships" xmlns:p="http://schemas.openxmlformats.org/presentationml/2006/main" type="tx">
   <p:cSld name="Quote">
     <p:spTree>
       <p:nvGrpSpPr>
@@ -1309,7 +1665,9 @@
       <p:sp>
         <p:nvSpPr>
           <p:cNvPr id="115" name="Attribution"/>
-          <p:cNvSpPr txBox="1"/>
+          <p:cNvSpPr txBox="1">
+            <a:spLocks noGrp="1"/>
+          </p:cNvSpPr>
           <p:nvPr>
             <p:ph type="body" sz="quarter" idx="21" hasCustomPrompt="1"/>
           </p:nvPr>
@@ -1324,7 +1682,7 @@
           </a:prstGeom>
         </p:spPr>
         <p:txBody>
-          <a:bodyPr numCol="1" spcCol="38100" anchor="ctr"/>
+          <a:bodyPr anchor="ctr"/>
           <a:lstStyle>
             <a:lvl1pPr marL="0" indent="0" algn="ctr" defTabSz="825500">
               <a:spcBef>
@@ -1345,7 +1703,6 @@
             </a:lvl1pPr>
           </a:lstStyle>
           <a:p>
-            <a:pPr/>
             <a:r>
               <a:t>Attribution</a:t>
             </a:r>
@@ -1355,7 +1712,9 @@
       <p:sp>
         <p:nvSpPr>
           <p:cNvPr id="116" name="Body Level One…"/>
-          <p:cNvSpPr txBox="1"/>
+          <p:cNvSpPr txBox="1">
+            <a:spLocks noGrp="1"/>
+          </p:cNvSpPr>
           <p:nvPr>
             <p:ph type="body" sz="half" idx="1" hasCustomPrompt="1"/>
           </p:nvPr>
@@ -1370,7 +1729,7 @@
           </a:prstGeom>
         </p:spPr>
         <p:txBody>
-          <a:bodyPr numCol="1" spcCol="38100" anchor="ctr"/>
+          <a:bodyPr anchor="ctr"/>
           <a:lstStyle>
             <a:lvl1pPr marL="0" indent="0" algn="ctr">
               <a:lnSpc>
@@ -1382,7 +1741,7 @@
               <a:buClrTx/>
               <a:buSzTx/>
               <a:buNone/>
-              <a:defRPr spc="-168" sz="8400">
+              <a:defRPr sz="8400" spc="-168">
                 <a:gradFill flip="none" rotWithShape="1">
                   <a:gsLst>
                     <a:gs pos="0">
@@ -1410,7 +1769,7 @@
               <a:buClrTx/>
               <a:buSzTx/>
               <a:buNone/>
-              <a:defRPr spc="-168" sz="8400">
+              <a:defRPr sz="8400" spc="-168">
                 <a:gradFill flip="none" rotWithShape="1">
                   <a:gsLst>
                     <a:gs pos="0">
@@ -1438,7 +1797,7 @@
               <a:buClrTx/>
               <a:buSzTx/>
               <a:buNone/>
-              <a:defRPr spc="-168" sz="8400">
+              <a:defRPr sz="8400" spc="-168">
                 <a:gradFill flip="none" rotWithShape="1">
                   <a:gsLst>
                     <a:gs pos="0">
@@ -1466,7 +1825,7 @@
               <a:buClrTx/>
               <a:buSzTx/>
               <a:buNone/>
-              <a:defRPr spc="-168" sz="8400">
+              <a:defRPr sz="8400" spc="-168">
                 <a:gradFill flip="none" rotWithShape="1">
                   <a:gsLst>
                     <a:gs pos="0">
@@ -1494,7 +1853,7 @@
               <a:buClrTx/>
               <a:buSzTx/>
               <a:buNone/>
-              <a:defRPr spc="-168" sz="8400">
+              <a:defRPr sz="8400" spc="-168">
                 <a:gradFill flip="none" rotWithShape="1">
                   <a:gsLst>
                     <a:gs pos="0">
@@ -1514,41 +1873,34 @@
             </a:lvl5pPr>
           </a:lstStyle>
           <a:p>
-            <a:pPr/>
             <a:r>
               <a:t>“Notable Quote”</a:t>
             </a:r>
           </a:p>
           <a:p>
             <a:pPr lvl="1"/>
-            <a:r>
-              <a:t/>
-            </a:r>
+            <a:endParaRPr/>
           </a:p>
           <a:p>
             <a:pPr lvl="2"/>
-            <a:r>
-              <a:t/>
-            </a:r>
+            <a:endParaRPr/>
           </a:p>
           <a:p>
             <a:pPr lvl="3"/>
-            <a:r>
-              <a:t/>
-            </a:r>
+            <a:endParaRPr/>
           </a:p>
           <a:p>
             <a:pPr lvl="4"/>
-            <a:r>
-              <a:t/>
-            </a:r>
+            <a:endParaRPr/>
           </a:p>
         </p:txBody>
       </p:sp>
       <p:sp>
         <p:nvSpPr>
           <p:cNvPr id="117" name="Slide Number"/>
-          <p:cNvSpPr txBox="1"/>
+          <p:cNvSpPr txBox="1">
+            <a:spLocks noGrp="1"/>
+          </p:cNvSpPr>
           <p:nvPr>
             <p:ph type="sldNum" sz="quarter" idx="2"/>
           </p:nvPr>
@@ -1562,8 +1914,10 @@
           <a:bodyPr/>
           <a:lstStyle/>
           <a:p>
-            <a:pPr/>
-            <a:fld id="{86CB4B4D-7CA3-9044-876B-883B54F8677D}" type="slidenum"/>
+            <a:fld id="{86CB4B4D-7CA3-9044-876B-883B54F8677D}" type="slidenum">
+              <a:t>‹N°›</a:t>
+            </a:fld>
+            <a:endParaRPr/>
           </a:p>
         </p:txBody>
       </p:sp>
@@ -1572,12 +1926,12 @@
   <p:clrMapOvr>
     <a:masterClrMapping/>
   </p:clrMapOvr>
-  <p:transition xmlns:p14="http://schemas.microsoft.com/office/powerpoint/2010/main" spd="med" advClick="1"/>
+  <p:transition spd="med"/>
 </p:sldLayout>
 </file>
 
 <file path=ppt/slideLayouts/slideLayout13.xml><?xml version="1.0" encoding="utf-8"?>
-<p:sldLayout xmlns:a="http://schemas.openxmlformats.org/drawingml/2006/main" xmlns:r="http://schemas.openxmlformats.org/officeDocument/2006/relationships" xmlns:p="http://schemas.openxmlformats.org/presentationml/2006/main" xmlns:m="http://schemas.openxmlformats.org/officeDocument/2006/math" xmlns:a14="http://schemas.microsoft.com/office/drawing/2010/main" type="tx" showMasterSp="1" showMasterPhAnim="1">
+<p:sldLayout xmlns:a="http://schemas.openxmlformats.org/drawingml/2006/main" xmlns:r="http://schemas.openxmlformats.org/officeDocument/2006/relationships" xmlns:p="http://schemas.openxmlformats.org/presentationml/2006/main" type="tx">
   <p:cSld name="Photo - 3 Up">
     <p:spTree>
       <p:nvGrpSpPr>
@@ -1596,7 +1950,9 @@
       <p:sp>
         <p:nvSpPr>
           <p:cNvPr id="124" name="482346840_2880x1920.jpg"/>
-          <p:cNvSpPr/>
+          <p:cNvSpPr>
+            <a:spLocks noGrp="1"/>
+          </p:cNvSpPr>
           <p:nvPr>
             <p:ph type="pic" sz="half" idx="21"/>
           </p:nvPr>
@@ -1611,19 +1967,21 @@
           </a:prstGeom>
         </p:spPr>
         <p:txBody>
-          <a:bodyPr lIns="91439" tIns="45719" rIns="91439" bIns="45719" numCol="1" spcCol="38100">
+          <a:bodyPr lIns="91439" tIns="45719" rIns="91439" bIns="45719">
             <a:noAutofit/>
           </a:bodyPr>
           <a:lstStyle/>
           <a:p>
-            <a:pPr/>
+            <a:endParaRPr/>
           </a:p>
         </p:txBody>
       </p:sp>
       <p:sp>
         <p:nvSpPr>
           <p:cNvPr id="125" name="908252162_2439x1626.jpg"/>
-          <p:cNvSpPr/>
+          <p:cNvSpPr>
+            <a:spLocks noGrp="1"/>
+          </p:cNvSpPr>
           <p:nvPr>
             <p:ph type="pic" sz="half" idx="22"/>
           </p:nvPr>
@@ -1638,19 +1996,21 @@
           </a:prstGeom>
         </p:spPr>
         <p:txBody>
-          <a:bodyPr lIns="91439" tIns="45719" rIns="91439" bIns="45719" numCol="1" spcCol="38100">
+          <a:bodyPr lIns="91439" tIns="45719" rIns="91439" bIns="45719">
             <a:noAutofit/>
           </a:bodyPr>
           <a:lstStyle/>
           <a:p>
-            <a:pPr/>
+            <a:endParaRPr/>
           </a:p>
         </p:txBody>
       </p:sp>
       <p:sp>
         <p:nvSpPr>
           <p:cNvPr id="126" name="579215462_1440x2158.jpg"/>
-          <p:cNvSpPr/>
+          <p:cNvSpPr>
+            <a:spLocks noGrp="1"/>
+          </p:cNvSpPr>
           <p:nvPr>
             <p:ph type="pic" idx="23"/>
           </p:nvPr>
@@ -1665,19 +2025,21 @@
           </a:prstGeom>
         </p:spPr>
         <p:txBody>
-          <a:bodyPr lIns="91439" tIns="45719" rIns="91439" bIns="45719" numCol="1" spcCol="38100">
+          <a:bodyPr lIns="91439" tIns="45719" rIns="91439" bIns="45719">
             <a:noAutofit/>
           </a:bodyPr>
           <a:lstStyle/>
           <a:p>
-            <a:pPr/>
+            <a:endParaRPr/>
           </a:p>
         </p:txBody>
       </p:sp>
       <p:sp>
         <p:nvSpPr>
           <p:cNvPr id="127" name="Slide Number"/>
-          <p:cNvSpPr txBox="1"/>
+          <p:cNvSpPr txBox="1">
+            <a:spLocks noGrp="1"/>
+          </p:cNvSpPr>
           <p:nvPr>
             <p:ph type="sldNum" sz="quarter" idx="2"/>
           </p:nvPr>
@@ -1691,8 +2053,10 @@
           <a:bodyPr/>
           <a:lstStyle/>
           <a:p>
-            <a:pPr/>
-            <a:fld id="{86CB4B4D-7CA3-9044-876B-883B54F8677D}" type="slidenum"/>
+            <a:fld id="{86CB4B4D-7CA3-9044-876B-883B54F8677D}" type="slidenum">
+              <a:t>‹N°›</a:t>
+            </a:fld>
+            <a:endParaRPr/>
           </a:p>
         </p:txBody>
       </p:sp>
@@ -1701,12 +2065,12 @@
   <p:clrMapOvr>
     <a:masterClrMapping/>
   </p:clrMapOvr>
-  <p:transition xmlns:p14="http://schemas.microsoft.com/office/powerpoint/2010/main" spd="med" advClick="1"/>
+  <p:transition spd="med"/>
 </p:sldLayout>
 </file>
 
 <file path=ppt/slideLayouts/slideLayout14.xml><?xml version="1.0" encoding="utf-8"?>
-<p:sldLayout xmlns:a="http://schemas.openxmlformats.org/drawingml/2006/main" xmlns:r="http://schemas.openxmlformats.org/officeDocument/2006/relationships" xmlns:p="http://schemas.openxmlformats.org/presentationml/2006/main" xmlns:m="http://schemas.openxmlformats.org/officeDocument/2006/math" xmlns:a14="http://schemas.microsoft.com/office/drawing/2010/main" type="tx" showMasterSp="1" showMasterPhAnim="1">
+<p:sldLayout xmlns:a="http://schemas.openxmlformats.org/drawingml/2006/main" xmlns:r="http://schemas.openxmlformats.org/officeDocument/2006/relationships" xmlns:p="http://schemas.openxmlformats.org/presentationml/2006/main" type="tx">
   <p:cSld name="Photo">
     <p:spTree>
       <p:nvGrpSpPr>
@@ -1725,7 +2089,9 @@
       <p:sp>
         <p:nvSpPr>
           <p:cNvPr id="134" name="Image"/>
-          <p:cNvSpPr/>
+          <p:cNvSpPr>
+            <a:spLocks noGrp="1"/>
+          </p:cNvSpPr>
           <p:nvPr>
             <p:ph type="pic" idx="21"/>
           </p:nvPr>
@@ -1740,19 +2106,21 @@
           </a:prstGeom>
         </p:spPr>
         <p:txBody>
-          <a:bodyPr lIns="91439" tIns="45719" rIns="91439" bIns="45719" numCol="1" spcCol="38100">
+          <a:bodyPr lIns="91439" tIns="45719" rIns="91439" bIns="45719">
             <a:noAutofit/>
           </a:bodyPr>
           <a:lstStyle/>
           <a:p>
-            <a:pPr/>
+            <a:endParaRPr/>
           </a:p>
         </p:txBody>
       </p:sp>
       <p:sp>
         <p:nvSpPr>
           <p:cNvPr id="135" name="Slide Number"/>
-          <p:cNvSpPr txBox="1"/>
+          <p:cNvSpPr txBox="1">
+            <a:spLocks noGrp="1"/>
+          </p:cNvSpPr>
           <p:nvPr>
             <p:ph type="sldNum" sz="quarter" idx="2"/>
           </p:nvPr>
@@ -1766,8 +2134,10 @@
           <a:bodyPr/>
           <a:lstStyle/>
           <a:p>
-            <a:pPr/>
-            <a:fld id="{86CB4B4D-7CA3-9044-876B-883B54F8677D}" type="slidenum"/>
+            <a:fld id="{86CB4B4D-7CA3-9044-876B-883B54F8677D}" type="slidenum">
+              <a:t>‹N°›</a:t>
+            </a:fld>
+            <a:endParaRPr/>
           </a:p>
         </p:txBody>
       </p:sp>
@@ -1776,12 +2146,12 @@
   <p:clrMapOvr>
     <a:masterClrMapping/>
   </p:clrMapOvr>
-  <p:transition xmlns:p14="http://schemas.microsoft.com/office/powerpoint/2010/main" spd="med" advClick="1"/>
+  <p:transition spd="med"/>
 </p:sldLayout>
 </file>
 
 <file path=ppt/slideLayouts/slideLayout15.xml><?xml version="1.0" encoding="utf-8"?>
-<p:sldLayout xmlns:a="http://schemas.openxmlformats.org/drawingml/2006/main" xmlns:r="http://schemas.openxmlformats.org/officeDocument/2006/relationships" xmlns:p="http://schemas.openxmlformats.org/presentationml/2006/main" xmlns:m="http://schemas.openxmlformats.org/officeDocument/2006/math" xmlns:a14="http://schemas.microsoft.com/office/drawing/2010/main" type="tx" showMasterSp="1" showMasterPhAnim="1">
+<p:sldLayout xmlns:a="http://schemas.openxmlformats.org/drawingml/2006/main" xmlns:r="http://schemas.openxmlformats.org/officeDocument/2006/relationships" xmlns:p="http://schemas.openxmlformats.org/presentationml/2006/main" type="tx">
   <p:cSld name="Blank">
     <p:spTree>
       <p:nvGrpSpPr>
@@ -1800,7 +2170,9 @@
       <p:sp>
         <p:nvSpPr>
           <p:cNvPr id="142" name="Slide Number"/>
-          <p:cNvSpPr txBox="1"/>
+          <p:cNvSpPr txBox="1">
+            <a:spLocks noGrp="1"/>
+          </p:cNvSpPr>
           <p:nvPr>
             <p:ph type="sldNum" sz="quarter" idx="2"/>
           </p:nvPr>
@@ -1814,8 +2186,10 @@
           <a:bodyPr/>
           <a:lstStyle/>
           <a:p>
-            <a:pPr/>
-            <a:fld id="{86CB4B4D-7CA3-9044-876B-883B54F8677D}" type="slidenum"/>
+            <a:fld id="{86CB4B4D-7CA3-9044-876B-883B54F8677D}" type="slidenum">
+              <a:t>‹N°›</a:t>
+            </a:fld>
+            <a:endParaRPr/>
           </a:p>
         </p:txBody>
       </p:sp>
@@ -1824,12 +2198,12 @@
   <p:clrMapOvr>
     <a:masterClrMapping/>
   </p:clrMapOvr>
-  <p:transition xmlns:p14="http://schemas.microsoft.com/office/powerpoint/2010/main" spd="med" advClick="1"/>
+  <p:transition spd="med"/>
 </p:sldLayout>
 </file>
 
 <file path=ppt/slideLayouts/slideLayout2.xml><?xml version="1.0" encoding="utf-8"?>
-<p:sldLayout xmlns:a="http://schemas.openxmlformats.org/drawingml/2006/main" xmlns:r="http://schemas.openxmlformats.org/officeDocument/2006/relationships" xmlns:p="http://schemas.openxmlformats.org/presentationml/2006/main" xmlns:m="http://schemas.openxmlformats.org/officeDocument/2006/math" xmlns:a14="http://schemas.microsoft.com/office/drawing/2010/main" type="tx" showMasterSp="1" showMasterPhAnim="1">
+<p:sldLayout xmlns:a="http://schemas.openxmlformats.org/drawingml/2006/main" xmlns:r="http://schemas.openxmlformats.org/officeDocument/2006/relationships" xmlns:p="http://schemas.openxmlformats.org/presentationml/2006/main" type="tx">
   <p:cSld name="Title &amp; Photo">
     <p:spTree>
       <p:nvGrpSpPr>
@@ -1848,7 +2222,9 @@
       <p:sp>
         <p:nvSpPr>
           <p:cNvPr id="21" name="Image"/>
-          <p:cNvSpPr/>
+          <p:cNvSpPr>
+            <a:spLocks noGrp="1"/>
+          </p:cNvSpPr>
           <p:nvPr>
             <p:ph type="pic" idx="21"/>
           </p:nvPr>
@@ -1863,19 +2239,21 @@
           </a:prstGeom>
         </p:spPr>
         <p:txBody>
-          <a:bodyPr lIns="91439" tIns="45719" rIns="91439" bIns="45719" numCol="1" spcCol="38100">
+          <a:bodyPr lIns="91439" tIns="45719" rIns="91439" bIns="45719">
             <a:noAutofit/>
           </a:bodyPr>
           <a:lstStyle/>
           <a:p>
-            <a:pPr/>
+            <a:endParaRPr/>
           </a:p>
         </p:txBody>
       </p:sp>
       <p:sp>
         <p:nvSpPr>
           <p:cNvPr id="22" name="Author and Date"/>
-          <p:cNvSpPr txBox="1"/>
+          <p:cNvSpPr txBox="1">
+            <a:spLocks noGrp="1"/>
+          </p:cNvSpPr>
           <p:nvPr>
             <p:ph type="body" sz="quarter" idx="22" hasCustomPrompt="1"/>
           </p:nvPr>
@@ -1890,7 +2268,7 @@
           </a:prstGeom>
         </p:spPr>
         <p:txBody>
-          <a:bodyPr numCol="1" spcCol="38100"/>
+          <a:bodyPr/>
           <a:lstStyle>
             <a:lvl1pPr marL="0" indent="0" algn="ctr" defTabSz="825500">
               <a:spcBef>
@@ -1911,7 +2289,6 @@
             </a:lvl1pPr>
           </a:lstStyle>
           <a:p>
-            <a:pPr/>
             <a:r>
               <a:t>Author and Date</a:t>
             </a:r>
@@ -1921,7 +2298,9 @@
       <p:sp>
         <p:nvSpPr>
           <p:cNvPr id="23" name="Presentation Title"/>
-          <p:cNvSpPr txBox="1"/>
+          <p:cNvSpPr txBox="1">
+            <a:spLocks noGrp="1"/>
+          </p:cNvSpPr>
           <p:nvPr>
             <p:ph type="title" hasCustomPrompt="1"/>
           </p:nvPr>
@@ -1942,11 +2321,10 @@
               <a:lnSpc>
                 <a:spcPct val="90000"/>
               </a:lnSpc>
-              <a:defRPr spc="-348" sz="11600"/>
+              <a:defRPr sz="11600" spc="-348"/>
             </a:lvl1pPr>
           </a:lstStyle>
           <a:p>
-            <a:pPr/>
             <a:r>
               <a:t>Presentation Title</a:t>
             </a:r>
@@ -1956,7 +2334,9 @@
       <p:sp>
         <p:nvSpPr>
           <p:cNvPr id="24" name="Body Level One…"/>
-          <p:cNvSpPr txBox="1"/>
+          <p:cNvSpPr txBox="1">
+            <a:spLocks noGrp="1"/>
+          </p:cNvSpPr>
           <p:nvPr>
             <p:ph type="body" sz="quarter" idx="1" hasCustomPrompt="1"/>
           </p:nvPr>
@@ -1971,7 +2351,7 @@
           </a:prstGeom>
         </p:spPr>
         <p:txBody>
-          <a:bodyPr numCol="1" spcCol="38100"/>
+          <a:bodyPr/>
           <a:lstStyle>
             <a:lvl1pPr marL="0" indent="0" algn="ctr" defTabSz="825500">
               <a:spcBef>
@@ -2060,41 +2440,34 @@
             </a:lvl5pPr>
           </a:lstStyle>
           <a:p>
-            <a:pPr/>
             <a:r>
               <a:t>Presentation Subtitle</a:t>
             </a:r>
           </a:p>
           <a:p>
             <a:pPr lvl="1"/>
-            <a:r>
-              <a:t/>
-            </a:r>
+            <a:endParaRPr/>
           </a:p>
           <a:p>
             <a:pPr lvl="2"/>
-            <a:r>
-              <a:t/>
-            </a:r>
+            <a:endParaRPr/>
           </a:p>
           <a:p>
             <a:pPr lvl="3"/>
-            <a:r>
-              <a:t/>
-            </a:r>
+            <a:endParaRPr/>
           </a:p>
           <a:p>
             <a:pPr lvl="4"/>
-            <a:r>
-              <a:t/>
-            </a:r>
+            <a:endParaRPr/>
           </a:p>
         </p:txBody>
       </p:sp>
       <p:sp>
         <p:nvSpPr>
           <p:cNvPr id="25" name="Slide Number"/>
-          <p:cNvSpPr txBox="1"/>
+          <p:cNvSpPr txBox="1">
+            <a:spLocks noGrp="1"/>
+          </p:cNvSpPr>
           <p:nvPr>
             <p:ph type="sldNum" sz="quarter" idx="2"/>
           </p:nvPr>
@@ -2108,8 +2481,10 @@
           <a:bodyPr/>
           <a:lstStyle/>
           <a:p>
-            <a:pPr/>
-            <a:fld id="{86CB4B4D-7CA3-9044-876B-883B54F8677D}" type="slidenum"/>
+            <a:fld id="{86CB4B4D-7CA3-9044-876B-883B54F8677D}" type="slidenum">
+              <a:t>‹N°›</a:t>
+            </a:fld>
+            <a:endParaRPr/>
           </a:p>
         </p:txBody>
       </p:sp>
@@ -2118,12 +2493,12 @@
   <p:clrMapOvr>
     <a:masterClrMapping/>
   </p:clrMapOvr>
-  <p:transition xmlns:p14="http://schemas.microsoft.com/office/powerpoint/2010/main" spd="med" advClick="1"/>
+  <p:transition spd="med"/>
 </p:sldLayout>
 </file>
 
 <file path=ppt/slideLayouts/slideLayout3.xml><?xml version="1.0" encoding="utf-8"?>
-<p:sldLayout xmlns:a="http://schemas.openxmlformats.org/drawingml/2006/main" xmlns:r="http://schemas.openxmlformats.org/officeDocument/2006/relationships" xmlns:p="http://schemas.openxmlformats.org/presentationml/2006/main" xmlns:m="http://schemas.openxmlformats.org/officeDocument/2006/math" xmlns:a14="http://schemas.microsoft.com/office/drawing/2010/main" type="tx" showMasterSp="1" showMasterPhAnim="1">
+<p:sldLayout xmlns:a="http://schemas.openxmlformats.org/drawingml/2006/main" xmlns:r="http://schemas.openxmlformats.org/officeDocument/2006/relationships" xmlns:p="http://schemas.openxmlformats.org/presentationml/2006/main" type="tx">
   <p:cSld name="Title &amp; Photo Alt">
     <p:spTree>
       <p:nvGrpSpPr>
@@ -2142,7 +2517,9 @@
       <p:sp>
         <p:nvSpPr>
           <p:cNvPr id="32" name="Image"/>
-          <p:cNvSpPr/>
+          <p:cNvSpPr>
+            <a:spLocks noGrp="1"/>
+          </p:cNvSpPr>
           <p:nvPr>
             <p:ph type="pic" idx="21"/>
           </p:nvPr>
@@ -2157,19 +2534,21 @@
           </a:prstGeom>
         </p:spPr>
         <p:txBody>
-          <a:bodyPr lIns="91439" tIns="45719" rIns="91439" bIns="45719" numCol="1" spcCol="38100">
+          <a:bodyPr lIns="91439" tIns="45719" rIns="91439" bIns="45719">
             <a:noAutofit/>
           </a:bodyPr>
           <a:lstStyle/>
           <a:p>
-            <a:pPr/>
+            <a:endParaRPr/>
           </a:p>
         </p:txBody>
       </p:sp>
       <p:sp>
         <p:nvSpPr>
           <p:cNvPr id="33" name="Slide Title"/>
-          <p:cNvSpPr txBox="1"/>
+          <p:cNvSpPr txBox="1">
+            <a:spLocks noGrp="1"/>
+          </p:cNvSpPr>
           <p:nvPr>
             <p:ph type="title" hasCustomPrompt="1"/>
           </p:nvPr>
@@ -2187,7 +2566,6 @@
           <a:bodyPr/>
           <a:lstStyle/>
           <a:p>
-            <a:pPr/>
             <a:r>
               <a:t>Slide Title</a:t>
             </a:r>
@@ -2197,7 +2575,9 @@
       <p:sp>
         <p:nvSpPr>
           <p:cNvPr id="34" name="Body Level One…"/>
-          <p:cNvSpPr txBox="1"/>
+          <p:cNvSpPr txBox="1">
+            <a:spLocks noGrp="1"/>
+          </p:cNvSpPr>
           <p:nvPr>
             <p:ph type="body" sz="quarter" idx="1" hasCustomPrompt="1"/>
           </p:nvPr>
@@ -2212,7 +2592,7 @@
           </a:prstGeom>
         </p:spPr>
         <p:txBody>
-          <a:bodyPr numCol="1" spcCol="38100"/>
+          <a:bodyPr/>
           <a:lstStyle>
             <a:lvl1pPr marL="0" indent="0" algn="ctr" defTabSz="825500">
               <a:spcBef>
@@ -2301,41 +2681,34 @@
             </a:lvl5pPr>
           </a:lstStyle>
           <a:p>
-            <a:pPr/>
             <a:r>
               <a:t>Slide Subtitle</a:t>
             </a:r>
           </a:p>
           <a:p>
             <a:pPr lvl="1"/>
-            <a:r>
-              <a:t/>
-            </a:r>
+            <a:endParaRPr/>
           </a:p>
           <a:p>
             <a:pPr lvl="2"/>
-            <a:r>
-              <a:t/>
-            </a:r>
+            <a:endParaRPr/>
           </a:p>
           <a:p>
             <a:pPr lvl="3"/>
-            <a:r>
-              <a:t/>
-            </a:r>
+            <a:endParaRPr/>
           </a:p>
           <a:p>
             <a:pPr lvl="4"/>
-            <a:r>
-              <a:t/>
-            </a:r>
+            <a:endParaRPr/>
           </a:p>
         </p:txBody>
       </p:sp>
       <p:sp>
         <p:nvSpPr>
           <p:cNvPr id="35" name="Slide Number"/>
-          <p:cNvSpPr txBox="1"/>
+          <p:cNvSpPr txBox="1">
+            <a:spLocks noGrp="1"/>
+          </p:cNvSpPr>
           <p:nvPr>
             <p:ph type="sldNum" sz="quarter" idx="2"/>
           </p:nvPr>
@@ -2349,8 +2722,10 @@
           <a:bodyPr/>
           <a:lstStyle/>
           <a:p>
-            <a:pPr/>
-            <a:fld id="{86CB4B4D-7CA3-9044-876B-883B54F8677D}" type="slidenum"/>
+            <a:fld id="{86CB4B4D-7CA3-9044-876B-883B54F8677D}" type="slidenum">
+              <a:t>‹N°›</a:t>
+            </a:fld>
+            <a:endParaRPr/>
           </a:p>
         </p:txBody>
       </p:sp>
@@ -2359,12 +2734,12 @@
   <p:clrMapOvr>
     <a:masterClrMapping/>
   </p:clrMapOvr>
-  <p:transition xmlns:p14="http://schemas.microsoft.com/office/powerpoint/2010/main" spd="med" advClick="1"/>
+  <p:transition spd="med"/>
 </p:sldLayout>
 </file>
 
 <file path=ppt/slideLayouts/slideLayout4.xml><?xml version="1.0" encoding="utf-8"?>
-<p:sldLayout xmlns:a="http://schemas.openxmlformats.org/drawingml/2006/main" xmlns:r="http://schemas.openxmlformats.org/officeDocument/2006/relationships" xmlns:p="http://schemas.openxmlformats.org/presentationml/2006/main" xmlns:m="http://schemas.openxmlformats.org/officeDocument/2006/math" xmlns:a14="http://schemas.microsoft.com/office/drawing/2010/main" type="tx" showMasterSp="1" showMasterPhAnim="1">
+<p:sldLayout xmlns:a="http://schemas.openxmlformats.org/drawingml/2006/main" xmlns:r="http://schemas.openxmlformats.org/officeDocument/2006/relationships" xmlns:p="http://schemas.openxmlformats.org/presentationml/2006/main" type="tx">
   <p:cSld name="Title &amp; Bullets">
     <p:spTree>
       <p:nvGrpSpPr>
@@ -2383,16 +2758,14 @@
       <p:sp>
         <p:nvSpPr>
           <p:cNvPr id="42" name="Slide Title"/>
-          <p:cNvSpPr txBox="1"/>
+          <p:cNvSpPr txBox="1">
+            <a:spLocks noGrp="1"/>
+          </p:cNvSpPr>
           <p:nvPr>
             <p:ph type="title" hasCustomPrompt="1"/>
           </p:nvPr>
         </p:nvSpPr>
         <p:spPr>
-          <a:xfrm>
-            <a:off x="1270000" y="812800"/>
-            <a:ext cx="21844000" cy="1557437"/>
-          </a:xfrm>
           <a:prstGeom prst="rect">
             <a:avLst/>
           </a:prstGeom>
@@ -2401,7 +2774,6 @@
           <a:bodyPr/>
           <a:lstStyle/>
           <a:p>
-            <a:pPr/>
             <a:r>
               <a:t>Slide Title</a:t>
             </a:r>
@@ -2411,7 +2783,9 @@
       <p:sp>
         <p:nvSpPr>
           <p:cNvPr id="43" name="Slide Subtitle"/>
-          <p:cNvSpPr txBox="1"/>
+          <p:cNvSpPr txBox="1">
+            <a:spLocks noGrp="1"/>
+          </p:cNvSpPr>
           <p:nvPr>
             <p:ph type="body" sz="quarter" idx="21" hasCustomPrompt="1"/>
           </p:nvPr>
@@ -2426,7 +2800,7 @@
           </a:prstGeom>
         </p:spPr>
         <p:txBody>
-          <a:bodyPr numCol="1" spcCol="38100"/>
+          <a:bodyPr/>
           <a:lstStyle>
             <a:lvl1pPr marL="0" indent="0" algn="ctr" defTabSz="825500">
               <a:spcBef>
@@ -2447,7 +2821,6 @@
             </a:lvl1pPr>
           </a:lstStyle>
           <a:p>
-            <a:pPr/>
             <a:r>
               <a:t>Slide Subtitle</a:t>
             </a:r>
@@ -2457,61 +2830,11 @@
       <p:sp>
         <p:nvSpPr>
           <p:cNvPr id="44" name="Body Level One…"/>
-          <p:cNvSpPr txBox="1"/>
-          <p:nvPr>
-            <p:ph type="body" sz="half" idx="1" hasCustomPrompt="1"/>
-          </p:nvPr>
-        </p:nvSpPr>
-        <p:spPr>
-          <a:xfrm>
-            <a:off x="1270000" y="4267200"/>
-            <a:ext cx="21844000" cy="5894664"/>
-          </a:xfrm>
-          <a:prstGeom prst="rect">
-            <a:avLst/>
-          </a:prstGeom>
-        </p:spPr>
-        <p:txBody>
-          <a:bodyPr numCol="1" spcCol="38100"/>
-          <a:lstStyle/>
-          <a:p>
-            <a:pPr/>
-            <a:r>
-              <a:t>Slide bullet text</a:t>
-            </a:r>
-          </a:p>
-          <a:p>
-            <a:pPr lvl="1"/>
-            <a:r>
-              <a:t/>
-            </a:r>
-          </a:p>
-          <a:p>
-            <a:pPr lvl="2"/>
-            <a:r>
-              <a:t/>
-            </a:r>
-          </a:p>
-          <a:p>
-            <a:pPr lvl="3"/>
-            <a:r>
-              <a:t/>
-            </a:r>
-          </a:p>
-          <a:p>
-            <a:pPr lvl="4"/>
-            <a:r>
-              <a:t/>
-            </a:r>
-          </a:p>
-        </p:txBody>
-      </p:sp>
-      <p:sp>
-        <p:nvSpPr>
-          <p:cNvPr id="45" name="Slide Number"/>
-          <p:cNvSpPr txBox="1"/>
-          <p:nvPr>
-            <p:ph type="sldNum" sz="quarter" idx="2"/>
+          <p:cNvSpPr txBox="1">
+            <a:spLocks noGrp="1"/>
+          </p:cNvSpPr>
+          <p:nvPr>
+            <p:ph type="body" idx="1" hasCustomPrompt="1"/>
           </p:nvPr>
         </p:nvSpPr>
         <p:spPr>
@@ -2523,8 +2846,51 @@
           <a:bodyPr/>
           <a:lstStyle/>
           <a:p>
-            <a:pPr/>
-            <a:fld id="{86CB4B4D-7CA3-9044-876B-883B54F8677D}" type="slidenum"/>
+            <a:r>
+              <a:t>Slide bullet text</a:t>
+            </a:r>
+          </a:p>
+          <a:p>
+            <a:pPr lvl="1"/>
+            <a:endParaRPr/>
+          </a:p>
+          <a:p>
+            <a:pPr lvl="2"/>
+            <a:endParaRPr/>
+          </a:p>
+          <a:p>
+            <a:pPr lvl="3"/>
+            <a:endParaRPr/>
+          </a:p>
+          <a:p>
+            <a:pPr lvl="4"/>
+            <a:endParaRPr/>
+          </a:p>
+        </p:txBody>
+      </p:sp>
+      <p:sp>
+        <p:nvSpPr>
+          <p:cNvPr id="45" name="Slide Number"/>
+          <p:cNvSpPr txBox="1">
+            <a:spLocks noGrp="1"/>
+          </p:cNvSpPr>
+          <p:nvPr>
+            <p:ph type="sldNum" sz="quarter" idx="2"/>
+          </p:nvPr>
+        </p:nvSpPr>
+        <p:spPr>
+          <a:prstGeom prst="rect">
+            <a:avLst/>
+          </a:prstGeom>
+        </p:spPr>
+        <p:txBody>
+          <a:bodyPr/>
+          <a:lstStyle/>
+          <a:p>
+            <a:fld id="{86CB4B4D-7CA3-9044-876B-883B54F8677D}" type="slidenum">
+              <a:t>‹N°›</a:t>
+            </a:fld>
+            <a:endParaRPr/>
           </a:p>
         </p:txBody>
       </p:sp>
@@ -2533,12 +2899,12 @@
   <p:clrMapOvr>
     <a:masterClrMapping/>
   </p:clrMapOvr>
-  <p:transition xmlns:p14="http://schemas.microsoft.com/office/powerpoint/2010/main" spd="med" advClick="1"/>
+  <p:transition spd="med"/>
 </p:sldLayout>
 </file>
 
 <file path=ppt/slideLayouts/slideLayout5.xml><?xml version="1.0" encoding="utf-8"?>
-<p:sldLayout xmlns:a="http://schemas.openxmlformats.org/drawingml/2006/main" xmlns:r="http://schemas.openxmlformats.org/officeDocument/2006/relationships" xmlns:p="http://schemas.openxmlformats.org/presentationml/2006/main" xmlns:m="http://schemas.openxmlformats.org/officeDocument/2006/math" xmlns:a14="http://schemas.microsoft.com/office/drawing/2010/main" type="tx" showMasterSp="1" showMasterPhAnim="1">
+<p:sldLayout xmlns:a="http://schemas.openxmlformats.org/drawingml/2006/main" xmlns:r="http://schemas.openxmlformats.org/officeDocument/2006/relationships" xmlns:p="http://schemas.openxmlformats.org/presentationml/2006/main" type="tx">
   <p:cSld name="Bullets">
     <p:spTree>
       <p:nvGrpSpPr>
@@ -2557,9 +2923,56 @@
       <p:sp>
         <p:nvSpPr>
           <p:cNvPr id="52" name="Body Level One…"/>
-          <p:cNvSpPr txBox="1"/>
+          <p:cNvSpPr txBox="1">
+            <a:spLocks noGrp="1"/>
+          </p:cNvSpPr>
           <p:nvPr>
             <p:ph type="body" idx="1" hasCustomPrompt="1"/>
+          </p:nvPr>
+        </p:nvSpPr>
+        <p:spPr>
+          <a:xfrm>
+            <a:off x="1270000" y="4269316"/>
+            <a:ext cx="21844000" cy="8432801"/>
+          </a:xfrm>
+          <a:prstGeom prst="rect">
+            <a:avLst/>
+          </a:prstGeom>
+        </p:spPr>
+        <p:txBody>
+          <a:bodyPr numCol="2" spcCol="1092200"/>
+          <a:lstStyle/>
+          <a:p>
+            <a:r>
+              <a:t>Slide bullet text</a:t>
+            </a:r>
+          </a:p>
+          <a:p>
+            <a:pPr lvl="1"/>
+            <a:endParaRPr/>
+          </a:p>
+          <a:p>
+            <a:pPr lvl="2"/>
+            <a:endParaRPr/>
+          </a:p>
+          <a:p>
+            <a:pPr lvl="3"/>
+            <a:endParaRPr/>
+          </a:p>
+          <a:p>
+            <a:pPr lvl="4"/>
+            <a:endParaRPr/>
+          </a:p>
+        </p:txBody>
+      </p:sp>
+      <p:sp>
+        <p:nvSpPr>
+          <p:cNvPr id="53" name="Slide Number"/>
+          <p:cNvSpPr txBox="1">
+            <a:spLocks noGrp="1"/>
+          </p:cNvSpPr>
+          <p:nvPr>
+            <p:ph type="sldNum" sz="quarter" idx="2"/>
           </p:nvPr>
         </p:nvSpPr>
         <p:spPr>
@@ -2571,56 +2984,10 @@
           <a:bodyPr/>
           <a:lstStyle/>
           <a:p>
-            <a:pPr/>
-            <a:r>
-              <a:t>Slide bullet text</a:t>
-            </a:r>
-          </a:p>
-          <a:p>
-            <a:pPr lvl="1"/>
-            <a:r>
-              <a:t/>
-            </a:r>
-          </a:p>
-          <a:p>
-            <a:pPr lvl="2"/>
-            <a:r>
-              <a:t/>
-            </a:r>
-          </a:p>
-          <a:p>
-            <a:pPr lvl="3"/>
-            <a:r>
-              <a:t/>
-            </a:r>
-          </a:p>
-          <a:p>
-            <a:pPr lvl="4"/>
-            <a:r>
-              <a:t/>
-            </a:r>
-          </a:p>
-        </p:txBody>
-      </p:sp>
-      <p:sp>
-        <p:nvSpPr>
-          <p:cNvPr id="53" name="Slide Number"/>
-          <p:cNvSpPr txBox="1"/>
-          <p:nvPr>
-            <p:ph type="sldNum" sz="quarter" idx="2"/>
-          </p:nvPr>
-        </p:nvSpPr>
-        <p:spPr>
-          <a:prstGeom prst="rect">
-            <a:avLst/>
-          </a:prstGeom>
-        </p:spPr>
-        <p:txBody>
-          <a:bodyPr/>
-          <a:lstStyle/>
-          <a:p>
-            <a:pPr/>
-            <a:fld id="{86CB4B4D-7CA3-9044-876B-883B54F8677D}" type="slidenum"/>
+            <a:fld id="{86CB4B4D-7CA3-9044-876B-883B54F8677D}" type="slidenum">
+              <a:t>‹N°›</a:t>
+            </a:fld>
+            <a:endParaRPr/>
           </a:p>
         </p:txBody>
       </p:sp>
@@ -2629,12 +2996,12 @@
   <p:clrMapOvr>
     <a:masterClrMapping/>
   </p:clrMapOvr>
-  <p:transition xmlns:p14="http://schemas.microsoft.com/office/powerpoint/2010/main" spd="med" advClick="1"/>
+  <p:transition spd="med"/>
 </p:sldLayout>
 </file>
 
 <file path=ppt/slideLayouts/slideLayout6.xml><?xml version="1.0" encoding="utf-8"?>
-<p:sldLayout xmlns:a="http://schemas.openxmlformats.org/drawingml/2006/main" xmlns:r="http://schemas.openxmlformats.org/officeDocument/2006/relationships" xmlns:p="http://schemas.openxmlformats.org/presentationml/2006/main" xmlns:m="http://schemas.openxmlformats.org/officeDocument/2006/math" xmlns:a14="http://schemas.microsoft.com/office/drawing/2010/main" type="tx" showMasterSp="1" showMasterPhAnim="1">
+<p:sldLayout xmlns:a="http://schemas.openxmlformats.org/drawingml/2006/main" xmlns:r="http://schemas.openxmlformats.org/officeDocument/2006/relationships" xmlns:p="http://schemas.openxmlformats.org/presentationml/2006/main" type="tx">
   <p:cSld name="Title, Bullets &amp; Photo">
     <p:spTree>
       <p:nvGrpSpPr>
@@ -2653,7 +3020,9 @@
       <p:sp>
         <p:nvSpPr>
           <p:cNvPr id="60" name="579215462_1440x2158.jpg"/>
-          <p:cNvSpPr/>
+          <p:cNvSpPr>
+            <a:spLocks noGrp="1"/>
+          </p:cNvSpPr>
           <p:nvPr>
             <p:ph type="pic" idx="21"/>
           </p:nvPr>
@@ -2668,19 +3037,21 @@
           </a:prstGeom>
         </p:spPr>
         <p:txBody>
-          <a:bodyPr lIns="91439" tIns="45719" rIns="91439" bIns="45719" numCol="1" spcCol="38100">
+          <a:bodyPr lIns="91439" tIns="45719" rIns="91439" bIns="45719">
             <a:noAutofit/>
           </a:bodyPr>
           <a:lstStyle/>
           <a:p>
-            <a:pPr/>
+            <a:endParaRPr/>
           </a:p>
         </p:txBody>
       </p:sp>
       <p:sp>
         <p:nvSpPr>
           <p:cNvPr id="61" name="Slide Title"/>
-          <p:cNvSpPr txBox="1"/>
+          <p:cNvSpPr txBox="1">
+            <a:spLocks noGrp="1"/>
+          </p:cNvSpPr>
           <p:nvPr>
             <p:ph type="title" hasCustomPrompt="1"/>
           </p:nvPr>
@@ -2698,7 +3069,6 @@
           <a:bodyPr/>
           <a:lstStyle/>
           <a:p>
-            <a:pPr/>
             <a:r>
               <a:t>Slide Title</a:t>
             </a:r>
@@ -2708,7 +3078,9 @@
       <p:sp>
         <p:nvSpPr>
           <p:cNvPr id="62" name="Body Level One…"/>
-          <p:cNvSpPr txBox="1"/>
+          <p:cNvSpPr txBox="1">
+            <a:spLocks noGrp="1"/>
+          </p:cNvSpPr>
           <p:nvPr>
             <p:ph type="body" sz="half" idx="1" hasCustomPrompt="1"/>
           </p:nvPr>
@@ -2723,44 +3095,37 @@
           </a:prstGeom>
         </p:spPr>
         <p:txBody>
-          <a:bodyPr numCol="1" spcCol="38100"/>
+          <a:bodyPr/>
           <a:lstStyle/>
           <a:p>
-            <a:pPr/>
             <a:r>
               <a:t>Slide bullet text</a:t>
             </a:r>
           </a:p>
           <a:p>
             <a:pPr lvl="1"/>
-            <a:r>
-              <a:t/>
-            </a:r>
+            <a:endParaRPr/>
           </a:p>
           <a:p>
             <a:pPr lvl="2"/>
-            <a:r>
-              <a:t/>
-            </a:r>
+            <a:endParaRPr/>
           </a:p>
           <a:p>
             <a:pPr lvl="3"/>
-            <a:r>
-              <a:t/>
-            </a:r>
+            <a:endParaRPr/>
           </a:p>
           <a:p>
             <a:pPr lvl="4"/>
-            <a:r>
-              <a:t/>
-            </a:r>
+            <a:endParaRPr/>
           </a:p>
         </p:txBody>
       </p:sp>
       <p:sp>
         <p:nvSpPr>
           <p:cNvPr id="63" name="Slide Subtitle"/>
-          <p:cNvSpPr txBox="1"/>
+          <p:cNvSpPr txBox="1">
+            <a:spLocks noGrp="1"/>
+          </p:cNvSpPr>
           <p:nvPr>
             <p:ph type="body" sz="quarter" idx="22" hasCustomPrompt="1"/>
           </p:nvPr>
@@ -2775,7 +3140,7 @@
           </a:prstGeom>
         </p:spPr>
         <p:txBody>
-          <a:bodyPr numCol="1" spcCol="38100"/>
+          <a:bodyPr/>
           <a:lstStyle>
             <a:lvl1pPr marL="0" indent="0" algn="ctr" defTabSz="825500">
               <a:spcBef>
@@ -2796,7 +3161,6 @@
             </a:lvl1pPr>
           </a:lstStyle>
           <a:p>
-            <a:pPr/>
             <a:r>
               <a:t>Slide Subtitle</a:t>
             </a:r>
@@ -2806,7 +3170,9 @@
       <p:sp>
         <p:nvSpPr>
           <p:cNvPr id="64" name="Slide Number"/>
-          <p:cNvSpPr txBox="1"/>
+          <p:cNvSpPr txBox="1">
+            <a:spLocks noGrp="1"/>
+          </p:cNvSpPr>
           <p:nvPr>
             <p:ph type="sldNum" sz="quarter" idx="2"/>
           </p:nvPr>
@@ -2820,8 +3186,10 @@
           <a:bodyPr/>
           <a:lstStyle/>
           <a:p>
-            <a:pPr/>
-            <a:fld id="{86CB4B4D-7CA3-9044-876B-883B54F8677D}" type="slidenum"/>
+            <a:fld id="{86CB4B4D-7CA3-9044-876B-883B54F8677D}" type="slidenum">
+              <a:t>‹N°›</a:t>
+            </a:fld>
+            <a:endParaRPr/>
           </a:p>
         </p:txBody>
       </p:sp>
@@ -2830,12 +3198,12 @@
   <p:clrMapOvr>
     <a:masterClrMapping/>
   </p:clrMapOvr>
-  <p:transition xmlns:p14="http://schemas.microsoft.com/office/powerpoint/2010/main" spd="med" advClick="1"/>
+  <p:transition spd="med"/>
 </p:sldLayout>
 </file>
 
 <file path=ppt/slideLayouts/slideLayout7.xml><?xml version="1.0" encoding="utf-8"?>
-<p:sldLayout xmlns:a="http://schemas.openxmlformats.org/drawingml/2006/main" xmlns:r="http://schemas.openxmlformats.org/officeDocument/2006/relationships" xmlns:p="http://schemas.openxmlformats.org/presentationml/2006/main" xmlns:m="http://schemas.openxmlformats.org/officeDocument/2006/math" xmlns:a14="http://schemas.microsoft.com/office/drawing/2010/main" type="tx" showMasterSp="1" showMasterPhAnim="1">
+<p:sldLayout xmlns:a="http://schemas.openxmlformats.org/drawingml/2006/main" xmlns:r="http://schemas.openxmlformats.org/officeDocument/2006/relationships" xmlns:p="http://schemas.openxmlformats.org/presentationml/2006/main" type="tx">
   <p:cSld name="Section">
     <p:spTree>
       <p:nvGrpSpPr>
@@ -2854,7 +3222,9 @@
       <p:sp>
         <p:nvSpPr>
           <p:cNvPr id="71" name="Section Title"/>
-          <p:cNvSpPr txBox="1"/>
+          <p:cNvSpPr txBox="1">
+            <a:spLocks noGrp="1"/>
+          </p:cNvSpPr>
           <p:nvPr>
             <p:ph type="title" hasCustomPrompt="1"/>
           </p:nvPr>
@@ -2875,7 +3245,7 @@
               <a:lnSpc>
                 <a:spcPct val="90000"/>
               </a:lnSpc>
-              <a:defRPr spc="-348" sz="11600">
+              <a:defRPr sz="11600" spc="-348">
                 <a:gradFill flip="none" rotWithShape="1">
                   <a:gsLst>
                     <a:gs pos="0">
@@ -2891,7 +3261,6 @@
             </a:lvl1pPr>
           </a:lstStyle>
           <a:p>
-            <a:pPr/>
             <a:r>
               <a:t>Section Title</a:t>
             </a:r>
@@ -2901,7 +3270,9 @@
       <p:sp>
         <p:nvSpPr>
           <p:cNvPr id="72" name="Slide Number"/>
-          <p:cNvSpPr txBox="1"/>
+          <p:cNvSpPr txBox="1">
+            <a:spLocks noGrp="1"/>
+          </p:cNvSpPr>
           <p:nvPr>
             <p:ph type="sldNum" sz="quarter" idx="2"/>
           </p:nvPr>
@@ -2915,8 +3286,10 @@
           <a:bodyPr/>
           <a:lstStyle/>
           <a:p>
-            <a:pPr/>
-            <a:fld id="{86CB4B4D-7CA3-9044-876B-883B54F8677D}" type="slidenum"/>
+            <a:fld id="{86CB4B4D-7CA3-9044-876B-883B54F8677D}" type="slidenum">
+              <a:t>‹N°›</a:t>
+            </a:fld>
+            <a:endParaRPr/>
           </a:p>
         </p:txBody>
       </p:sp>
@@ -2925,12 +3298,12 @@
   <p:clrMapOvr>
     <a:masterClrMapping/>
   </p:clrMapOvr>
-  <p:transition xmlns:p14="http://schemas.microsoft.com/office/powerpoint/2010/main" spd="med" advClick="1"/>
+  <p:transition spd="med"/>
 </p:sldLayout>
 </file>
 
 <file path=ppt/slideLayouts/slideLayout8.xml><?xml version="1.0" encoding="utf-8"?>
-<p:sldLayout xmlns:a="http://schemas.openxmlformats.org/drawingml/2006/main" xmlns:r="http://schemas.openxmlformats.org/officeDocument/2006/relationships" xmlns:p="http://schemas.openxmlformats.org/presentationml/2006/main" xmlns:m="http://schemas.openxmlformats.org/officeDocument/2006/math" xmlns:a14="http://schemas.microsoft.com/office/drawing/2010/main" type="tx" showMasterSp="1" showMasterPhAnim="1">
+<p:sldLayout xmlns:a="http://schemas.openxmlformats.org/drawingml/2006/main" xmlns:r="http://schemas.openxmlformats.org/officeDocument/2006/relationships" xmlns:p="http://schemas.openxmlformats.org/presentationml/2006/main" type="tx">
   <p:cSld name="Title Only">
     <p:spTree>
       <p:nvGrpSpPr>
@@ -2949,16 +3322,14 @@
       <p:sp>
         <p:nvSpPr>
           <p:cNvPr id="79" name="Slide Title"/>
-          <p:cNvSpPr txBox="1"/>
+          <p:cNvSpPr txBox="1">
+            <a:spLocks noGrp="1"/>
+          </p:cNvSpPr>
           <p:nvPr>
             <p:ph type="title" hasCustomPrompt="1"/>
           </p:nvPr>
         </p:nvSpPr>
         <p:spPr>
-          <a:xfrm>
-            <a:off x="1270000" y="812800"/>
-            <a:ext cx="21844000" cy="1557437"/>
-          </a:xfrm>
           <a:prstGeom prst="rect">
             <a:avLst/>
           </a:prstGeom>
@@ -2967,7 +3338,6 @@
           <a:bodyPr/>
           <a:lstStyle/>
           <a:p>
-            <a:pPr/>
             <a:r>
               <a:t>Slide Title</a:t>
             </a:r>
@@ -2977,7 +3347,9 @@
       <p:sp>
         <p:nvSpPr>
           <p:cNvPr id="80" name="Slide Subtitle"/>
-          <p:cNvSpPr txBox="1"/>
+          <p:cNvSpPr txBox="1">
+            <a:spLocks noGrp="1"/>
+          </p:cNvSpPr>
           <p:nvPr>
             <p:ph type="body" sz="quarter" idx="21" hasCustomPrompt="1"/>
           </p:nvPr>
@@ -2992,7 +3364,7 @@
           </a:prstGeom>
         </p:spPr>
         <p:txBody>
-          <a:bodyPr numCol="1" spcCol="38100"/>
+          <a:bodyPr/>
           <a:lstStyle>
             <a:lvl1pPr marL="0" indent="0" algn="ctr" defTabSz="825500">
               <a:spcBef>
@@ -3013,7 +3385,6 @@
             </a:lvl1pPr>
           </a:lstStyle>
           <a:p>
-            <a:pPr/>
             <a:r>
               <a:t>Slide Subtitle</a:t>
             </a:r>
@@ -3023,7 +3394,9 @@
       <p:sp>
         <p:nvSpPr>
           <p:cNvPr id="81" name="Slide Number"/>
-          <p:cNvSpPr txBox="1"/>
+          <p:cNvSpPr txBox="1">
+            <a:spLocks noGrp="1"/>
+          </p:cNvSpPr>
           <p:nvPr>
             <p:ph type="sldNum" sz="quarter" idx="2"/>
           </p:nvPr>
@@ -3037,8 +3410,10 @@
           <a:bodyPr/>
           <a:lstStyle/>
           <a:p>
-            <a:pPr/>
-            <a:fld id="{86CB4B4D-7CA3-9044-876B-883B54F8677D}" type="slidenum"/>
+            <a:fld id="{86CB4B4D-7CA3-9044-876B-883B54F8677D}" type="slidenum">
+              <a:t>‹N°›</a:t>
+            </a:fld>
+            <a:endParaRPr/>
           </a:p>
         </p:txBody>
       </p:sp>
@@ -3047,12 +3422,12 @@
   <p:clrMapOvr>
     <a:masterClrMapping/>
   </p:clrMapOvr>
-  <p:transition xmlns:p14="http://schemas.microsoft.com/office/powerpoint/2010/main" spd="med" advClick="1"/>
+  <p:transition spd="med"/>
 </p:sldLayout>
 </file>
 
 <file path=ppt/slideLayouts/slideLayout9.xml><?xml version="1.0" encoding="utf-8"?>
-<p:sldLayout xmlns:a="http://schemas.openxmlformats.org/drawingml/2006/main" xmlns:r="http://schemas.openxmlformats.org/officeDocument/2006/relationships" xmlns:p="http://schemas.openxmlformats.org/presentationml/2006/main" xmlns:m="http://schemas.openxmlformats.org/officeDocument/2006/math" xmlns:a14="http://schemas.microsoft.com/office/drawing/2010/main" type="tx" showMasterSp="1" showMasterPhAnim="1">
+<p:sldLayout xmlns:a="http://schemas.openxmlformats.org/drawingml/2006/main" xmlns:r="http://schemas.openxmlformats.org/officeDocument/2006/relationships" xmlns:p="http://schemas.openxmlformats.org/presentationml/2006/main" type="tx">
   <p:cSld name="Agenda">
     <p:spTree>
       <p:nvGrpSpPr>
@@ -3071,12 +3446,18 @@
       <p:sp>
         <p:nvSpPr>
           <p:cNvPr id="88" name="Agenda Title"/>
-          <p:cNvSpPr txBox="1"/>
+          <p:cNvSpPr txBox="1">
+            <a:spLocks noGrp="1"/>
+          </p:cNvSpPr>
           <p:nvPr>
             <p:ph type="title" hasCustomPrompt="1"/>
           </p:nvPr>
         </p:nvSpPr>
         <p:spPr>
+          <a:xfrm>
+            <a:off x="1270000" y="812800"/>
+            <a:ext cx="21844000" cy="1562100"/>
+          </a:xfrm>
           <a:prstGeom prst="rect">
             <a:avLst/>
           </a:prstGeom>
@@ -3085,7 +3466,6 @@
           <a:bodyPr/>
           <a:lstStyle/>
           <a:p>
-            <a:pPr/>
             <a:r>
               <a:t>Agenda Title</a:t>
             </a:r>
@@ -3095,7 +3475,9 @@
       <p:sp>
         <p:nvSpPr>
           <p:cNvPr id="89" name="Agenda Subtitle"/>
-          <p:cNvSpPr txBox="1"/>
+          <p:cNvSpPr txBox="1">
+            <a:spLocks noGrp="1"/>
+          </p:cNvSpPr>
           <p:nvPr>
             <p:ph type="body" sz="quarter" idx="21" hasCustomPrompt="1"/>
           </p:nvPr>
@@ -3110,7 +3492,7 @@
           </a:prstGeom>
         </p:spPr>
         <p:txBody>
-          <a:bodyPr numCol="1" spcCol="38100"/>
+          <a:bodyPr/>
           <a:lstStyle>
             <a:lvl1pPr marL="0" indent="0" algn="ctr" defTabSz="825500">
               <a:spcBef>
@@ -3131,7 +3513,6 @@
             </a:lvl1pPr>
           </a:lstStyle>
           <a:p>
-            <a:pPr/>
             <a:r>
               <a:t>Agenda Subtitle</a:t>
             </a:r>
@@ -3141,90 +3522,81 @@
       <p:sp>
         <p:nvSpPr>
           <p:cNvPr id="90" name="Body Level One…"/>
-          <p:cNvSpPr txBox="1"/>
+          <p:cNvSpPr txBox="1">
+            <a:spLocks noGrp="1"/>
+          </p:cNvSpPr>
           <p:nvPr>
             <p:ph type="body" idx="1" hasCustomPrompt="1"/>
           </p:nvPr>
         </p:nvSpPr>
         <p:spPr>
-          <a:xfrm>
-            <a:off x="1270000" y="4267200"/>
-            <a:ext cx="21844000" cy="8432800"/>
-          </a:xfrm>
           <a:prstGeom prst="rect">
             <a:avLst/>
           </a:prstGeom>
         </p:spPr>
         <p:txBody>
-          <a:bodyPr numCol="1" spcCol="38100"/>
+          <a:bodyPr/>
           <a:lstStyle>
             <a:lvl1pPr marL="0" indent="0" defTabSz="825500">
               <a:buClrTx/>
               <a:buSzTx/>
               <a:buNone/>
-              <a:defRPr spc="-55" sz="5500"/>
+              <a:defRPr sz="5500" spc="-55"/>
             </a:lvl1pPr>
             <a:lvl2pPr marL="0" indent="457200" defTabSz="825500">
               <a:buClrTx/>
               <a:buSzTx/>
               <a:buNone/>
-              <a:defRPr spc="-55" sz="5500"/>
+              <a:defRPr sz="5500" spc="-55"/>
             </a:lvl2pPr>
             <a:lvl3pPr marL="0" indent="914400" defTabSz="825500">
               <a:buClrTx/>
               <a:buSzTx/>
               <a:buNone/>
-              <a:defRPr spc="-55" sz="5500"/>
+              <a:defRPr sz="5500" spc="-55"/>
             </a:lvl3pPr>
             <a:lvl4pPr marL="0" indent="1371600" defTabSz="825500">
               <a:buClrTx/>
               <a:buSzTx/>
               <a:buNone/>
-              <a:defRPr spc="-55" sz="5500"/>
+              <a:defRPr sz="5500" spc="-55"/>
             </a:lvl4pPr>
             <a:lvl5pPr marL="0" indent="1828800" defTabSz="825500">
               <a:buClrTx/>
               <a:buSzTx/>
               <a:buNone/>
-              <a:defRPr spc="-55" sz="5500"/>
+              <a:defRPr sz="5500" spc="-55"/>
             </a:lvl5pPr>
           </a:lstStyle>
           <a:p>
-            <a:pPr/>
             <a:r>
               <a:t>Agenda Topics</a:t>
             </a:r>
           </a:p>
           <a:p>
             <a:pPr lvl="1"/>
-            <a:r>
-              <a:t/>
-            </a:r>
+            <a:endParaRPr/>
           </a:p>
           <a:p>
             <a:pPr lvl="2"/>
-            <a:r>
-              <a:t/>
-            </a:r>
+            <a:endParaRPr/>
           </a:p>
           <a:p>
             <a:pPr lvl="3"/>
-            <a:r>
-              <a:t/>
-            </a:r>
+            <a:endParaRPr/>
           </a:p>
           <a:p>
             <a:pPr lvl="4"/>
-            <a:r>
-              <a:t/>
-            </a:r>
+            <a:endParaRPr/>
           </a:p>
         </p:txBody>
       </p:sp>
       <p:sp>
         <p:nvSpPr>
           <p:cNvPr id="91" name="Slide Number"/>
-          <p:cNvSpPr txBox="1"/>
+          <p:cNvSpPr txBox="1">
+            <a:spLocks noGrp="1"/>
+          </p:cNvSpPr>
           <p:nvPr>
             <p:ph type="sldNum" sz="quarter" idx="2"/>
           </p:nvPr>
@@ -3238,8 +3610,10 @@
           <a:bodyPr/>
           <a:lstStyle/>
           <a:p>
-            <a:pPr/>
-            <a:fld id="{86CB4B4D-7CA3-9044-876B-883B54F8677D}" type="slidenum"/>
+            <a:fld id="{86CB4B4D-7CA3-9044-876B-883B54F8677D}" type="slidenum">
+              <a:t>‹N°›</a:t>
+            </a:fld>
+            <a:endParaRPr/>
           </a:p>
         </p:txBody>
       </p:sp>
@@ -3248,12 +3622,12 @@
   <p:clrMapOvr>
     <a:masterClrMapping/>
   </p:clrMapOvr>
-  <p:transition xmlns:p14="http://schemas.microsoft.com/office/powerpoint/2010/main" spd="med" advClick="1"/>
+  <p:transition spd="med"/>
 </p:sldLayout>
 </file>
 
 <file path=ppt/slideMasters/slideMaster1.xml><?xml version="1.0" encoding="utf-8"?>
-<p:sldMaster xmlns:a="http://schemas.openxmlformats.org/drawingml/2006/main" xmlns:r="http://schemas.openxmlformats.org/officeDocument/2006/relationships" xmlns:p="http://schemas.openxmlformats.org/presentationml/2006/main" xmlns:m="http://schemas.openxmlformats.org/officeDocument/2006/math" xmlns:a14="http://schemas.microsoft.com/office/drawing/2010/main">
+<p:sldMaster xmlns:a="http://schemas.openxmlformats.org/drawingml/2006/main" xmlns:r="http://schemas.openxmlformats.org/officeDocument/2006/relationships" xmlns:p="http://schemas.openxmlformats.org/presentationml/2006/main">
   <p:cSld>
     <p:bg>
       <p:bgPr>
@@ -3268,6 +3642,7 @@
           </a:gsLst>
           <a:lin ang="5400000" scaled="0"/>
         </a:gradFill>
+        <a:effectLst/>
       </p:bgPr>
     </p:bg>
     <p:spTree>
@@ -3286,16 +3661,18 @@
       </p:grpSpPr>
       <p:sp>
         <p:nvSpPr>
-          <p:cNvPr id="2" name="Body Level One…"/>
-          <p:cNvSpPr txBox="1"/>
-          <p:nvPr>
-            <p:ph type="body" idx="1" hasCustomPrompt="1"/>
+          <p:cNvPr id="2" name="Slide Title"/>
+          <p:cNvSpPr txBox="1">
+            <a:spLocks noGrp="1"/>
+          </p:cNvSpPr>
+          <p:nvPr>
+            <p:ph type="title" hasCustomPrompt="1"/>
           </p:nvPr>
         </p:nvSpPr>
         <p:spPr>
           <a:xfrm>
-            <a:off x="1270000" y="4269316"/>
-            <a:ext cx="21844000" cy="8432801"/>
+            <a:off x="1270000" y="812800"/>
+            <a:ext cx="21844000" cy="1557437"/>
           </a:xfrm>
           <a:prstGeom prst="rect">
             <a:avLst/>
@@ -3305,59 +3682,36 @@
           </a:ln>
           <a:extLst>
             <a:ext uri="{C572A759-6A51-4108-AA02-DFA0A04FC94B}">
-              <ma14:wrappingTextBoxFlag xmlns:ma14="http://schemas.microsoft.com/office/mac/drawingml/2011/main" val="1"/>
+              <ma14:wrappingTextBoxFlag xmlns:ma14="http://schemas.microsoft.com/office/mac/drawingml/2011/main" xmlns:a14="http://schemas.microsoft.com/office/drawing/2010/main" xmlns:m="http://schemas.openxmlformats.org/officeDocument/2006/math" xmlns="" val="1"/>
             </a:ext>
           </a:extLst>
         </p:spPr>
         <p:txBody>
-          <a:bodyPr lIns="50800" tIns="50800" rIns="50800" bIns="50800" numCol="2" spcCol="1092200">
-            <a:normAutofit fontScale="100000" lnSpcReduction="0"/>
+          <a:bodyPr lIns="50800" tIns="50800" rIns="50800" bIns="50800" anchor="b">
+            <a:normAutofit/>
           </a:bodyPr>
           <a:lstStyle/>
           <a:p>
-            <a:pPr/>
-            <a:r>
-              <a:t>Slide bullet text</a:t>
-            </a:r>
-          </a:p>
-          <a:p>
-            <a:pPr lvl="1"/>
-            <a:r>
-              <a:t/>
-            </a:r>
-          </a:p>
-          <a:p>
-            <a:pPr lvl="2"/>
-            <a:r>
-              <a:t/>
-            </a:r>
-          </a:p>
-          <a:p>
-            <a:pPr lvl="3"/>
-            <a:r>
-              <a:t/>
-            </a:r>
-          </a:p>
-          <a:p>
-            <a:pPr lvl="4"/>
-            <a:r>
-              <a:t/>
-            </a:r>
-          </a:p>
-        </p:txBody>
-      </p:sp>
-      <p:sp>
-        <p:nvSpPr>
-          <p:cNvPr id="3" name="Slide Title"/>
-          <p:cNvSpPr txBox="1"/>
-          <p:nvPr>
-            <p:ph type="title" hasCustomPrompt="1"/>
+            <a:r>
+              <a:t>Slide Title</a:t>
+            </a:r>
+          </a:p>
+        </p:txBody>
+      </p:sp>
+      <p:sp>
+        <p:nvSpPr>
+          <p:cNvPr id="3" name="Body Level One…"/>
+          <p:cNvSpPr txBox="1">
+            <a:spLocks noGrp="1"/>
+          </p:cNvSpPr>
+          <p:nvPr>
+            <p:ph type="body" idx="1" hasCustomPrompt="1"/>
           </p:nvPr>
         </p:nvSpPr>
         <p:spPr>
           <a:xfrm>
-            <a:off x="1270000" y="812800"/>
-            <a:ext cx="21844000" cy="1562100"/>
+            <a:off x="1270000" y="4267200"/>
+            <a:ext cx="21844000" cy="8432800"/>
           </a:xfrm>
           <a:prstGeom prst="rect">
             <a:avLst/>
@@ -3367,27 +3721,44 @@
           </a:ln>
           <a:extLst>
             <a:ext uri="{C572A759-6A51-4108-AA02-DFA0A04FC94B}">
-              <ma14:wrappingTextBoxFlag xmlns:ma14="http://schemas.microsoft.com/office/mac/drawingml/2011/main" val="1"/>
+              <ma14:wrappingTextBoxFlag xmlns:ma14="http://schemas.microsoft.com/office/mac/drawingml/2011/main" xmlns:a14="http://schemas.microsoft.com/office/drawing/2010/main" xmlns:m="http://schemas.openxmlformats.org/officeDocument/2006/math" xmlns="" val="1"/>
             </a:ext>
           </a:extLst>
         </p:spPr>
         <p:txBody>
-          <a:bodyPr lIns="50800" tIns="50800" rIns="50800" bIns="50800" anchor="b">
-            <a:normAutofit fontScale="100000" lnSpcReduction="0"/>
+          <a:bodyPr lIns="50800" tIns="50800" rIns="50800" bIns="50800">
+            <a:normAutofit/>
           </a:bodyPr>
           <a:lstStyle/>
           <a:p>
-            <a:pPr/>
-            <a:r>
-              <a:t>Slide Title</a:t>
-            </a:r>
+            <a:r>
+              <a:t>Slide bullet text</a:t>
+            </a:r>
+          </a:p>
+          <a:p>
+            <a:pPr lvl="1"/>
+            <a:endParaRPr/>
+          </a:p>
+          <a:p>
+            <a:pPr lvl="2"/>
+            <a:endParaRPr/>
+          </a:p>
+          <a:p>
+            <a:pPr lvl="3"/>
+            <a:endParaRPr/>
+          </a:p>
+          <a:p>
+            <a:pPr lvl="4"/>
+            <a:endParaRPr/>
           </a:p>
         </p:txBody>
       </p:sp>
       <p:sp>
         <p:nvSpPr>
           <p:cNvPr id="4" name="Slide Number"/>
-          <p:cNvSpPr txBox="1"/>
+          <p:cNvSpPr txBox="1">
+            <a:spLocks noGrp="1"/>
+          </p:cNvSpPr>
           <p:nvPr>
             <p:ph type="sldNum" sz="quarter" idx="2"/>
           </p:nvPr>
@@ -3418,8 +3789,10 @@
             </a:lvl1pPr>
           </a:lstStyle>
           <a:p>
-            <a:pPr/>
-            <a:fld id="{86CB4B4D-7CA3-9044-876B-883B54F8677D}" type="slidenum"/>
+            <a:fld id="{86CB4B4D-7CA3-9044-876B-883B54F8677D}" type="slidenum">
+              <a:t>‹N°›</a:t>
+            </a:fld>
+            <a:endParaRPr/>
           </a:p>
         </p:txBody>
       </p:sp>
@@ -3427,23 +3800,23 @@
   </p:cSld>
   <p:clrMap bg1="dk1" tx1="lt1" bg2="dk2" tx2="lt2" accent1="accent1" accent2="accent2" accent3="accent3" accent4="accent4" accent5="accent5" accent6="accent6" hlink="hlink" folHlink="folHlink"/>
   <p:sldLayoutIdLst>
-    <p:sldLayoutId id="2147483649" r:id="rId2"/>
-    <p:sldLayoutId id="2147483650" r:id="rId3"/>
-    <p:sldLayoutId id="2147483651" r:id="rId4"/>
-    <p:sldLayoutId id="2147483652" r:id="rId5"/>
-    <p:sldLayoutId id="2147483653" r:id="rId6"/>
-    <p:sldLayoutId id="2147483654" r:id="rId7"/>
-    <p:sldLayoutId id="2147483655" r:id="rId8"/>
-    <p:sldLayoutId id="2147483656" r:id="rId9"/>
-    <p:sldLayoutId id="2147483657" r:id="rId10"/>
-    <p:sldLayoutId id="2147483658" r:id="rId11"/>
-    <p:sldLayoutId id="2147483659" r:id="rId12"/>
-    <p:sldLayoutId id="2147483660" r:id="rId13"/>
-    <p:sldLayoutId id="2147483661" r:id="rId14"/>
-    <p:sldLayoutId id="2147483662" r:id="rId15"/>
-    <p:sldLayoutId id="2147483663" r:id="rId16"/>
+    <p:sldLayoutId id="2147483649" r:id="rId1"/>
+    <p:sldLayoutId id="2147483650" r:id="rId2"/>
+    <p:sldLayoutId id="2147483651" r:id="rId3"/>
+    <p:sldLayoutId id="2147483652" r:id="rId4"/>
+    <p:sldLayoutId id="2147483653" r:id="rId5"/>
+    <p:sldLayoutId id="2147483654" r:id="rId6"/>
+    <p:sldLayoutId id="2147483655" r:id="rId7"/>
+    <p:sldLayoutId id="2147483656" r:id="rId8"/>
+    <p:sldLayoutId id="2147483657" r:id="rId9"/>
+    <p:sldLayoutId id="2147483658" r:id="rId10"/>
+    <p:sldLayoutId id="2147483659" r:id="rId11"/>
+    <p:sldLayoutId id="2147483660" r:id="rId12"/>
+    <p:sldLayoutId id="2147483661" r:id="rId13"/>
+    <p:sldLayoutId id="2147483662" r:id="rId14"/>
+    <p:sldLayoutId id="2147483663" r:id="rId15"/>
   </p:sldLayoutIdLst>
-  <p:transition xmlns:p14="http://schemas.microsoft.com/office/powerpoint/2010/main" spd="med" advClick="1"/>
+  <p:transition spd="med"/>
   <p:txStyles>
     <p:titleStyle>
       <a:lvl1pPr marL="0" marR="0" indent="0" algn="ctr" defTabSz="825500" rtl="0" latinLnBrk="0">
@@ -3461,7 +3834,7 @@
         <a:buFontTx/>
         <a:buNone/>
         <a:tabLst/>
-        <a:defRPr b="0" baseline="0" cap="none" i="0" spc="-252" strike="noStrike" sz="8400" u="none">
+        <a:defRPr sz="8400" b="0" i="0" u="none" strike="noStrike" cap="none" spc="-252" baseline="0">
           <a:gradFill flip="none" rotWithShape="1">
             <a:gsLst>
               <a:gs pos="0">
@@ -3495,7 +3868,7 @@
         <a:buFontTx/>
         <a:buNone/>
         <a:tabLst/>
-        <a:defRPr b="0" baseline="0" cap="none" i="0" spc="-252" strike="noStrike" sz="8400" u="none">
+        <a:defRPr sz="8400" b="0" i="0" u="none" strike="noStrike" cap="none" spc="-252" baseline="0">
           <a:gradFill flip="none" rotWithShape="1">
             <a:gsLst>
               <a:gs pos="0">
@@ -3529,7 +3902,7 @@
         <a:buFontTx/>
         <a:buNone/>
         <a:tabLst/>
-        <a:defRPr b="0" baseline="0" cap="none" i="0" spc="-252" strike="noStrike" sz="8400" u="none">
+        <a:defRPr sz="8400" b="0" i="0" u="none" strike="noStrike" cap="none" spc="-252" baseline="0">
           <a:gradFill flip="none" rotWithShape="1">
             <a:gsLst>
               <a:gs pos="0">
@@ -3563,7 +3936,7 @@
         <a:buFontTx/>
         <a:buNone/>
         <a:tabLst/>
-        <a:defRPr b="0" baseline="0" cap="none" i="0" spc="-252" strike="noStrike" sz="8400" u="none">
+        <a:defRPr sz="8400" b="0" i="0" u="none" strike="noStrike" cap="none" spc="-252" baseline="0">
           <a:gradFill flip="none" rotWithShape="1">
             <a:gsLst>
               <a:gs pos="0">
@@ -3597,7 +3970,7 @@
         <a:buFontTx/>
         <a:buNone/>
         <a:tabLst/>
-        <a:defRPr b="0" baseline="0" cap="none" i="0" spc="-252" strike="noStrike" sz="8400" u="none">
+        <a:defRPr sz="8400" b="0" i="0" u="none" strike="noStrike" cap="none" spc="-252" baseline="0">
           <a:gradFill flip="none" rotWithShape="1">
             <a:gsLst>
               <a:gs pos="0">
@@ -3631,7 +4004,7 @@
         <a:buFontTx/>
         <a:buNone/>
         <a:tabLst/>
-        <a:defRPr b="0" baseline="0" cap="none" i="0" spc="-252" strike="noStrike" sz="8400" u="none">
+        <a:defRPr sz="8400" b="0" i="0" u="none" strike="noStrike" cap="none" spc="-252" baseline="0">
           <a:gradFill flip="none" rotWithShape="1">
             <a:gsLst>
               <a:gs pos="0">
@@ -3665,7 +4038,7 @@
         <a:buFontTx/>
         <a:buNone/>
         <a:tabLst/>
-        <a:defRPr b="0" baseline="0" cap="none" i="0" spc="-252" strike="noStrike" sz="8400" u="none">
+        <a:defRPr sz="8400" b="0" i="0" u="none" strike="noStrike" cap="none" spc="-252" baseline="0">
           <a:gradFill flip="none" rotWithShape="1">
             <a:gsLst>
               <a:gs pos="0">
@@ -3699,7 +4072,7 @@
         <a:buFontTx/>
         <a:buNone/>
         <a:tabLst/>
-        <a:defRPr b="0" baseline="0" cap="none" i="0" spc="-252" strike="noStrike" sz="8400" u="none">
+        <a:defRPr sz="8400" b="0" i="0" u="none" strike="noStrike" cap="none" spc="-252" baseline="0">
           <a:gradFill flip="none" rotWithShape="1">
             <a:gsLst>
               <a:gs pos="0">
@@ -3733,7 +4106,7 @@
         <a:buFontTx/>
         <a:buNone/>
         <a:tabLst/>
-        <a:defRPr b="0" baseline="0" cap="none" i="0" spc="-252" strike="noStrike" sz="8400" u="none">
+        <a:defRPr sz="8400" b="0" i="0" u="none" strike="noStrike" cap="none" spc="-252" baseline="0">
           <a:gradFill flip="none" rotWithShape="1">
             <a:gsLst>
               <a:gs pos="0">
@@ -3771,7 +4144,7 @@
         <a:buFontTx/>
         <a:buChar char="•"/>
         <a:tabLst/>
-        <a:defRPr b="0" baseline="0" cap="none" i="0" spc="0" strike="noStrike" sz="4800" u="none">
+        <a:defRPr sz="4800" b="0" i="0" u="none" strike="noStrike" cap="none" spc="0" baseline="0">
           <a:solidFill>
             <a:srgbClr val="FFFFFF"/>
           </a:solidFill>
@@ -3799,7 +4172,7 @@
         <a:buFontTx/>
         <a:buChar char="•"/>
         <a:tabLst/>
-        <a:defRPr b="0" baseline="0" cap="none" i="0" spc="0" strike="noStrike" sz="4800" u="none">
+        <a:defRPr sz="4800" b="0" i="0" u="none" strike="noStrike" cap="none" spc="0" baseline="0">
           <a:solidFill>
             <a:srgbClr val="FFFFFF"/>
           </a:solidFill>
@@ -3827,7 +4200,7 @@
         <a:buFontTx/>
         <a:buChar char="•"/>
         <a:tabLst/>
-        <a:defRPr b="0" baseline="0" cap="none" i="0" spc="0" strike="noStrike" sz="4800" u="none">
+        <a:defRPr sz="4800" b="0" i="0" u="none" strike="noStrike" cap="none" spc="0" baseline="0">
           <a:solidFill>
             <a:srgbClr val="FFFFFF"/>
           </a:solidFill>
@@ -3855,7 +4228,7 @@
         <a:buFontTx/>
         <a:buChar char="•"/>
         <a:tabLst/>
-        <a:defRPr b="0" baseline="0" cap="none" i="0" spc="0" strike="noStrike" sz="4800" u="none">
+        <a:defRPr sz="4800" b="0" i="0" u="none" strike="noStrike" cap="none" spc="0" baseline="0">
           <a:solidFill>
             <a:srgbClr val="FFFFFF"/>
           </a:solidFill>
@@ -3883,7 +4256,7 @@
         <a:buFontTx/>
         <a:buChar char="•"/>
         <a:tabLst/>
-        <a:defRPr b="0" baseline="0" cap="none" i="0" spc="0" strike="noStrike" sz="4800" u="none">
+        <a:defRPr sz="4800" b="0" i="0" u="none" strike="noStrike" cap="none" spc="0" baseline="0">
           <a:solidFill>
             <a:srgbClr val="FFFFFF"/>
           </a:solidFill>
@@ -3911,7 +4284,7 @@
         <a:buFontTx/>
         <a:buChar char="•"/>
         <a:tabLst/>
-        <a:defRPr b="0" baseline="0" cap="none" i="0" spc="0" strike="noStrike" sz="4800" u="none">
+        <a:defRPr sz="4800" b="0" i="0" u="none" strike="noStrike" cap="none" spc="0" baseline="0">
           <a:solidFill>
             <a:srgbClr val="FFFFFF"/>
           </a:solidFill>
@@ -3939,7 +4312,7 @@
         <a:buFontTx/>
         <a:buChar char="•"/>
         <a:tabLst/>
-        <a:defRPr b="0" baseline="0" cap="none" i="0" spc="0" strike="noStrike" sz="4800" u="none">
+        <a:defRPr sz="4800" b="0" i="0" u="none" strike="noStrike" cap="none" spc="0" baseline="0">
           <a:solidFill>
             <a:srgbClr val="FFFFFF"/>
           </a:solidFill>
@@ -3967,7 +4340,7 @@
         <a:buFontTx/>
         <a:buChar char="•"/>
         <a:tabLst/>
-        <a:defRPr b="0" baseline="0" cap="none" i="0" spc="0" strike="noStrike" sz="4800" u="none">
+        <a:defRPr sz="4800" b="0" i="0" u="none" strike="noStrike" cap="none" spc="0" baseline="0">
           <a:solidFill>
             <a:srgbClr val="FFFFFF"/>
           </a:solidFill>
@@ -3995,7 +4368,7 @@
         <a:buFontTx/>
         <a:buChar char="•"/>
         <a:tabLst/>
-        <a:defRPr b="0" baseline="0" cap="none" i="0" spc="0" strike="noStrike" sz="4800" u="none">
+        <a:defRPr sz="4800" b="0" i="0" u="none" strike="noStrike" cap="none" spc="0" baseline="0">
           <a:solidFill>
             <a:srgbClr val="FFFFFF"/>
           </a:solidFill>
@@ -4023,7 +4396,7 @@
         <a:buFontTx/>
         <a:buNone/>
         <a:tabLst/>
-        <a:defRPr b="0" baseline="0" cap="none" i="0" spc="0" strike="noStrike" sz="2200" u="none">
+        <a:defRPr sz="2200" b="0" i="0" u="none" strike="noStrike" cap="none" spc="0" baseline="0">
           <a:solidFill>
             <a:schemeClr val="tx1"/>
           </a:solidFill>
@@ -4049,7 +4422,7 @@
         <a:buFontTx/>
         <a:buNone/>
         <a:tabLst/>
-        <a:defRPr b="0" baseline="0" cap="none" i="0" spc="0" strike="noStrike" sz="2200" u="none">
+        <a:defRPr sz="2200" b="0" i="0" u="none" strike="noStrike" cap="none" spc="0" baseline="0">
           <a:solidFill>
             <a:schemeClr val="tx1"/>
           </a:solidFill>
@@ -4075,7 +4448,7 @@
         <a:buFontTx/>
         <a:buNone/>
         <a:tabLst/>
-        <a:defRPr b="0" baseline="0" cap="none" i="0" spc="0" strike="noStrike" sz="2200" u="none">
+        <a:defRPr sz="2200" b="0" i="0" u="none" strike="noStrike" cap="none" spc="0" baseline="0">
           <a:solidFill>
             <a:schemeClr val="tx1"/>
           </a:solidFill>
@@ -4101,7 +4474,7 @@
         <a:buFontTx/>
         <a:buNone/>
         <a:tabLst/>
-        <a:defRPr b="0" baseline="0" cap="none" i="0" spc="0" strike="noStrike" sz="2200" u="none">
+        <a:defRPr sz="2200" b="0" i="0" u="none" strike="noStrike" cap="none" spc="0" baseline="0">
           <a:solidFill>
             <a:schemeClr val="tx1"/>
           </a:solidFill>
@@ -4127,7 +4500,7 @@
         <a:buFontTx/>
         <a:buNone/>
         <a:tabLst/>
-        <a:defRPr b="0" baseline="0" cap="none" i="0" spc="0" strike="noStrike" sz="2200" u="none">
+        <a:defRPr sz="2200" b="0" i="0" u="none" strike="noStrike" cap="none" spc="0" baseline="0">
           <a:solidFill>
             <a:schemeClr val="tx1"/>
           </a:solidFill>
@@ -4153,7 +4526,7 @@
         <a:buFontTx/>
         <a:buNone/>
         <a:tabLst/>
-        <a:defRPr b="0" baseline="0" cap="none" i="0" spc="0" strike="noStrike" sz="2200" u="none">
+        <a:defRPr sz="2200" b="0" i="0" u="none" strike="noStrike" cap="none" spc="0" baseline="0">
           <a:solidFill>
             <a:schemeClr val="tx1"/>
           </a:solidFill>
@@ -4179,7 +4552,7 @@
         <a:buFontTx/>
         <a:buNone/>
         <a:tabLst/>
-        <a:defRPr b="0" baseline="0" cap="none" i="0" spc="0" strike="noStrike" sz="2200" u="none">
+        <a:defRPr sz="2200" b="0" i="0" u="none" strike="noStrike" cap="none" spc="0" baseline="0">
           <a:solidFill>
             <a:schemeClr val="tx1"/>
           </a:solidFill>
@@ -4205,7 +4578,7 @@
         <a:buFontTx/>
         <a:buNone/>
         <a:tabLst/>
-        <a:defRPr b="0" baseline="0" cap="none" i="0" spc="0" strike="noStrike" sz="2200" u="none">
+        <a:defRPr sz="2200" b="0" i="0" u="none" strike="noStrike" cap="none" spc="0" baseline="0">
           <a:solidFill>
             <a:schemeClr val="tx1"/>
           </a:solidFill>
@@ -4231,7 +4604,7 @@
         <a:buFontTx/>
         <a:buNone/>
         <a:tabLst/>
-        <a:defRPr b="0" baseline="0" cap="none" i="0" spc="0" strike="noStrike" sz="2200" u="none">
+        <a:defRPr sz="2200" b="0" i="0" u="none" strike="noStrike" cap="none" spc="0" baseline="0">
           <a:solidFill>
             <a:schemeClr val="tx1"/>
           </a:solidFill>
@@ -4248,7 +4621,7 @@
 </file>
 
 <file path=ppt/slides/slide1.xml><?xml version="1.0" encoding="utf-8"?>
-<p:sld xmlns:a="http://schemas.openxmlformats.org/drawingml/2006/main" xmlns:r="http://schemas.openxmlformats.org/officeDocument/2006/relationships" xmlns:p="http://schemas.openxmlformats.org/presentationml/2006/main" xmlns:m="http://schemas.openxmlformats.org/officeDocument/2006/math" xmlns:a14="http://schemas.microsoft.com/office/drawing/2010/main" showMasterSp="1" showMasterPhAnim="1">
+<p:sld xmlns:a="http://schemas.openxmlformats.org/drawingml/2006/main" xmlns:r="http://schemas.openxmlformats.org/officeDocument/2006/relationships" xmlns:p="http://schemas.openxmlformats.org/presentationml/2006/main">
   <p:cSld>
     <p:spTree>
       <p:nvGrpSpPr>
@@ -4267,7 +4640,9 @@
       <p:sp>
         <p:nvSpPr>
           <p:cNvPr id="151" name="Face Recognition"/>
-          <p:cNvSpPr txBox="1"/>
+          <p:cNvSpPr txBox="1">
+            <a:spLocks noGrp="1"/>
+          </p:cNvSpPr>
           <p:nvPr>
             <p:ph type="ctrTitle"/>
           </p:nvPr>
@@ -4281,7 +4656,6 @@
           <a:bodyPr/>
           <a:lstStyle/>
           <a:p>
-            <a:pPr/>
             <a:r>
               <a:t>Face Recognition</a:t>
             </a:r>
@@ -4290,10 +4664,12 @@
       </p:sp>
       <p:sp>
         <p:nvSpPr>
-          <p:cNvPr id="152" name="Gerard Burgués…"/>
-          <p:cNvSpPr txBox="1"/>
-          <p:nvPr>
-            <p:ph type="subTitle" sz="quarter" idx="1"/>
+          <p:cNvPr id="152" name="Author and Date"/>
+          <p:cNvSpPr txBox="1">
+            <a:spLocks noGrp="1"/>
+          </p:cNvSpPr>
+          <p:nvPr>
+            <p:ph type="body" idx="21"/>
           </p:nvPr>
         </p:nvSpPr>
         <p:spPr>
@@ -4305,13 +4681,34 @@
           <a:bodyPr/>
           <a:lstStyle/>
           <a:p>
-            <a:pPr/>
+            <a:endParaRPr/>
+          </a:p>
+        </p:txBody>
+      </p:sp>
+      <p:sp>
+        <p:nvSpPr>
+          <p:cNvPr id="153" name="Gerard Burgués…"/>
+          <p:cNvSpPr txBox="1">
+            <a:spLocks noGrp="1"/>
+          </p:cNvSpPr>
+          <p:nvPr>
+            <p:ph type="subTitle" sz="quarter" idx="1"/>
+          </p:nvPr>
+        </p:nvSpPr>
+        <p:spPr>
+          <a:prstGeom prst="rect">
+            <a:avLst/>
+          </a:prstGeom>
+        </p:spPr>
+        <p:txBody>
+          <a:bodyPr/>
+          <a:lstStyle/>
+          <a:p>
             <a:r>
               <a:t>Gerard Burgués</a:t>
             </a:r>
           </a:p>
           <a:p>
-            <a:pPr/>
             <a:r>
               <a:t>Elliot Rogie</a:t>
             </a:r>
@@ -4323,12 +4720,12 @@
   <p:clrMapOvr>
     <a:masterClrMapping/>
   </p:clrMapOvr>
-  <p:transition xmlns:p14="http://schemas.microsoft.com/office/powerpoint/2010/main" spd="med" advClick="1"/>
+  <p:transition spd="med"/>
 </p:sld>
 </file>
 
-<file path=ppt/slides/slide2.xml><?xml version="1.0" encoding="utf-8"?>
-<p:sld xmlns:a="http://schemas.openxmlformats.org/drawingml/2006/main" xmlns:r="http://schemas.openxmlformats.org/officeDocument/2006/relationships" xmlns:p="http://schemas.openxmlformats.org/presentationml/2006/main" xmlns:m="http://schemas.openxmlformats.org/officeDocument/2006/math" xmlns:a14="http://schemas.microsoft.com/office/drawing/2010/main" showMasterSp="1" showMasterPhAnim="1">
+<file path=ppt/slides/slide10.xml><?xml version="1.0" encoding="utf-8"?>
+<p:sld xmlns:a="http://schemas.openxmlformats.org/drawingml/2006/main" xmlns:r="http://schemas.openxmlformats.org/officeDocument/2006/relationships" xmlns:p="http://schemas.openxmlformats.org/presentationml/2006/main">
   <p:cSld>
     <p:spTree>
       <p:nvGrpSpPr>
@@ -4346,8 +4743,541 @@
       </p:grpSpPr>
       <p:sp>
         <p:nvSpPr>
-          <p:cNvPr id="154" name="Content"/>
-          <p:cNvSpPr txBox="1"/>
+          <p:cNvPr id="2" name="Titre 1">
+            <a:extLst>
+              <a:ext uri="{FF2B5EF4-FFF2-40B4-BE49-F238E27FC236}">
+                <a16:creationId xmlns:a16="http://schemas.microsoft.com/office/drawing/2014/main" id="{3E250527-E45D-433E-9EE5-63DEB666B6CB}"/>
+              </a:ext>
+            </a:extLst>
+          </p:cNvPr>
+          <p:cNvSpPr>
+            <a:spLocks noGrp="1"/>
+          </p:cNvSpPr>
+          <p:nvPr>
+            <p:ph type="title"/>
+          </p:nvPr>
+        </p:nvSpPr>
+        <p:spPr/>
+        <p:txBody>
+          <a:bodyPr/>
+          <a:lstStyle/>
+          <a:p>
+            <a:r>
+              <a:rPr lang="fr-FR" dirty="0" err="1"/>
+              <a:t>Research</a:t>
+            </a:r>
+            <a:endParaRPr lang="en-GB" dirty="0"/>
+          </a:p>
+        </p:txBody>
+      </p:sp>
+      <p:sp>
+        <p:nvSpPr>
+          <p:cNvPr id="3" name="Espace réservé du texte 2">
+            <a:extLst>
+              <a:ext uri="{FF2B5EF4-FFF2-40B4-BE49-F238E27FC236}">
+                <a16:creationId xmlns:a16="http://schemas.microsoft.com/office/drawing/2014/main" id="{CA23E05B-DACE-4EDA-AB30-18C79654ABE1}"/>
+              </a:ext>
+            </a:extLst>
+          </p:cNvPr>
+          <p:cNvSpPr>
+            <a:spLocks noGrp="1"/>
+          </p:cNvSpPr>
+          <p:nvPr>
+            <p:ph type="body" sz="quarter" idx="21"/>
+          </p:nvPr>
+        </p:nvSpPr>
+        <p:spPr/>
+        <p:txBody>
+          <a:bodyPr>
+            <a:normAutofit fontScale="62500" lnSpcReduction="20000"/>
+          </a:bodyPr>
+          <a:lstStyle/>
+          <a:p>
+            <a:r>
+              <a:rPr lang="en-US" dirty="0"/>
+              <a:t>Face Recognition Based on Improved SIFT Algorithm</a:t>
+            </a:r>
+          </a:p>
+          <a:p>
+            <a:r>
+              <a:rPr lang="en-US" dirty="0"/>
+              <a:t>By EHSAN SADEGHIPOUR, </a:t>
+            </a:r>
+            <a:r>
+              <a:rPr lang="fr-FR" dirty="0"/>
+              <a:t>NASROLLAH SAHRAGARD</a:t>
+            </a:r>
+            <a:endParaRPr lang="en-GB" dirty="0"/>
+          </a:p>
+          <a:p>
+            <a:endParaRPr lang="en-GB" dirty="0"/>
+          </a:p>
+        </p:txBody>
+      </p:sp>
+      <p:pic>
+        <p:nvPicPr>
+          <p:cNvPr id="1026" name="Picture 2" descr="The ORL database for training and testing | Download Scientific Diagram">
+            <a:extLst>
+              <a:ext uri="{FF2B5EF4-FFF2-40B4-BE49-F238E27FC236}">
+                <a16:creationId xmlns:a16="http://schemas.microsoft.com/office/drawing/2014/main" id="{5157884E-33DC-4AEA-AB68-480A4C4758F7}"/>
+              </a:ext>
+            </a:extLst>
+          </p:cNvPr>
+          <p:cNvPicPr>
+            <a:picLocks noChangeAspect="1" noChangeArrowheads="1"/>
+          </p:cNvPicPr>
+          <p:nvPr/>
+        </p:nvPicPr>
+        <p:blipFill>
+          <a:blip r:embed="rId2">
+            <a:extLst>
+              <a:ext uri="{28A0092B-C50C-407E-A947-70E740481C1C}">
+                <a14:useLocalDpi xmlns:a14="http://schemas.microsoft.com/office/drawing/2010/main" val="0"/>
+              </a:ext>
+            </a:extLst>
+          </a:blip>
+          <a:srcRect/>
+          <a:stretch>
+            <a:fillRect/>
+          </a:stretch>
+        </p:blipFill>
+        <p:spPr bwMode="auto">
+          <a:xfrm>
+            <a:off x="7356718" y="3677182"/>
+            <a:ext cx="9670564" cy="8969375"/>
+          </a:xfrm>
+          <a:prstGeom prst="rect">
+            <a:avLst/>
+          </a:prstGeom>
+          <a:noFill/>
+          <a:extLst>
+            <a:ext uri="{909E8E84-426E-40DD-AFC4-6F175D3DCCD1}">
+              <a14:hiddenFill xmlns:a14="http://schemas.microsoft.com/office/drawing/2010/main">
+                <a:solidFill>
+                  <a:srgbClr val="FFFFFF"/>
+                </a:solidFill>
+              </a14:hiddenFill>
+            </a:ext>
+          </a:extLst>
+        </p:spPr>
+      </p:pic>
+    </p:spTree>
+    <p:extLst>
+      <p:ext uri="{BB962C8B-B14F-4D97-AF65-F5344CB8AC3E}">
+        <p14:creationId xmlns:p14="http://schemas.microsoft.com/office/powerpoint/2010/main" val="1128190981"/>
+      </p:ext>
+    </p:extLst>
+  </p:cSld>
+  <p:clrMapOvr>
+    <a:masterClrMapping/>
+  </p:clrMapOvr>
+  <p:transition spd="med"/>
+</p:sld>
+</file>
+
+<file path=ppt/slides/slide11.xml><?xml version="1.0" encoding="utf-8"?>
+<p:sld xmlns:a="http://schemas.openxmlformats.org/drawingml/2006/main" xmlns:r="http://schemas.openxmlformats.org/officeDocument/2006/relationships" xmlns:p="http://schemas.openxmlformats.org/presentationml/2006/main">
+  <p:cSld>
+    <p:spTree>
+      <p:nvGrpSpPr>
+        <p:cNvPr id="1" name=""/>
+        <p:cNvGrpSpPr/>
+        <p:nvPr/>
+      </p:nvGrpSpPr>
+      <p:grpSpPr>
+        <a:xfrm>
+          <a:off x="0" y="0"/>
+          <a:ext cx="0" cy="0"/>
+          <a:chOff x="0" y="0"/>
+          <a:chExt cx="0" cy="0"/>
+        </a:xfrm>
+      </p:grpSpPr>
+      <p:sp>
+        <p:nvSpPr>
+          <p:cNvPr id="2" name="Titre 1">
+            <a:extLst>
+              <a:ext uri="{FF2B5EF4-FFF2-40B4-BE49-F238E27FC236}">
+                <a16:creationId xmlns:a16="http://schemas.microsoft.com/office/drawing/2014/main" id="{5B855988-41D0-4CE7-8A15-9C4576F63262}"/>
+              </a:ext>
+            </a:extLst>
+          </p:cNvPr>
+          <p:cNvSpPr>
+            <a:spLocks noGrp="1"/>
+          </p:cNvSpPr>
+          <p:nvPr>
+            <p:ph type="title"/>
+          </p:nvPr>
+        </p:nvSpPr>
+        <p:spPr/>
+        <p:txBody>
+          <a:bodyPr/>
+          <a:lstStyle/>
+          <a:p>
+            <a:r>
+              <a:rPr lang="fr-FR" dirty="0" err="1"/>
+              <a:t>Research</a:t>
+            </a:r>
+            <a:endParaRPr lang="en-GB" dirty="0"/>
+          </a:p>
+        </p:txBody>
+      </p:sp>
+      <p:sp>
+        <p:nvSpPr>
+          <p:cNvPr id="3" name="Espace réservé du texte 2">
+            <a:extLst>
+              <a:ext uri="{FF2B5EF4-FFF2-40B4-BE49-F238E27FC236}">
+                <a16:creationId xmlns:a16="http://schemas.microsoft.com/office/drawing/2014/main" id="{ECEA428D-A8EA-4EA0-9461-011F2CB7BF61}"/>
+              </a:ext>
+            </a:extLst>
+          </p:cNvPr>
+          <p:cNvSpPr>
+            <a:spLocks noGrp="1"/>
+          </p:cNvSpPr>
+          <p:nvPr>
+            <p:ph type="body" sz="quarter" idx="21"/>
+          </p:nvPr>
+        </p:nvSpPr>
+        <p:spPr/>
+        <p:txBody>
+          <a:bodyPr>
+            <a:normAutofit fontScale="62500" lnSpcReduction="20000"/>
+          </a:bodyPr>
+          <a:lstStyle/>
+          <a:p>
+            <a:r>
+              <a:rPr lang="en-US" dirty="0"/>
+              <a:t>Face Recognition Based on Improved SIFT Algorithm</a:t>
+            </a:r>
+          </a:p>
+          <a:p>
+            <a:r>
+              <a:rPr lang="en-US" dirty="0"/>
+              <a:t>By EHSAN SADEGHIPOUR, </a:t>
+            </a:r>
+            <a:r>
+              <a:rPr lang="fr-FR" dirty="0"/>
+              <a:t>NASROLLAH SAHRAGARD</a:t>
+            </a:r>
+            <a:endParaRPr lang="en-GB" dirty="0"/>
+          </a:p>
+          <a:p>
+            <a:endParaRPr lang="en-GB" dirty="0"/>
+          </a:p>
+        </p:txBody>
+      </p:sp>
+      <p:sp>
+        <p:nvSpPr>
+          <p:cNvPr id="4" name="Espace réservé du texte 3">
+            <a:extLst>
+              <a:ext uri="{FF2B5EF4-FFF2-40B4-BE49-F238E27FC236}">
+                <a16:creationId xmlns:a16="http://schemas.microsoft.com/office/drawing/2014/main" id="{A87F561E-75BB-4528-B1DF-281F27539712}"/>
+              </a:ext>
+            </a:extLst>
+          </p:cNvPr>
+          <p:cNvSpPr>
+            <a:spLocks noGrp="1"/>
+          </p:cNvSpPr>
+          <p:nvPr>
+            <p:ph type="body" idx="1"/>
+          </p:nvPr>
+        </p:nvSpPr>
+        <p:spPr/>
+        <p:txBody>
+          <a:bodyPr/>
+          <a:lstStyle/>
+          <a:p>
+            <a:r>
+              <a:rPr lang="en-GB" dirty="0"/>
+              <a:t>Result :</a:t>
+            </a:r>
+          </a:p>
+          <a:p>
+            <a:endParaRPr lang="en-GB" dirty="0"/>
+          </a:p>
+          <a:p>
+            <a:endParaRPr lang="en-GB" dirty="0"/>
+          </a:p>
+          <a:p>
+            <a:endParaRPr lang="en-GB" dirty="0"/>
+          </a:p>
+          <a:p>
+            <a:endParaRPr lang="en-GB" dirty="0"/>
+          </a:p>
+          <a:p>
+            <a:pPr lvl="1"/>
+            <a:r>
+              <a:rPr lang="en-GB" dirty="0"/>
+              <a:t>The best algorithm is KGWRCM for the recognition</a:t>
+            </a:r>
+          </a:p>
+          <a:p>
+            <a:pPr lvl="1"/>
+            <a:r>
+              <a:rPr lang="en-GB" dirty="0"/>
+              <a:t>See also that LBP (with </a:t>
+            </a:r>
+            <a:r>
+              <a:rPr lang="en-GB" dirty="0" err="1"/>
+              <a:t>gabor</a:t>
+            </a:r>
+            <a:r>
+              <a:rPr lang="en-GB" dirty="0"/>
+              <a:t> filter) method is quite good and processing time is less than Sift method. </a:t>
+            </a:r>
+          </a:p>
+          <a:p>
+            <a:pPr lvl="1"/>
+            <a:endParaRPr lang="en-GB" dirty="0"/>
+          </a:p>
+        </p:txBody>
+      </p:sp>
+      <p:pic>
+        <p:nvPicPr>
+          <p:cNvPr id="5" name="Image 4">
+            <a:extLst>
+              <a:ext uri="{FF2B5EF4-FFF2-40B4-BE49-F238E27FC236}">
+                <a16:creationId xmlns:a16="http://schemas.microsoft.com/office/drawing/2014/main" id="{121B2259-2C8A-4BAC-B4D3-CBF5EB3A3833}"/>
+              </a:ext>
+            </a:extLst>
+          </p:cNvPr>
+          <p:cNvPicPr>
+            <a:picLocks noChangeAspect="1"/>
+          </p:cNvPicPr>
+          <p:nvPr/>
+        </p:nvPicPr>
+        <p:blipFill>
+          <a:blip r:embed="rId3"/>
+          <a:stretch>
+            <a:fillRect/>
+          </a:stretch>
+        </p:blipFill>
+        <p:spPr>
+          <a:xfrm>
+            <a:off x="4362450" y="5153533"/>
+            <a:ext cx="7829550" cy="3408933"/>
+          </a:xfrm>
+          <a:prstGeom prst="rect">
+            <a:avLst/>
+          </a:prstGeom>
+        </p:spPr>
+      </p:pic>
+      <p:pic>
+        <p:nvPicPr>
+          <p:cNvPr id="6" name="Image 5">
+            <a:extLst>
+              <a:ext uri="{FF2B5EF4-FFF2-40B4-BE49-F238E27FC236}">
+                <a16:creationId xmlns:a16="http://schemas.microsoft.com/office/drawing/2014/main" id="{F43C8202-866C-4EFB-90BC-7266AC273B29}"/>
+              </a:ext>
+            </a:extLst>
+          </p:cNvPr>
+          <p:cNvPicPr>
+            <a:picLocks noChangeAspect="1"/>
+          </p:cNvPicPr>
+          <p:nvPr/>
+        </p:nvPicPr>
+        <p:blipFill>
+          <a:blip r:embed="rId4"/>
+          <a:stretch>
+            <a:fillRect/>
+          </a:stretch>
+        </p:blipFill>
+        <p:spPr>
+          <a:xfrm>
+            <a:off x="15284450" y="5153533"/>
+            <a:ext cx="7404113" cy="3408932"/>
+          </a:xfrm>
+          <a:prstGeom prst="rect">
+            <a:avLst/>
+          </a:prstGeom>
+        </p:spPr>
+      </p:pic>
+    </p:spTree>
+    <p:extLst>
+      <p:ext uri="{BB962C8B-B14F-4D97-AF65-F5344CB8AC3E}">
+        <p14:creationId xmlns:p14="http://schemas.microsoft.com/office/powerpoint/2010/main" val="2022008752"/>
+      </p:ext>
+    </p:extLst>
+  </p:cSld>
+  <p:clrMapOvr>
+    <a:masterClrMapping/>
+  </p:clrMapOvr>
+  <p:transition spd="med"/>
+</p:sld>
+</file>
+
+<file path=ppt/slides/slide12.xml><?xml version="1.0" encoding="utf-8"?>
+<p:sld xmlns:a="http://schemas.openxmlformats.org/drawingml/2006/main" xmlns:r="http://schemas.openxmlformats.org/officeDocument/2006/relationships" xmlns:p="http://schemas.openxmlformats.org/presentationml/2006/main">
+  <p:cSld>
+    <p:spTree>
+      <p:nvGrpSpPr>
+        <p:cNvPr id="1" name=""/>
+        <p:cNvGrpSpPr/>
+        <p:nvPr/>
+      </p:nvGrpSpPr>
+      <p:grpSpPr>
+        <a:xfrm>
+          <a:off x="0" y="0"/>
+          <a:ext cx="0" cy="0"/>
+          <a:chOff x="0" y="0"/>
+          <a:chExt cx="0" cy="0"/>
+        </a:xfrm>
+      </p:grpSpPr>
+      <p:sp>
+        <p:nvSpPr>
+          <p:cNvPr id="2" name="Titre 1">
+            <a:extLst>
+              <a:ext uri="{FF2B5EF4-FFF2-40B4-BE49-F238E27FC236}">
+                <a16:creationId xmlns:a16="http://schemas.microsoft.com/office/drawing/2014/main" id="{33C436CB-2D49-47C9-9FFF-7C117A170AA6}"/>
+              </a:ext>
+            </a:extLst>
+          </p:cNvPr>
+          <p:cNvSpPr>
+            <a:spLocks noGrp="1"/>
+          </p:cNvSpPr>
+          <p:nvPr>
+            <p:ph type="title"/>
+          </p:nvPr>
+        </p:nvSpPr>
+        <p:spPr/>
+        <p:txBody>
+          <a:bodyPr/>
+          <a:lstStyle/>
+          <a:p>
+            <a:r>
+              <a:rPr lang="fr-FR" dirty="0" err="1"/>
+              <a:t>Research</a:t>
+            </a:r>
+            <a:endParaRPr lang="en-GB" dirty="0"/>
+          </a:p>
+        </p:txBody>
+      </p:sp>
+      <p:sp>
+        <p:nvSpPr>
+          <p:cNvPr id="3" name="Espace réservé du texte 2">
+            <a:extLst>
+              <a:ext uri="{FF2B5EF4-FFF2-40B4-BE49-F238E27FC236}">
+                <a16:creationId xmlns:a16="http://schemas.microsoft.com/office/drawing/2014/main" id="{136C4847-7BE5-47E4-BCFE-C800F467EA5B}"/>
+              </a:ext>
+            </a:extLst>
+          </p:cNvPr>
+          <p:cNvSpPr>
+            <a:spLocks noGrp="1"/>
+          </p:cNvSpPr>
+          <p:nvPr>
+            <p:ph type="body" sz="quarter" idx="21"/>
+          </p:nvPr>
+        </p:nvSpPr>
+        <p:spPr/>
+        <p:txBody>
+          <a:bodyPr>
+            <a:normAutofit fontScale="62500" lnSpcReduction="20000"/>
+          </a:bodyPr>
+          <a:lstStyle/>
+          <a:p>
+            <a:r>
+              <a:rPr lang="en-US" dirty="0"/>
+              <a:t>Face Recognition Based on Improved SIFT Algorithm</a:t>
+            </a:r>
+          </a:p>
+          <a:p>
+            <a:r>
+              <a:rPr lang="en-US" dirty="0"/>
+              <a:t>By EHSAN SADEGHIPOUR, </a:t>
+            </a:r>
+            <a:r>
+              <a:rPr lang="fr-FR" dirty="0"/>
+              <a:t>NASROLLAH SAHRAGARD</a:t>
+            </a:r>
+            <a:endParaRPr lang="en-GB" dirty="0"/>
+          </a:p>
+          <a:p>
+            <a:endParaRPr lang="en-GB" dirty="0"/>
+          </a:p>
+        </p:txBody>
+      </p:sp>
+      <p:sp>
+        <p:nvSpPr>
+          <p:cNvPr id="4" name="Espace réservé du texte 3">
+            <a:extLst>
+              <a:ext uri="{FF2B5EF4-FFF2-40B4-BE49-F238E27FC236}">
+                <a16:creationId xmlns:a16="http://schemas.microsoft.com/office/drawing/2014/main" id="{13163ACF-387C-4BCD-8BDF-247E38DBA01E}"/>
+              </a:ext>
+            </a:extLst>
+          </p:cNvPr>
+          <p:cNvSpPr>
+            <a:spLocks noGrp="1"/>
+          </p:cNvSpPr>
+          <p:nvPr>
+            <p:ph type="body" idx="1"/>
+          </p:nvPr>
+        </p:nvSpPr>
+        <p:spPr/>
+        <p:txBody>
+          <a:bodyPr/>
+          <a:lstStyle/>
+          <a:p>
+            <a:r>
+              <a:rPr lang="en-GB" dirty="0"/>
+              <a:t>Conclusion:</a:t>
+            </a:r>
+          </a:p>
+          <a:p>
+            <a:pPr lvl="1"/>
+            <a:r>
+              <a:rPr lang="en-GB" dirty="0"/>
+              <a:t>Complete algorithm to find the best one</a:t>
+            </a:r>
+          </a:p>
+          <a:p>
+            <a:pPr lvl="1"/>
+            <a:r>
+              <a:rPr lang="en-GB" dirty="0"/>
+              <a:t> See that LBP algorithm is pretty good with different picture in term of rotation</a:t>
+            </a:r>
+          </a:p>
+          <a:p>
+            <a:pPr lvl="1"/>
+            <a:endParaRPr lang="en-GB" dirty="0"/>
+          </a:p>
+        </p:txBody>
+      </p:sp>
+    </p:spTree>
+    <p:extLst>
+      <p:ext uri="{BB962C8B-B14F-4D97-AF65-F5344CB8AC3E}">
+        <p14:creationId xmlns:p14="http://schemas.microsoft.com/office/powerpoint/2010/main" val="4035444036"/>
+      </p:ext>
+    </p:extLst>
+  </p:cSld>
+  <p:clrMapOvr>
+    <a:masterClrMapping/>
+  </p:clrMapOvr>
+  <p:transition spd="med"/>
+</p:sld>
+</file>
+
+<file path=ppt/slides/slide2.xml><?xml version="1.0" encoding="utf-8"?>
+<p:sld xmlns:a="http://schemas.openxmlformats.org/drawingml/2006/main" xmlns:r="http://schemas.openxmlformats.org/officeDocument/2006/relationships" xmlns:p="http://schemas.openxmlformats.org/presentationml/2006/main">
+  <p:cSld>
+    <p:spTree>
+      <p:nvGrpSpPr>
+        <p:cNvPr id="1" name=""/>
+        <p:cNvGrpSpPr/>
+        <p:nvPr/>
+      </p:nvGrpSpPr>
+      <p:grpSpPr>
+        <a:xfrm>
+          <a:off x="0" y="0"/>
+          <a:ext cx="0" cy="0"/>
+          <a:chOff x="0" y="0"/>
+          <a:chExt cx="0" cy="0"/>
+        </a:xfrm>
+      </p:grpSpPr>
+      <p:sp>
+        <p:nvSpPr>
+          <p:cNvPr id="155" name="Content"/>
+          <p:cNvSpPr txBox="1">
+            <a:spLocks noGrp="1"/>
+          </p:cNvSpPr>
           <p:nvPr>
             <p:ph type="title"/>
           </p:nvPr>
@@ -4361,7 +5291,6 @@
           <a:bodyPr/>
           <a:lstStyle/>
           <a:p>
-            <a:pPr/>
             <a:r>
               <a:t>Content</a:t>
             </a:r>
@@ -4370,8 +5299,10 @@
       </p:sp>
       <p:sp>
         <p:nvSpPr>
-          <p:cNvPr id="155" name="Problem + Solution…"/>
-          <p:cNvSpPr txBox="1"/>
+          <p:cNvPr id="156" name="Problem + Solution…"/>
+          <p:cNvSpPr txBox="1">
+            <a:spLocks noGrp="1"/>
+          </p:cNvSpPr>
           <p:nvPr>
             <p:ph type="body" sz="half" idx="1"/>
           </p:nvPr>
@@ -4385,19 +5316,16 @@
           <a:bodyPr/>
           <a:lstStyle/>
           <a:p>
-            <a:pPr/>
             <a:r>
               <a:t>Problem + Solution</a:t>
             </a:r>
           </a:p>
           <a:p>
-            <a:pPr/>
             <a:r>
               <a:t>Goals</a:t>
             </a:r>
           </a:p>
           <a:p>
-            <a:pPr/>
             <a:r>
               <a:t>Research</a:t>
             </a:r>
@@ -4424,7 +5352,7 @@
       </p:sp>
       <p:grpSp>
         <p:nvGrpSpPr>
-          <p:cNvPr id="158" name="Image Gallery"/>
+          <p:cNvPr id="159" name="Image Gallery"/>
           <p:cNvGrpSpPr/>
           <p:nvPr/>
         </p:nvGrpSpPr>
@@ -4438,16 +5366,14 @@
         </p:grpSpPr>
         <p:pic>
           <p:nvPicPr>
-            <p:cNvPr id="156" name="backgro.jpg" descr="backgro.jpg"/>
+            <p:cNvPr id="157" name="backgro.jpg" descr="backgro.jpg"/>
             <p:cNvPicPr>
               <a:picLocks noChangeAspect="1"/>
             </p:cNvPicPr>
             <p:nvPr/>
           </p:nvPicPr>
           <p:blipFill>
-            <a:blip r:embed="rId2">
-              <a:extLst/>
-            </a:blip>
+            <a:blip r:embed="rId2"/>
             <a:srcRect l="10127" t="10358" r="10127" b="10358"/>
             <a:stretch>
               <a:fillRect/>
@@ -4470,7 +5396,7 @@
         </p:pic>
         <p:sp>
           <p:nvSpPr>
-            <p:cNvPr id="157" name="Caption"/>
+            <p:cNvPr id="158" name="Caption"/>
             <p:cNvSpPr/>
             <p:nvPr/>
           </p:nvSpPr>
@@ -4490,7 +5416,7 @@
             <a:effectLst/>
             <a:extLst>
               <a:ext uri="{C572A759-6A51-4108-AA02-DFA0A04FC94B}">
-                <ma14:wrappingTextBoxFlag xmlns:ma14="http://schemas.microsoft.com/office/mac/drawingml/2011/main" val="1"/>
+                <ma14:wrappingTextBoxFlag xmlns:ma14="http://schemas.microsoft.com/office/mac/drawingml/2011/main" xmlns:a14="http://schemas.microsoft.com/office/drawing/2010/main" xmlns:m="http://schemas.openxmlformats.org/officeDocument/2006/math" xmlns="" val="1"/>
               </a:ext>
             </a:extLst>
           </p:spPr>
@@ -4500,7 +5426,6 @@
             </a:bodyPr>
             <a:lstStyle/>
             <a:p>
-              <a:pPr/>
               <a:r>
                 <a:t>Caption</a:t>
               </a:r>
@@ -4513,12 +5438,12 @@
   <p:clrMapOvr>
     <a:masterClrMapping/>
   </p:clrMapOvr>
-  <p:transition xmlns:p14="http://schemas.microsoft.com/office/powerpoint/2010/main" spd="med" advClick="1"/>
+  <p:transition spd="med"/>
 </p:sld>
 </file>
 
 <file path=ppt/slides/slide3.xml><?xml version="1.0" encoding="utf-8"?>
-<p:sld xmlns:a="http://schemas.openxmlformats.org/drawingml/2006/main" xmlns:r="http://schemas.openxmlformats.org/officeDocument/2006/relationships" xmlns:p="http://schemas.openxmlformats.org/presentationml/2006/main" xmlns:m="http://schemas.openxmlformats.org/officeDocument/2006/math" xmlns:a14="http://schemas.microsoft.com/office/drawing/2010/main" showMasterSp="1" showMasterPhAnim="1">
+<p:sld xmlns:a="http://schemas.openxmlformats.org/drawingml/2006/main" xmlns:r="http://schemas.openxmlformats.org/officeDocument/2006/relationships" xmlns:p="http://schemas.openxmlformats.org/presentationml/2006/main">
   <p:cSld>
     <p:spTree>
       <p:nvGrpSpPr>
@@ -4536,7 +5461,7 @@
       </p:grpSpPr>
       <p:sp>
         <p:nvSpPr>
-          <p:cNvPr id="160" name="Rectangle"/>
+          <p:cNvPr id="161" name="Rectangle"/>
           <p:cNvSpPr/>
           <p:nvPr/>
         </p:nvSpPr>
@@ -4570,13 +5495,16 @@
                 <a:sym typeface="Graphik Medium"/>
               </a:defRPr>
             </a:pPr>
-          </a:p>
-        </p:txBody>
-      </p:sp>
-      <p:sp>
-        <p:nvSpPr>
-          <p:cNvPr id="161" name="Problem &amp; Solution"/>
-          <p:cNvSpPr txBox="1"/>
+            <a:endParaRPr/>
+          </a:p>
+        </p:txBody>
+      </p:sp>
+      <p:sp>
+        <p:nvSpPr>
+          <p:cNvPr id="162" name="Problem &amp; Solution"/>
+          <p:cNvSpPr txBox="1">
+            <a:spLocks noGrp="1"/>
+          </p:cNvSpPr>
           <p:nvPr>
             <p:ph type="title"/>
           </p:nvPr>
@@ -4590,7 +5518,6 @@
           <a:bodyPr/>
           <a:lstStyle/>
           <a:p>
-            <a:pPr/>
             <a:r>
               <a:t>Problem &amp; Solution</a:t>
             </a:r>
@@ -4599,16 +5526,18 @@
       </p:sp>
       <p:sp>
         <p:nvSpPr>
-          <p:cNvPr id="162" name="A lot of pictures of vacation, friends, family, evens, etc.…"/>
-          <p:cNvSpPr txBox="1"/>
-          <p:nvPr>
-            <p:ph type="body" sz="half" idx="1"/>
+          <p:cNvPr id="163" name="A lot of pictures of vacation, friends, family, evens, etc.…"/>
+          <p:cNvSpPr txBox="1">
+            <a:spLocks noGrp="1"/>
+          </p:cNvSpPr>
+          <p:nvPr>
+            <p:ph type="body" idx="1"/>
           </p:nvPr>
         </p:nvSpPr>
         <p:spPr>
           <a:xfrm>
             <a:off x="1270000" y="4271367"/>
-            <a:ext cx="21844000" cy="5894664"/>
+            <a:ext cx="21844000" cy="8432801"/>
           </a:xfrm>
           <a:prstGeom prst="rect">
             <a:avLst/>
@@ -4618,53 +5547,81 @@
           <a:bodyPr/>
           <a:lstStyle/>
           <a:p>
-            <a:pPr marL="530859" indent="-530859" defTabSz="2316479">
-              <a:spcBef>
-                <a:spcPts val="2200"/>
-              </a:spcBef>
-              <a:defRPr sz="4560"/>
-            </a:pPr>
             <a:r>
               <a:t>A lot of pictures of vacation, friends, family, evens, etc.</a:t>
             </a:r>
           </a:p>
           <a:p>
-            <a:pPr marL="530859" indent="-530859" defTabSz="2316479">
-              <a:spcBef>
-                <a:spcPts val="2200"/>
-              </a:spcBef>
-              <a:defRPr sz="4560"/>
-            </a:pPr>
             <a:r>
               <a:t>How can we organise those pictures?How can I classify those pictures?</a:t>
             </a:r>
           </a:p>
           <a:p>
-            <a:pPr marL="530859" indent="-530859" defTabSz="2316479">
-              <a:spcBef>
-                <a:spcPts val="2200"/>
-              </a:spcBef>
-              <a:defRPr sz="4560">
+            <a:pPr>
+              <a:defRPr>
                 <a:solidFill>
                   <a:srgbClr val="000000"/>
                 </a:solidFill>
               </a:defRPr>
             </a:pPr>
-          </a:p>
-          <a:p>
-            <a:pPr marL="530859" indent="-530859" defTabSz="2316479">
-              <a:spcBef>
-                <a:spcPts val="2200"/>
-              </a:spcBef>
-              <a:defRPr sz="4560">
+            <a:endParaRPr/>
+          </a:p>
+          <a:p>
+            <a:pPr>
+              <a:defRPr>
                 <a:solidFill>
                   <a:srgbClr val="000000"/>
                 </a:solidFill>
               </a:defRPr>
             </a:pPr>
             <a:r>
-              <a:t>Using Face Recognition will help us organise and classify all our images. Each person will have a specific folder.</a:t>
-            </a:r>
+              <a:t>Using Face Recognition will help us to organise and classify all our images. Each person will have an specific folder.</a:t>
+            </a:r>
+          </a:p>
+        </p:txBody>
+      </p:sp>
+      <p:sp>
+        <p:nvSpPr>
+          <p:cNvPr id="164" name="Arrow">
+            <a:hlinkClick r:id="" action="ppaction://hlinkshowjump?jump=nextslide"/>
+          </p:cNvPr>
+          <p:cNvSpPr/>
+          <p:nvPr/>
+        </p:nvSpPr>
+        <p:spPr>
+          <a:xfrm>
+            <a:off x="20827026" y="11368897"/>
+            <a:ext cx="2032113" cy="1270001"/>
+          </a:xfrm>
+          <a:prstGeom prst="rightArrow">
+            <a:avLst>
+              <a:gd name="adj1" fmla="val 32000"/>
+              <a:gd name="adj2" fmla="val 64000"/>
+            </a:avLst>
+          </a:prstGeom>
+          <a:solidFill>
+            <a:srgbClr val="000000"/>
+          </a:solidFill>
+          <a:ln w="12700">
+            <a:miter lim="400000"/>
+          </a:ln>
+        </p:spPr>
+        <p:txBody>
+          <a:bodyPr lIns="50800" tIns="50800" rIns="50800" bIns="50800" anchor="ctr"/>
+          <a:lstStyle/>
+          <a:p>
+            <a:pPr defTabSz="457200">
+              <a:defRPr sz="3200">
+                <a:solidFill>
+                  <a:srgbClr val="FFFFFF"/>
+                </a:solidFill>
+                <a:latin typeface="Graphik Medium"/>
+                <a:ea typeface="Graphik Medium"/>
+                <a:cs typeface="Graphik Medium"/>
+                <a:sym typeface="Graphik Medium"/>
+              </a:defRPr>
+            </a:pPr>
+            <a:endParaRPr/>
           </a:p>
         </p:txBody>
       </p:sp>
@@ -4673,12 +5630,12 @@
   <p:clrMapOvr>
     <a:masterClrMapping/>
   </p:clrMapOvr>
-  <p:transition xmlns:p14="http://schemas.microsoft.com/office/powerpoint/2010/main" spd="med" advClick="1"/>
+  <p:transition spd="med"/>
 </p:sld>
 </file>
 
 <file path=ppt/slides/slide4.xml><?xml version="1.0" encoding="utf-8"?>
-<p:sld xmlns:a="http://schemas.openxmlformats.org/drawingml/2006/main" xmlns:r="http://schemas.openxmlformats.org/officeDocument/2006/relationships" xmlns:p="http://schemas.openxmlformats.org/presentationml/2006/main" xmlns:m="http://schemas.openxmlformats.org/officeDocument/2006/math" xmlns:a14="http://schemas.microsoft.com/office/drawing/2010/main" showMasterSp="1" showMasterPhAnim="1">
+<p:sld xmlns:a="http://schemas.openxmlformats.org/drawingml/2006/main" xmlns:r="http://schemas.openxmlformats.org/officeDocument/2006/relationships" xmlns:p="http://schemas.openxmlformats.org/presentationml/2006/main">
   <p:cSld>
     <p:spTree>
       <p:nvGrpSpPr>
@@ -4696,8 +5653,10 @@
       </p:grpSpPr>
       <p:sp>
         <p:nvSpPr>
-          <p:cNvPr id="164" name="SIFT-Algorithm"/>
-          <p:cNvSpPr txBox="1"/>
+          <p:cNvPr id="166" name="Slide Title"/>
+          <p:cNvSpPr txBox="1">
+            <a:spLocks noGrp="1"/>
+          </p:cNvSpPr>
           <p:nvPr>
             <p:ph type="title"/>
           </p:nvPr>
@@ -4711,19 +5670,22 @@
           <a:bodyPr/>
           <a:lstStyle/>
           <a:p>
-            <a:pPr/>
-            <a:r>
-              <a:t>SIFT-Algorithm</a:t>
-            </a:r>
-          </a:p>
-        </p:txBody>
-      </p:sp>
-      <p:sp>
-        <p:nvSpPr>
-          <p:cNvPr id="165" name="STEPS…"/>
-          <p:cNvSpPr txBox="1"/>
-          <p:nvPr>
-            <p:ph type="body" sz="half" idx="1"/>
+            <a:r>
+              <a:rPr lang="fr-FR" dirty="0" err="1"/>
+              <a:t>Research</a:t>
+            </a:r>
+            <a:endParaRPr dirty="0"/>
+          </a:p>
+        </p:txBody>
+      </p:sp>
+      <p:sp>
+        <p:nvSpPr>
+          <p:cNvPr id="167" name="Slide Subtitle"/>
+          <p:cNvSpPr txBox="1">
+            <a:spLocks noGrp="1"/>
+          </p:cNvSpPr>
+          <p:nvPr>
+            <p:ph type="body" idx="21"/>
           </p:nvPr>
         </p:nvSpPr>
         <p:spPr>
@@ -4732,162 +5694,121 @@
           </a:prstGeom>
         </p:spPr>
         <p:txBody>
-          <a:bodyPr/>
+          <a:bodyPr>
+            <a:normAutofit fontScale="62500" lnSpcReduction="20000"/>
+          </a:bodyPr>
           <a:lstStyle/>
           <a:p>
-            <a:pPr marL="502919" indent="-502919" defTabSz="2194559">
-              <a:spcBef>
-                <a:spcPts val="2100"/>
-              </a:spcBef>
-              <a:defRPr sz="4319"/>
-            </a:pPr>
-            <a:r>
-              <a:t>STEPS</a:t>
-            </a:r>
-          </a:p>
-          <a:p>
-            <a:pPr lvl="1" marL="1600200" indent="-800100" defTabSz="2194559">
-              <a:spcBef>
-                <a:spcPts val="2100"/>
-              </a:spcBef>
-              <a:buClrTx/>
-              <a:buAutoNum type="arabicPeriod" startAt="1"/>
-              <a:defRPr sz="4319"/>
-            </a:pPr>
-            <a:r>
-              <a:t>Finding Scale-space: We will use Difference of Gaussian (DoG)</a:t>
-            </a:r>
-          </a:p>
-          <a:p>
-            <a:pPr lvl="1" marL="1600200" indent="-800100" defTabSz="2194559">
-              <a:spcBef>
-                <a:spcPts val="2100"/>
-              </a:spcBef>
-              <a:buClrTx/>
-              <a:buAutoNum type="arabicPeriod" startAt="1"/>
-              <a:defRPr sz="4319"/>
-            </a:pPr>
-            <a:r>
-              <a:t>Key point localisation and filtering</a:t>
-            </a:r>
-          </a:p>
-          <a:p>
-            <a:pPr lvl="1" marL="1600200" indent="-800100" defTabSz="2194559">
-              <a:spcBef>
-                <a:spcPts val="2100"/>
-              </a:spcBef>
-              <a:buClrTx/>
-              <a:buAutoNum type="arabicPeriod" startAt="1"/>
-              <a:defRPr sz="4319"/>
-            </a:pPr>
-            <a:r>
-              <a:t>Orientation assignment</a:t>
-            </a:r>
-          </a:p>
-          <a:p>
-            <a:pPr lvl="1" marL="1600200" indent="-800100" defTabSz="2194559">
-              <a:spcBef>
-                <a:spcPts val="2100"/>
-              </a:spcBef>
-              <a:buClrTx/>
-              <a:buAutoNum type="arabicPeriod" startAt="1"/>
-              <a:defRPr sz="4319"/>
-            </a:pPr>
-            <a:r>
-              <a:t>Key Point Descriptor</a:t>
-            </a:r>
-          </a:p>
-          <a:p>
-            <a:pPr lvl="1" marL="1600200" indent="-800100" defTabSz="2194559">
-              <a:spcBef>
-                <a:spcPts val="2100"/>
-              </a:spcBef>
-              <a:buClrTx/>
-              <a:buAutoNum type="arabicPeriod" startAt="1"/>
-              <a:defRPr sz="4319"/>
-            </a:pPr>
-            <a:r>
-              <a:t>Key point match: Match by identifying their nearest neighbours</a:t>
-            </a:r>
-          </a:p>
-        </p:txBody>
-      </p:sp>
-      <p:sp>
-        <p:nvSpPr>
-          <p:cNvPr id="166" name="Slide Number"/>
-          <p:cNvSpPr txBox="1"/>
-          <p:nvPr>
-            <p:ph type="sldNum" sz="quarter" idx="4294967295"/>
+            <a:r>
+              <a:rPr lang="en-US" dirty="0"/>
+              <a:t>A comparative study of CFs, LBP, HOG, SIFT, SURF, and BRIEF techniques for face recognition</a:t>
+            </a:r>
+          </a:p>
+          <a:p>
+            <a:r>
+              <a:rPr lang="en-US" dirty="0"/>
+              <a:t>By Yassin </a:t>
+            </a:r>
+            <a:r>
+              <a:rPr lang="en-US" dirty="0" err="1"/>
+              <a:t>Kortli</a:t>
+            </a:r>
+            <a:r>
+              <a:rPr lang="en-US" dirty="0"/>
+              <a:t>, Maher </a:t>
+            </a:r>
+            <a:r>
+              <a:rPr lang="en-US" dirty="0" err="1"/>
+              <a:t>Jridi</a:t>
+            </a:r>
+            <a:r>
+              <a:rPr lang="en-US" dirty="0"/>
+              <a:t>, Ayman Al </a:t>
+            </a:r>
+            <a:r>
+              <a:rPr lang="en-US" dirty="0" err="1"/>
+              <a:t>Falou</a:t>
+            </a:r>
+            <a:r>
+              <a:rPr lang="en-US" dirty="0"/>
+              <a:t>, Mohamed </a:t>
+            </a:r>
+            <a:r>
+              <a:rPr lang="en-US" dirty="0" err="1"/>
+              <a:t>Atri</a:t>
+            </a:r>
+            <a:endParaRPr dirty="0"/>
+          </a:p>
+        </p:txBody>
+      </p:sp>
+      <p:sp>
+        <p:nvSpPr>
+          <p:cNvPr id="168" name="Slide bullet text"/>
+          <p:cNvSpPr txBox="1">
+            <a:spLocks noGrp="1"/>
+          </p:cNvSpPr>
+          <p:nvPr>
+            <p:ph type="body" idx="1"/>
           </p:nvPr>
         </p:nvSpPr>
         <p:spPr>
           <a:xfrm>
-            <a:off x="12042305" y="13081000"/>
-            <a:ext cx="286690" cy="467107"/>
+            <a:off x="992909" y="5043054"/>
+            <a:ext cx="21844000" cy="8432800"/>
           </a:xfrm>
           <a:prstGeom prst="rect">
             <a:avLst/>
           </a:prstGeom>
-          <a:extLst>
-            <a:ext uri="{C572A759-6A51-4108-AA02-DFA0A04FC94B}">
-              <ma14:wrappingTextBoxFlag xmlns:ma14="http://schemas.microsoft.com/office/mac/drawingml/2011/main" val="1"/>
-            </a:ext>
-          </a:extLst>
         </p:spPr>
         <p:txBody>
           <a:bodyPr/>
           <a:lstStyle/>
           <a:p>
-            <a:pPr/>
-            <a:fld id="{86CB4B4D-7CA3-9044-876B-883B54F8677D}" type="slidenum"/>
-          </a:p>
-        </p:txBody>
-      </p:sp>
-      <p:sp>
-        <p:nvSpPr>
-          <p:cNvPr id="167" name="https://medium.com/data-breach/introduction-to-sift-scale-invariant-feature-transform-65d7f3a72d40"/>
-          <p:cNvSpPr txBox="1"/>
-          <p:nvPr/>
-        </p:nvSpPr>
-        <p:spPr>
-          <a:xfrm>
-            <a:off x="4872685" y="11375305"/>
-            <a:ext cx="14638630" cy="492253"/>
-          </a:xfrm>
-          <a:prstGeom prst="rect">
-            <a:avLst/>
-          </a:prstGeom>
-          <a:ln w="12700">
-            <a:miter lim="400000"/>
-          </a:ln>
-          <a:extLst>
-            <a:ext uri="{C572A759-6A51-4108-AA02-DFA0A04FC94B}">
-              <ma14:wrappingTextBoxFlag xmlns:ma14="http://schemas.microsoft.com/office/mac/drawingml/2011/main" val="1"/>
-            </a:ext>
-          </a:extLst>
-        </p:spPr>
-        <p:txBody>
-          <a:bodyPr wrap="none" lIns="50800" tIns="50800" rIns="50800" bIns="50800" anchor="ctr">
-            <a:spAutoFit/>
-          </a:bodyPr>
-          <a:lstStyle>
-            <a:lvl1pPr>
-              <a:defRPr>
-                <a:solidFill>
-                  <a:schemeClr val="accent2">
-                    <a:hueOff val="-206910"/>
-                    <a:satOff val="-12829"/>
-                    <a:lumOff val="16238"/>
-                  </a:schemeClr>
-                </a:solidFill>
-              </a:defRPr>
-            </a:lvl1pPr>
-          </a:lstStyle>
-          <a:p>
-            <a:pPr/>
-            <a:r>
-              <a:t>https://medium.com/data-breach/introduction-to-sift-scale-invariant-feature-transform-65d7f3a72d40</a:t>
-            </a:r>
+            <a:r>
+              <a:rPr lang="en-US" dirty="0"/>
+              <a:t>Goal : Test different</a:t>
+            </a:r>
+            <a:r>
+              <a:rPr lang="fr-FR" dirty="0"/>
+              <a:t> </a:t>
+            </a:r>
+            <a:r>
+              <a:rPr lang="en-US" dirty="0"/>
+              <a:t>recognition face algorithms</a:t>
+            </a:r>
+          </a:p>
+          <a:p>
+            <a:r>
+              <a:rPr lang="en-US" dirty="0"/>
+              <a:t>Approach : </a:t>
+            </a:r>
+          </a:p>
+          <a:p>
+            <a:pPr lvl="1"/>
+            <a:r>
+              <a:rPr lang="en-US" dirty="0"/>
+              <a:t>Using a PHPID (Pointing Head Pose Image Database) to recognize the face after.</a:t>
+            </a:r>
+          </a:p>
+          <a:p>
+            <a:pPr lvl="1"/>
+            <a:r>
+              <a:rPr lang="en-US" dirty="0"/>
+              <a:t>Resize the picture to use always the size (154x188 px)</a:t>
+            </a:r>
+          </a:p>
+          <a:p>
+            <a:pPr lvl="1"/>
+            <a:endParaRPr lang="en-US" dirty="0"/>
+          </a:p>
+          <a:p>
+            <a:endParaRPr lang="en-US" dirty="0"/>
+          </a:p>
+          <a:p>
+            <a:endParaRPr lang="en-US" dirty="0"/>
+          </a:p>
+          <a:p>
+            <a:endParaRPr lang="fr-FR" dirty="0"/>
           </a:p>
         </p:txBody>
       </p:sp>
@@ -4896,12 +5817,12 @@
   <p:clrMapOvr>
     <a:masterClrMapping/>
   </p:clrMapOvr>
-  <p:transition xmlns:p14="http://schemas.microsoft.com/office/powerpoint/2010/main" spd="med" advClick="1"/>
+  <p:transition spd="med"/>
 </p:sld>
 </file>
 
 <file path=ppt/slides/slide5.xml><?xml version="1.0" encoding="utf-8"?>
-<p:sld xmlns:a="http://schemas.openxmlformats.org/drawingml/2006/main" xmlns:r="http://schemas.openxmlformats.org/officeDocument/2006/relationships" xmlns:p="http://schemas.openxmlformats.org/presentationml/2006/main" xmlns:m="http://schemas.openxmlformats.org/officeDocument/2006/math" xmlns:a14="http://schemas.microsoft.com/office/drawing/2010/main" showMasterSp="1" showMasterPhAnim="1">
+<p:sld xmlns:a="http://schemas.openxmlformats.org/drawingml/2006/main" xmlns:r="http://schemas.openxmlformats.org/officeDocument/2006/relationships" xmlns:p="http://schemas.openxmlformats.org/presentationml/2006/main">
   <p:cSld>
     <p:spTree>
       <p:nvGrpSpPr>
@@ -4919,81 +5840,112 @@
       </p:grpSpPr>
       <p:sp>
         <p:nvSpPr>
-          <p:cNvPr id="169" name="SIFT-Results"/>
-          <p:cNvSpPr txBox="1"/>
+          <p:cNvPr id="2" name="Titre 1">
+            <a:extLst>
+              <a:ext uri="{FF2B5EF4-FFF2-40B4-BE49-F238E27FC236}">
+                <a16:creationId xmlns:a16="http://schemas.microsoft.com/office/drawing/2014/main" id="{5D1730DE-F615-4783-AA9B-8DDB5F8DF956}"/>
+              </a:ext>
+            </a:extLst>
+          </p:cNvPr>
+          <p:cNvSpPr>
+            <a:spLocks noGrp="1"/>
+          </p:cNvSpPr>
           <p:nvPr>
             <p:ph type="title"/>
           </p:nvPr>
         </p:nvSpPr>
+        <p:spPr/>
+        <p:txBody>
+          <a:bodyPr/>
+          <a:lstStyle/>
+          <a:p>
+            <a:r>
+              <a:rPr lang="fr-FR" dirty="0" err="1"/>
+              <a:t>Research</a:t>
+            </a:r>
+            <a:endParaRPr lang="en-GB" dirty="0"/>
+          </a:p>
+        </p:txBody>
+      </p:sp>
+      <p:sp>
+        <p:nvSpPr>
+          <p:cNvPr id="3" name="Espace réservé du texte 2">
+            <a:extLst>
+              <a:ext uri="{FF2B5EF4-FFF2-40B4-BE49-F238E27FC236}">
+                <a16:creationId xmlns:a16="http://schemas.microsoft.com/office/drawing/2014/main" id="{0837FA2D-31EA-452B-B6C5-98FE82449EF3}"/>
+              </a:ext>
+            </a:extLst>
+          </p:cNvPr>
+          <p:cNvSpPr>
+            <a:spLocks noGrp="1"/>
+          </p:cNvSpPr>
+          <p:nvPr>
+            <p:ph type="body" sz="quarter" idx="21"/>
+          </p:nvPr>
+        </p:nvSpPr>
+        <p:spPr/>
+        <p:txBody>
+          <a:bodyPr>
+            <a:normAutofit fontScale="77500" lnSpcReduction="20000"/>
+          </a:bodyPr>
+          <a:lstStyle/>
+          <a:p>
+            <a:r>
+              <a:rPr lang="en-US" dirty="0"/>
+              <a:t>A comparative study of CFs, LBP, HOG, SIFT, SURF, and BRIEF techniques for face recognition</a:t>
+            </a:r>
+          </a:p>
+          <a:p>
+            <a:endParaRPr lang="en-GB" dirty="0"/>
+          </a:p>
+        </p:txBody>
+      </p:sp>
+      <p:pic>
+        <p:nvPicPr>
+          <p:cNvPr id="5" name="Image 4">
+            <a:extLst>
+              <a:ext uri="{FF2B5EF4-FFF2-40B4-BE49-F238E27FC236}">
+                <a16:creationId xmlns:a16="http://schemas.microsoft.com/office/drawing/2014/main" id="{5BF1AEF0-E95B-4861-96C0-978F9375AE18}"/>
+              </a:ext>
+            </a:extLst>
+          </p:cNvPr>
+          <p:cNvPicPr>
+            <a:picLocks noChangeAspect="1"/>
+          </p:cNvPicPr>
+          <p:nvPr/>
+        </p:nvPicPr>
+        <p:blipFill>
+          <a:blip r:embed="rId2"/>
+          <a:stretch>
+            <a:fillRect/>
+          </a:stretch>
+        </p:blipFill>
         <p:spPr>
+          <a:xfrm>
+            <a:off x="5918745" y="3691037"/>
+            <a:ext cx="12546509" cy="9341595"/>
+          </a:xfrm>
           <a:prstGeom prst="rect">
             <a:avLst/>
           </a:prstGeom>
         </p:spPr>
-        <p:txBody>
-          <a:bodyPr/>
-          <a:lstStyle/>
-          <a:p>
-            <a:pPr/>
-            <a:r>
-              <a:t>SIFT-Results</a:t>
-            </a:r>
-          </a:p>
-        </p:txBody>
-      </p:sp>
-      <p:sp>
-        <p:nvSpPr>
-          <p:cNvPr id="170" name="Slide Subtitle"/>
-          <p:cNvSpPr txBox="1"/>
-          <p:nvPr>
-            <p:ph type="body" idx="21"/>
-          </p:nvPr>
-        </p:nvSpPr>
-        <p:spPr>
-          <a:prstGeom prst="rect">
-            <a:avLst/>
-          </a:prstGeom>
-        </p:spPr>
-        <p:txBody>
-          <a:bodyPr/>
-          <a:lstStyle/>
-          <a:p>
-            <a:pPr/>
-          </a:p>
-        </p:txBody>
-      </p:sp>
-      <p:sp>
-        <p:nvSpPr>
-          <p:cNvPr id="171" name="Slide bullet text"/>
-          <p:cNvSpPr txBox="1"/>
-          <p:nvPr>
-            <p:ph type="body" sz="half" idx="1"/>
-          </p:nvPr>
-        </p:nvSpPr>
-        <p:spPr>
-          <a:prstGeom prst="rect">
-            <a:avLst/>
-          </a:prstGeom>
-        </p:spPr>
-        <p:txBody>
-          <a:bodyPr/>
-          <a:lstStyle/>
-          <a:p>
-            <a:pPr/>
-          </a:p>
-        </p:txBody>
-      </p:sp>
+      </p:pic>
     </p:spTree>
+    <p:extLst>
+      <p:ext uri="{BB962C8B-B14F-4D97-AF65-F5344CB8AC3E}">
+        <p14:creationId xmlns:p14="http://schemas.microsoft.com/office/powerpoint/2010/main" val="2011502306"/>
+      </p:ext>
+    </p:extLst>
   </p:cSld>
   <p:clrMapOvr>
     <a:masterClrMapping/>
   </p:clrMapOvr>
-  <p:transition xmlns:p14="http://schemas.microsoft.com/office/powerpoint/2010/main" spd="med" advClick="1"/>
+  <p:transition spd="med"/>
 </p:sld>
 </file>
 
 <file path=ppt/slides/slide6.xml><?xml version="1.0" encoding="utf-8"?>
-<p:sld xmlns:a="http://schemas.openxmlformats.org/drawingml/2006/main" xmlns:r="http://schemas.openxmlformats.org/officeDocument/2006/relationships" xmlns:p="http://schemas.openxmlformats.org/presentationml/2006/main" xmlns:m="http://schemas.openxmlformats.org/officeDocument/2006/math" xmlns:a14="http://schemas.microsoft.com/office/drawing/2010/main" showMasterSp="1" showMasterPhAnim="1">
+<p:sld xmlns:a="http://schemas.openxmlformats.org/drawingml/2006/main" xmlns:r="http://schemas.openxmlformats.org/officeDocument/2006/relationships" xmlns:p="http://schemas.openxmlformats.org/presentationml/2006/main">
   <p:cSld>
     <p:spTree>
       <p:nvGrpSpPr>
@@ -5011,214 +5963,140 @@
       </p:grpSpPr>
       <p:sp>
         <p:nvSpPr>
-          <p:cNvPr id="173" name="LBPH-Algorithm"/>
-          <p:cNvSpPr txBox="1"/>
+          <p:cNvPr id="2" name="Titre 1">
+            <a:extLst>
+              <a:ext uri="{FF2B5EF4-FFF2-40B4-BE49-F238E27FC236}">
+                <a16:creationId xmlns:a16="http://schemas.microsoft.com/office/drawing/2014/main" id="{83EC52EB-E08F-41FC-82CA-5BEFC4DE9A76}"/>
+              </a:ext>
+            </a:extLst>
+          </p:cNvPr>
+          <p:cNvSpPr>
+            <a:spLocks noGrp="1"/>
+          </p:cNvSpPr>
           <p:nvPr>
             <p:ph type="title"/>
           </p:nvPr>
         </p:nvSpPr>
-        <p:spPr>
-          <a:prstGeom prst="rect">
-            <a:avLst/>
-          </a:prstGeom>
-        </p:spPr>
+        <p:spPr/>
         <p:txBody>
           <a:bodyPr/>
           <a:lstStyle/>
           <a:p>
-            <a:pPr/>
-            <a:r>
-              <a:t>LBPH-Algorithm</a:t>
-            </a:r>
-          </a:p>
-        </p:txBody>
-      </p:sp>
-      <p:sp>
-        <p:nvSpPr>
-          <p:cNvPr id="174" name="Steps…"/>
-          <p:cNvSpPr txBox="1"/>
+            <a:r>
+              <a:rPr lang="fr-FR" dirty="0" err="1"/>
+              <a:t>Research</a:t>
+            </a:r>
+            <a:endParaRPr lang="en-GB" dirty="0"/>
+          </a:p>
+        </p:txBody>
+      </p:sp>
+      <p:sp>
+        <p:nvSpPr>
+          <p:cNvPr id="3" name="Espace réservé du texte 2">
+            <a:extLst>
+              <a:ext uri="{FF2B5EF4-FFF2-40B4-BE49-F238E27FC236}">
+                <a16:creationId xmlns:a16="http://schemas.microsoft.com/office/drawing/2014/main" id="{8EC99241-62EB-4144-9895-69653A1956EA}"/>
+              </a:ext>
+            </a:extLst>
+          </p:cNvPr>
+          <p:cNvSpPr>
+            <a:spLocks noGrp="1"/>
+          </p:cNvSpPr>
+          <p:nvPr>
+            <p:ph type="body" sz="quarter" idx="21"/>
+          </p:nvPr>
+        </p:nvSpPr>
+        <p:spPr/>
+        <p:txBody>
+          <a:bodyPr>
+            <a:normAutofit fontScale="77500" lnSpcReduction="20000"/>
+          </a:bodyPr>
+          <a:lstStyle/>
+          <a:p>
+            <a:r>
+              <a:rPr lang="en-US" dirty="0"/>
+              <a:t>A comparative study of CFs, LBP, HOG, SIFT, SURF, and BRIEF techniques for face recognition</a:t>
+            </a:r>
+          </a:p>
+          <a:p>
+            <a:endParaRPr lang="en-GB" dirty="0"/>
+          </a:p>
+        </p:txBody>
+      </p:sp>
+      <p:sp>
+        <p:nvSpPr>
+          <p:cNvPr id="4" name="Espace réservé du texte 3">
+            <a:extLst>
+              <a:ext uri="{FF2B5EF4-FFF2-40B4-BE49-F238E27FC236}">
+                <a16:creationId xmlns:a16="http://schemas.microsoft.com/office/drawing/2014/main" id="{EC5ADF3A-161C-451F-B532-5864D6B03D83}"/>
+              </a:ext>
+            </a:extLst>
+          </p:cNvPr>
+          <p:cNvSpPr>
+            <a:spLocks noGrp="1"/>
+          </p:cNvSpPr>
           <p:nvPr>
             <p:ph type="body" idx="1"/>
           </p:nvPr>
         </p:nvSpPr>
-        <p:spPr>
-          <a:xfrm>
-            <a:off x="1270000" y="3613899"/>
-            <a:ext cx="21844001" cy="7549542"/>
-          </a:xfrm>
-          <a:prstGeom prst="rect">
-            <a:avLst/>
-          </a:prstGeom>
-        </p:spPr>
+        <p:spPr/>
         <p:txBody>
           <a:bodyPr/>
           <a:lstStyle/>
           <a:p>
-            <a:pPr/>
-            <a:r>
-              <a:t>Steps</a:t>
-            </a:r>
-          </a:p>
-          <a:p>
-            <a:pPr lvl="1" marL="1778000" indent="-889000">
-              <a:buClrTx/>
-              <a:buAutoNum type="arabicPeriod" startAt="1"/>
-            </a:pPr>
-            <a:r>
-              <a:t>Save same person image with same ID</a:t>
-            </a:r>
-          </a:p>
-          <a:p>
-            <a:pPr lvl="1" marL="1778000" indent="-889000">
-              <a:buClrTx/>
-              <a:buAutoNum type="arabicPeriod" startAt="1"/>
-            </a:pPr>
-            <a:r>
-              <a:t>LBP operation:</a:t>
-            </a:r>
-          </a:p>
-          <a:p>
-            <a:pPr lvl="1" marL="1778000" indent="-889000">
-              <a:buClrTx/>
-              <a:buAutoNum type="arabicPeriod" startAt="1"/>
-            </a:pPr>
-            <a:r>
-              <a:t>Extract of histograms:</a:t>
-            </a:r>
-          </a:p>
-          <a:p>
-            <a:pPr lvl="1" marL="1778000" indent="-889000">
-              <a:buClrTx/>
-              <a:buAutoNum type="arabicPeriod" startAt="1"/>
-            </a:pPr>
-            <a:r>
-              <a:t>Perform of face recognition (match):</a:t>
-            </a:r>
-          </a:p>
-          <a:p>
-            <a:pPr lvl="2" marL="2667000" indent="-889000">
-              <a:buClrTx/>
-              <a:buAutoNum type="arabicPeriod" startAt="1"/>
-            </a:pPr>
-            <a:r>
-              <a:t>We will use euclidian distance</a:t>
+            <a:r>
+              <a:rPr lang="en-GB" dirty="0"/>
+              <a:t>Result :</a:t>
             </a:r>
           </a:p>
         </p:txBody>
       </p:sp>
       <p:pic>
         <p:nvPicPr>
-          <p:cNvPr id="175" name="Image" descr="Image"/>
+          <p:cNvPr id="5" name="Image 4">
+            <a:extLst>
+              <a:ext uri="{FF2B5EF4-FFF2-40B4-BE49-F238E27FC236}">
+                <a16:creationId xmlns:a16="http://schemas.microsoft.com/office/drawing/2014/main" id="{9A1BB16F-3472-49E7-A128-EF478F3BB487}"/>
+              </a:ext>
+            </a:extLst>
+          </p:cNvPr>
           <p:cNvPicPr>
             <a:picLocks noChangeAspect="1"/>
           </p:cNvPicPr>
           <p:nvPr/>
         </p:nvPicPr>
         <p:blipFill>
-          <a:blip r:embed="rId2">
-            <a:extLst/>
-          </a:blip>
+          <a:blip r:embed="rId2"/>
           <a:stretch>
             <a:fillRect/>
           </a:stretch>
         </p:blipFill>
         <p:spPr>
           <a:xfrm>
-            <a:off x="15703312" y="5418666"/>
-            <a:ext cx="8636001" cy="2878668"/>
+            <a:off x="5684537" y="5270960"/>
+            <a:ext cx="13014925" cy="7429040"/>
           </a:xfrm>
           <a:prstGeom prst="rect">
             <a:avLst/>
           </a:prstGeom>
-          <a:ln w="12700">
-            <a:miter lim="400000"/>
-          </a:ln>
         </p:spPr>
       </p:pic>
-      <p:pic>
-        <p:nvPicPr>
-          <p:cNvPr id="176" name="Image" descr="Image"/>
-          <p:cNvPicPr>
-            <a:picLocks noChangeAspect="1"/>
-          </p:cNvPicPr>
-          <p:nvPr/>
-        </p:nvPicPr>
-        <p:blipFill>
-          <a:blip r:embed="rId3">
-            <a:extLst/>
-          </a:blip>
-          <a:stretch>
-            <a:fillRect/>
-          </a:stretch>
-        </p:blipFill>
-        <p:spPr>
-          <a:xfrm>
-            <a:off x="15703312" y="8346192"/>
-            <a:ext cx="8636001" cy="2324101"/>
-          </a:xfrm>
-          <a:prstGeom prst="rect">
-            <a:avLst/>
-          </a:prstGeom>
-          <a:ln w="12700">
-            <a:miter lim="400000"/>
-          </a:ln>
-        </p:spPr>
-      </p:pic>
-      <p:sp>
-        <p:nvSpPr>
-          <p:cNvPr id="177" name="https://towardsdatascience.com/face-recognition-how-lbph-works-90ec258c3d6b"/>
-          <p:cNvSpPr txBox="1"/>
-          <p:nvPr/>
-        </p:nvSpPr>
-        <p:spPr>
-          <a:xfrm>
-            <a:off x="1497052" y="11343888"/>
-            <a:ext cx="11890553" cy="492253"/>
-          </a:xfrm>
-          <a:prstGeom prst="rect">
-            <a:avLst/>
-          </a:prstGeom>
-          <a:ln w="12700">
-            <a:miter lim="400000"/>
-          </a:ln>
-          <a:extLst>
-            <a:ext uri="{C572A759-6A51-4108-AA02-DFA0A04FC94B}">
-              <ma14:wrappingTextBoxFlag xmlns:ma14="http://schemas.microsoft.com/office/mac/drawingml/2011/main" val="1"/>
-            </a:ext>
-          </a:extLst>
-        </p:spPr>
-        <p:txBody>
-          <a:bodyPr wrap="none" lIns="50800" tIns="50800" rIns="50800" bIns="50800" anchor="ctr">
-            <a:spAutoFit/>
-          </a:bodyPr>
-          <a:lstStyle>
-            <a:lvl1pPr>
-              <a:defRPr>
-                <a:solidFill>
-                  <a:srgbClr val="FCFFFF"/>
-                </a:solidFill>
-              </a:defRPr>
-            </a:lvl1pPr>
-          </a:lstStyle>
-          <a:p>
-            <a:pPr/>
-            <a:r>
-              <a:t>https://towardsdatascience.com/face-recognition-how-lbph-works-90ec258c3d6b</a:t>
-            </a:r>
-          </a:p>
-        </p:txBody>
-      </p:sp>
     </p:spTree>
+    <p:extLst>
+      <p:ext uri="{BB962C8B-B14F-4D97-AF65-F5344CB8AC3E}">
+        <p14:creationId xmlns:p14="http://schemas.microsoft.com/office/powerpoint/2010/main" val="3508217092"/>
+      </p:ext>
+    </p:extLst>
   </p:cSld>
   <p:clrMapOvr>
     <a:masterClrMapping/>
   </p:clrMapOvr>
-  <p:transition xmlns:p14="http://schemas.microsoft.com/office/powerpoint/2010/main" spd="med" advClick="1"/>
+  <p:transition spd="med"/>
 </p:sld>
 </file>
 
 <file path=ppt/slides/slide7.xml><?xml version="1.0" encoding="utf-8"?>
-<p:sld xmlns:a="http://schemas.openxmlformats.org/drawingml/2006/main" xmlns:r="http://schemas.openxmlformats.org/officeDocument/2006/relationships" xmlns:p="http://schemas.openxmlformats.org/presentationml/2006/main" xmlns:m="http://schemas.openxmlformats.org/officeDocument/2006/math" xmlns:a14="http://schemas.microsoft.com/office/drawing/2010/main" showMasterSp="1" showMasterPhAnim="1">
+<p:sld xmlns:a="http://schemas.openxmlformats.org/drawingml/2006/main" xmlns:r="http://schemas.openxmlformats.org/officeDocument/2006/relationships" xmlns:p="http://schemas.openxmlformats.org/presentationml/2006/main">
   <p:cSld>
     <p:spTree>
       <p:nvGrpSpPr>
@@ -5236,81 +6114,513 @@
       </p:grpSpPr>
       <p:sp>
         <p:nvSpPr>
-          <p:cNvPr id="179" name="LBPH-Results"/>
-          <p:cNvSpPr txBox="1"/>
+          <p:cNvPr id="2" name="Titre 1">
+            <a:extLst>
+              <a:ext uri="{FF2B5EF4-FFF2-40B4-BE49-F238E27FC236}">
+                <a16:creationId xmlns:a16="http://schemas.microsoft.com/office/drawing/2014/main" id="{A80E4B5A-E6D7-47D1-AF83-378D1B3E685E}"/>
+              </a:ext>
+            </a:extLst>
+          </p:cNvPr>
+          <p:cNvSpPr>
+            <a:spLocks noGrp="1"/>
+          </p:cNvSpPr>
           <p:nvPr>
             <p:ph type="title"/>
           </p:nvPr>
         </p:nvSpPr>
+        <p:spPr/>
+        <p:txBody>
+          <a:bodyPr/>
+          <a:lstStyle/>
+          <a:p>
+            <a:r>
+              <a:rPr lang="fr-FR" dirty="0" err="1"/>
+              <a:t>Research</a:t>
+            </a:r>
+            <a:endParaRPr lang="en-GB" dirty="0"/>
+          </a:p>
+        </p:txBody>
+      </p:sp>
+      <p:sp>
+        <p:nvSpPr>
+          <p:cNvPr id="3" name="Espace réservé du texte 2">
+            <a:extLst>
+              <a:ext uri="{FF2B5EF4-FFF2-40B4-BE49-F238E27FC236}">
+                <a16:creationId xmlns:a16="http://schemas.microsoft.com/office/drawing/2014/main" id="{07867C1C-8F7F-42E1-9642-C536B5E4BFDA}"/>
+              </a:ext>
+            </a:extLst>
+          </p:cNvPr>
+          <p:cNvSpPr>
+            <a:spLocks noGrp="1"/>
+          </p:cNvSpPr>
+          <p:nvPr>
+            <p:ph type="body" sz="quarter" idx="21"/>
+          </p:nvPr>
+        </p:nvSpPr>
+        <p:spPr/>
+        <p:txBody>
+          <a:bodyPr>
+            <a:normAutofit fontScale="77500" lnSpcReduction="20000"/>
+          </a:bodyPr>
+          <a:lstStyle/>
+          <a:p>
+            <a:r>
+              <a:rPr lang="en-US" dirty="0"/>
+              <a:t>A comparative study of CFs, LBP, HOG, SIFT, SURF, and BRIEF techniques for face recognition</a:t>
+            </a:r>
+          </a:p>
+          <a:p>
+            <a:endParaRPr lang="en-GB" dirty="0"/>
+          </a:p>
+        </p:txBody>
+      </p:sp>
+      <p:sp>
+        <p:nvSpPr>
+          <p:cNvPr id="4" name="Espace réservé du texte 3">
+            <a:extLst>
+              <a:ext uri="{FF2B5EF4-FFF2-40B4-BE49-F238E27FC236}">
+                <a16:creationId xmlns:a16="http://schemas.microsoft.com/office/drawing/2014/main" id="{5125B35C-16D9-44E6-B388-032C222C4815}"/>
+              </a:ext>
+            </a:extLst>
+          </p:cNvPr>
+          <p:cNvSpPr>
+            <a:spLocks noGrp="1"/>
+          </p:cNvSpPr>
+          <p:nvPr>
+            <p:ph type="body" idx="1"/>
+          </p:nvPr>
+        </p:nvSpPr>
+        <p:spPr/>
+        <p:txBody>
+          <a:bodyPr/>
+          <a:lstStyle/>
+          <a:p>
+            <a:r>
+              <a:rPr lang="en-GB" dirty="0"/>
+              <a:t>Result :</a:t>
+            </a:r>
+          </a:p>
+          <a:p>
+            <a:pPr lvl="1"/>
+            <a:r>
+              <a:rPr lang="en-GB" dirty="0"/>
+              <a:t>Best algorithms is VLC and LBPH</a:t>
+            </a:r>
+          </a:p>
+          <a:p>
+            <a:pPr lvl="1"/>
+            <a:endParaRPr lang="en-GB" dirty="0"/>
+          </a:p>
+          <a:p>
+            <a:pPr lvl="1"/>
+            <a:endParaRPr lang="en-GB" dirty="0"/>
+          </a:p>
+          <a:p>
+            <a:pPr lvl="1"/>
+            <a:endParaRPr lang="en-GB" dirty="0"/>
+          </a:p>
+          <a:p>
+            <a:pPr lvl="1"/>
+            <a:endParaRPr lang="en-GB" dirty="0"/>
+          </a:p>
+          <a:p>
+            <a:pPr lvl="1"/>
+            <a:r>
+              <a:rPr lang="en-GB" dirty="0"/>
+              <a:t>Sift algorithm is the more longer </a:t>
+            </a:r>
+            <a:r>
+              <a:rPr lang="en-GB" dirty="0" err="1"/>
+              <a:t>algoritm</a:t>
+            </a:r>
+            <a:r>
+              <a:rPr lang="en-GB" dirty="0"/>
+              <a:t>.</a:t>
+            </a:r>
+          </a:p>
+          <a:p>
+            <a:pPr lvl="1"/>
+            <a:endParaRPr lang="en-GB" dirty="0"/>
+          </a:p>
+          <a:p>
+            <a:pPr lvl="1"/>
+            <a:endParaRPr lang="en-GB" dirty="0"/>
+          </a:p>
+          <a:p>
+            <a:pPr lvl="1"/>
+            <a:endParaRPr lang="en-GB" dirty="0"/>
+          </a:p>
+        </p:txBody>
+      </p:sp>
+      <p:pic>
+        <p:nvPicPr>
+          <p:cNvPr id="5" name="Image 4">
+            <a:extLst>
+              <a:ext uri="{FF2B5EF4-FFF2-40B4-BE49-F238E27FC236}">
+                <a16:creationId xmlns:a16="http://schemas.microsoft.com/office/drawing/2014/main" id="{0D38AD8B-BC86-4B2A-A565-6B95FE3E6432}"/>
+              </a:ext>
+            </a:extLst>
+          </p:cNvPr>
+          <p:cNvPicPr>
+            <a:picLocks noChangeAspect="1"/>
+          </p:cNvPicPr>
+          <p:nvPr/>
+        </p:nvPicPr>
+        <p:blipFill>
+          <a:blip r:embed="rId2"/>
+          <a:stretch>
+            <a:fillRect/>
+          </a:stretch>
+        </p:blipFill>
         <p:spPr>
+          <a:xfrm>
+            <a:off x="5554437" y="7171025"/>
+            <a:ext cx="13275125" cy="2111521"/>
+          </a:xfrm>
           <a:prstGeom prst="rect">
             <a:avLst/>
           </a:prstGeom>
         </p:spPr>
-        <p:txBody>
-          <a:bodyPr/>
-          <a:lstStyle/>
-          <a:p>
-            <a:pPr/>
-            <a:r>
-              <a:t>LBPH-Results</a:t>
-            </a:r>
-          </a:p>
-        </p:txBody>
-      </p:sp>
-      <p:sp>
-        <p:nvSpPr>
-          <p:cNvPr id="180" name="Slide Subtitle"/>
-          <p:cNvSpPr txBox="1"/>
-          <p:nvPr>
-            <p:ph type="body" idx="21"/>
-          </p:nvPr>
-        </p:nvSpPr>
-        <p:spPr>
-          <a:prstGeom prst="rect">
-            <a:avLst/>
-          </a:prstGeom>
-        </p:spPr>
-        <p:txBody>
-          <a:bodyPr/>
-          <a:lstStyle/>
-          <a:p>
-            <a:pPr/>
-          </a:p>
-        </p:txBody>
-      </p:sp>
-      <p:sp>
-        <p:nvSpPr>
-          <p:cNvPr id="181" name="Slide bullet text"/>
-          <p:cNvSpPr txBox="1"/>
-          <p:nvPr>
-            <p:ph type="body" sz="half" idx="1"/>
-          </p:nvPr>
-        </p:nvSpPr>
-        <p:spPr>
-          <a:prstGeom prst="rect">
-            <a:avLst/>
-          </a:prstGeom>
-        </p:spPr>
-        <p:txBody>
-          <a:bodyPr/>
-          <a:lstStyle/>
-          <a:p>
-            <a:pPr/>
-          </a:p>
-        </p:txBody>
-      </p:sp>
+      </p:pic>
     </p:spTree>
+    <p:extLst>
+      <p:ext uri="{BB962C8B-B14F-4D97-AF65-F5344CB8AC3E}">
+        <p14:creationId xmlns:p14="http://schemas.microsoft.com/office/powerpoint/2010/main" val="1099824719"/>
+      </p:ext>
+    </p:extLst>
   </p:cSld>
   <p:clrMapOvr>
     <a:masterClrMapping/>
   </p:clrMapOvr>
-  <p:transition xmlns:p14="http://schemas.microsoft.com/office/powerpoint/2010/main" spd="med" advClick="1"/>
+  <p:transition spd="med"/>
+</p:sld>
+</file>
+
+<file path=ppt/slides/slide8.xml><?xml version="1.0" encoding="utf-8"?>
+<p:sld xmlns:a="http://schemas.openxmlformats.org/drawingml/2006/main" xmlns:r="http://schemas.openxmlformats.org/officeDocument/2006/relationships" xmlns:p="http://schemas.openxmlformats.org/presentationml/2006/main">
+  <p:cSld>
+    <p:spTree>
+      <p:nvGrpSpPr>
+        <p:cNvPr id="1" name=""/>
+        <p:cNvGrpSpPr/>
+        <p:nvPr/>
+      </p:nvGrpSpPr>
+      <p:grpSpPr>
+        <a:xfrm>
+          <a:off x="0" y="0"/>
+          <a:ext cx="0" cy="0"/>
+          <a:chOff x="0" y="0"/>
+          <a:chExt cx="0" cy="0"/>
+        </a:xfrm>
+      </p:grpSpPr>
+      <p:sp>
+        <p:nvSpPr>
+          <p:cNvPr id="2" name="Titre 1">
+            <a:extLst>
+              <a:ext uri="{FF2B5EF4-FFF2-40B4-BE49-F238E27FC236}">
+                <a16:creationId xmlns:a16="http://schemas.microsoft.com/office/drawing/2014/main" id="{0817B345-6B8F-4616-999C-E462080A4A66}"/>
+              </a:ext>
+            </a:extLst>
+          </p:cNvPr>
+          <p:cNvSpPr>
+            <a:spLocks noGrp="1"/>
+          </p:cNvSpPr>
+          <p:nvPr>
+            <p:ph type="title"/>
+          </p:nvPr>
+        </p:nvSpPr>
+        <p:spPr/>
+        <p:txBody>
+          <a:bodyPr/>
+          <a:lstStyle/>
+          <a:p>
+            <a:r>
+              <a:rPr lang="fr-FR" dirty="0" err="1"/>
+              <a:t>Research</a:t>
+            </a:r>
+            <a:endParaRPr lang="en-GB" dirty="0"/>
+          </a:p>
+        </p:txBody>
+      </p:sp>
+      <p:sp>
+        <p:nvSpPr>
+          <p:cNvPr id="3" name="Espace réservé du texte 2">
+            <a:extLst>
+              <a:ext uri="{FF2B5EF4-FFF2-40B4-BE49-F238E27FC236}">
+                <a16:creationId xmlns:a16="http://schemas.microsoft.com/office/drawing/2014/main" id="{099E047C-A081-4169-A02D-E94E8DFC28F8}"/>
+              </a:ext>
+            </a:extLst>
+          </p:cNvPr>
+          <p:cNvSpPr>
+            <a:spLocks noGrp="1"/>
+          </p:cNvSpPr>
+          <p:nvPr>
+            <p:ph type="body" sz="quarter" idx="21"/>
+          </p:nvPr>
+        </p:nvSpPr>
+        <p:spPr/>
+        <p:txBody>
+          <a:bodyPr>
+            <a:normAutofit fontScale="77500" lnSpcReduction="20000"/>
+          </a:bodyPr>
+          <a:lstStyle/>
+          <a:p>
+            <a:r>
+              <a:rPr lang="en-US" dirty="0"/>
+              <a:t>A comparative study of CFs, LBP, HOG, SIFT, SURF, and BRIEF techniques for face recognition</a:t>
+            </a:r>
+          </a:p>
+          <a:p>
+            <a:endParaRPr lang="en-GB" dirty="0"/>
+          </a:p>
+        </p:txBody>
+      </p:sp>
+      <p:sp>
+        <p:nvSpPr>
+          <p:cNvPr id="4" name="Espace réservé du texte 3">
+            <a:extLst>
+              <a:ext uri="{FF2B5EF4-FFF2-40B4-BE49-F238E27FC236}">
+                <a16:creationId xmlns:a16="http://schemas.microsoft.com/office/drawing/2014/main" id="{203AA765-AEFF-40D6-808B-A93E64DAC025}"/>
+              </a:ext>
+            </a:extLst>
+          </p:cNvPr>
+          <p:cNvSpPr>
+            <a:spLocks noGrp="1"/>
+          </p:cNvSpPr>
+          <p:nvPr>
+            <p:ph type="body" idx="1"/>
+          </p:nvPr>
+        </p:nvSpPr>
+        <p:spPr/>
+        <p:txBody>
+          <a:bodyPr/>
+          <a:lstStyle/>
+          <a:p>
+            <a:r>
+              <a:rPr lang="en-GB" dirty="0"/>
+              <a:t>Conclusion:</a:t>
+            </a:r>
+          </a:p>
+          <a:p>
+            <a:pPr lvl="1"/>
+            <a:r>
+              <a:rPr lang="en-GB" dirty="0"/>
+              <a:t>See that LBPH and VLC are the better algorithms and using less time than the others</a:t>
+            </a:r>
+          </a:p>
+          <a:p>
+            <a:pPr lvl="1"/>
+            <a:r>
+              <a:rPr lang="en-GB" dirty="0"/>
+              <a:t>For this study the SIFT, SURF and BRIEF algorithms is not working well because the face recognition base on frontal face picture so the different rotation don’t count.</a:t>
+            </a:r>
+          </a:p>
+        </p:txBody>
+      </p:sp>
+    </p:spTree>
+    <p:extLst>
+      <p:ext uri="{BB962C8B-B14F-4D97-AF65-F5344CB8AC3E}">
+        <p14:creationId xmlns:p14="http://schemas.microsoft.com/office/powerpoint/2010/main" val="2890319530"/>
+      </p:ext>
+    </p:extLst>
+  </p:cSld>
+  <p:clrMapOvr>
+    <a:masterClrMapping/>
+  </p:clrMapOvr>
+  <p:transition spd="med"/>
+</p:sld>
+</file>
+
+<file path=ppt/slides/slide9.xml><?xml version="1.0" encoding="utf-8"?>
+<p:sld xmlns:a="http://schemas.openxmlformats.org/drawingml/2006/main" xmlns:r="http://schemas.openxmlformats.org/officeDocument/2006/relationships" xmlns:p="http://schemas.openxmlformats.org/presentationml/2006/main">
+  <p:cSld>
+    <p:spTree>
+      <p:nvGrpSpPr>
+        <p:cNvPr id="1" name=""/>
+        <p:cNvGrpSpPr/>
+        <p:nvPr/>
+      </p:nvGrpSpPr>
+      <p:grpSpPr>
+        <a:xfrm>
+          <a:off x="0" y="0"/>
+          <a:ext cx="0" cy="0"/>
+          <a:chOff x="0" y="0"/>
+          <a:chExt cx="0" cy="0"/>
+        </a:xfrm>
+      </p:grpSpPr>
+      <p:sp>
+        <p:nvSpPr>
+          <p:cNvPr id="2" name="Titre 1">
+            <a:extLst>
+              <a:ext uri="{FF2B5EF4-FFF2-40B4-BE49-F238E27FC236}">
+                <a16:creationId xmlns:a16="http://schemas.microsoft.com/office/drawing/2014/main" id="{38BCF55F-EF93-4534-8030-5CC3653A5256}"/>
+              </a:ext>
+            </a:extLst>
+          </p:cNvPr>
+          <p:cNvSpPr>
+            <a:spLocks noGrp="1"/>
+          </p:cNvSpPr>
+          <p:nvPr>
+            <p:ph type="title"/>
+          </p:nvPr>
+        </p:nvSpPr>
+        <p:spPr/>
+        <p:txBody>
+          <a:bodyPr/>
+          <a:lstStyle/>
+          <a:p>
+            <a:r>
+              <a:rPr lang="fr-FR" dirty="0" err="1"/>
+              <a:t>Research</a:t>
+            </a:r>
+            <a:endParaRPr lang="en-GB" dirty="0"/>
+          </a:p>
+        </p:txBody>
+      </p:sp>
+      <p:sp>
+        <p:nvSpPr>
+          <p:cNvPr id="3" name="Espace réservé du texte 2">
+            <a:extLst>
+              <a:ext uri="{FF2B5EF4-FFF2-40B4-BE49-F238E27FC236}">
+                <a16:creationId xmlns:a16="http://schemas.microsoft.com/office/drawing/2014/main" id="{BCB2B5A4-FABF-4396-BD2F-42D39C890F4D}"/>
+              </a:ext>
+            </a:extLst>
+          </p:cNvPr>
+          <p:cNvSpPr>
+            <a:spLocks noGrp="1"/>
+          </p:cNvSpPr>
+          <p:nvPr>
+            <p:ph type="body" sz="quarter" idx="21"/>
+          </p:nvPr>
+        </p:nvSpPr>
+        <p:spPr/>
+        <p:txBody>
+          <a:bodyPr>
+            <a:normAutofit fontScale="62500" lnSpcReduction="20000"/>
+          </a:bodyPr>
+          <a:lstStyle/>
+          <a:p>
+            <a:r>
+              <a:rPr lang="en-US" dirty="0"/>
+              <a:t>Face Recognition Based on Improved SIFT Algorithm</a:t>
+            </a:r>
+          </a:p>
+          <a:p>
+            <a:r>
+              <a:rPr lang="en-US" dirty="0"/>
+              <a:t>By EHSAN SADEGHIPOUR, </a:t>
+            </a:r>
+            <a:r>
+              <a:rPr lang="fr-FR" dirty="0"/>
+              <a:t>NASROLLAH SAHRAGARD</a:t>
+            </a:r>
+            <a:endParaRPr lang="en-GB" dirty="0"/>
+          </a:p>
+        </p:txBody>
+      </p:sp>
+      <p:sp>
+        <p:nvSpPr>
+          <p:cNvPr id="4" name="Espace réservé du texte 3">
+            <a:extLst>
+              <a:ext uri="{FF2B5EF4-FFF2-40B4-BE49-F238E27FC236}">
+                <a16:creationId xmlns:a16="http://schemas.microsoft.com/office/drawing/2014/main" id="{E1B61D29-940A-42B5-B306-6B7E048F7213}"/>
+              </a:ext>
+            </a:extLst>
+          </p:cNvPr>
+          <p:cNvSpPr>
+            <a:spLocks noGrp="1"/>
+          </p:cNvSpPr>
+          <p:nvPr>
+            <p:ph type="body" idx="1"/>
+          </p:nvPr>
+        </p:nvSpPr>
+        <p:spPr/>
+        <p:txBody>
+          <a:bodyPr>
+            <a:normAutofit lnSpcReduction="10000"/>
+          </a:bodyPr>
+          <a:lstStyle/>
+          <a:p>
+            <a:r>
+              <a:rPr lang="en-GB" dirty="0"/>
+              <a:t>Goal : Test an new algorithms base on Shift algorithms and compare it with different other methods.</a:t>
+            </a:r>
+          </a:p>
+          <a:p>
+            <a:r>
+              <a:rPr lang="en-GB" dirty="0"/>
+              <a:t>The proposed algorithms : </a:t>
+            </a:r>
+          </a:p>
+          <a:p>
+            <a:pPr lvl="1"/>
+            <a:r>
+              <a:rPr lang="en-GB" dirty="0"/>
+              <a:t> the number of picture in a octave</a:t>
+            </a:r>
+          </a:p>
+          <a:p>
+            <a:pPr lvl="1"/>
+            <a:r>
+              <a:rPr lang="en-GB" dirty="0"/>
+              <a:t>Different way to calculate the </a:t>
+            </a:r>
+            <a:r>
+              <a:rPr lang="en-GB" dirty="0" err="1"/>
+              <a:t>keypoint</a:t>
+            </a:r>
+            <a:r>
+              <a:rPr lang="en-GB" dirty="0"/>
+              <a:t> descriptor</a:t>
+            </a:r>
+          </a:p>
+          <a:p>
+            <a:r>
+              <a:rPr lang="en-GB" dirty="0"/>
+              <a:t>Approach :</a:t>
+            </a:r>
+          </a:p>
+          <a:p>
+            <a:pPr lvl="1"/>
+            <a:r>
+              <a:rPr lang="en-GB" dirty="0"/>
+              <a:t>Use ORL database (400 picture/person, 40 person, different rotation and light intensity) to test algorithms</a:t>
+            </a:r>
+          </a:p>
+          <a:p>
+            <a:pPr lvl="1"/>
+            <a:r>
+              <a:rPr lang="en-GB" dirty="0"/>
+              <a:t> </a:t>
+            </a:r>
+            <a:r>
+              <a:rPr lang="fr-FR" dirty="0"/>
+              <a:t>Test Gabor, GPCA, GLDA, LBP, GLBP, KGWRCM, SIFT </a:t>
+            </a:r>
+            <a:r>
+              <a:rPr lang="fr-FR" dirty="0" err="1"/>
+              <a:t>algorithms</a:t>
+            </a:r>
+            <a:endParaRPr lang="en-GB" dirty="0"/>
+          </a:p>
+        </p:txBody>
+      </p:sp>
+    </p:spTree>
+    <p:extLst>
+      <p:ext uri="{BB962C8B-B14F-4D97-AF65-F5344CB8AC3E}">
+        <p14:creationId xmlns:p14="http://schemas.microsoft.com/office/powerpoint/2010/main" val="2462573790"/>
+      </p:ext>
+    </p:extLst>
+  </p:cSld>
+  <p:clrMapOvr>
+    <a:masterClrMapping/>
+  </p:clrMapOvr>
+  <p:transition spd="med"/>
 </p:sld>
 </file>
 
 <file path=ppt/theme/theme1.xml><?xml version="1.0" encoding="utf-8"?>
-<a:theme xmlns:a="http://schemas.openxmlformats.org/drawingml/2006/main" xmlns:r="http://schemas.openxmlformats.org/officeDocument/2006/relationships" name="22_ColorGradient">
+<a:theme xmlns:a="http://schemas.openxmlformats.org/drawingml/2006/main" name="22_ColorGradient">
   <a:themeElements>
     <a:clrScheme name="22_ColorGradient">
       <a:dk1>
@@ -5509,7 +6819,7 @@
         <a:effectLst/>
         <a:sp3d/>
       </a:spPr>
-      <a:bodyPr rot="0" spcFirstLastPara="1" vertOverflow="overflow" horzOverflow="overflow" vert="horz" wrap="square" lIns="50800" tIns="50800" rIns="50800" bIns="50800" numCol="1" spcCol="38100" rtlCol="0" anchor="ctr" upright="0">
+      <a:bodyPr rot="0" spcFirstLastPara="1" vertOverflow="overflow" horzOverflow="overflow" vert="horz" wrap="square" lIns="50800" tIns="50800" rIns="50800" bIns="50800" numCol="1" spcCol="38100" rtlCol="0" anchor="ctr">
         <a:spAutoFit/>
       </a:bodyPr>
       <a:lstStyle>
@@ -5528,7 +6838,7 @@
           <a:buFontTx/>
           <a:buNone/>
           <a:tabLst/>
-          <a:defRPr b="0" baseline="0" cap="none" i="0" spc="0" strike="noStrike" sz="3200" u="none" kumimoji="0" normalizeH="0">
+          <a:defRPr kumimoji="0" sz="3200" b="0" i="0" u="none" strike="noStrike" cap="none" spc="0" normalizeH="0" baseline="0">
             <a:ln>
               <a:noFill/>
             </a:ln>
@@ -5558,7 +6868,7 @@
           <a:buFontTx/>
           <a:buNone/>
           <a:tabLst/>
-          <a:defRPr b="0" baseline="0" cap="none" i="0" spc="0" strike="noStrike" sz="1800" u="none" kumimoji="0" normalizeH="0">
+          <a:defRPr kumimoji="0" sz="1800" b="0" i="0" u="none" strike="noStrike" cap="none" spc="0" normalizeH="0" baseline="0">
             <a:ln>
               <a:noFill/>
             </a:ln>
@@ -5584,7 +6894,7 @@
           <a:buFontTx/>
           <a:buNone/>
           <a:tabLst/>
-          <a:defRPr b="0" baseline="0" cap="none" i="0" spc="0" strike="noStrike" sz="1800" u="none" kumimoji="0" normalizeH="0">
+          <a:defRPr kumimoji="0" sz="1800" b="0" i="0" u="none" strike="noStrike" cap="none" spc="0" normalizeH="0" baseline="0">
             <a:ln>
               <a:noFill/>
             </a:ln>
@@ -5610,7 +6920,7 @@
           <a:buFontTx/>
           <a:buNone/>
           <a:tabLst/>
-          <a:defRPr b="0" baseline="0" cap="none" i="0" spc="0" strike="noStrike" sz="1800" u="none" kumimoji="0" normalizeH="0">
+          <a:defRPr kumimoji="0" sz="1800" b="0" i="0" u="none" strike="noStrike" cap="none" spc="0" normalizeH="0" baseline="0">
             <a:ln>
               <a:noFill/>
             </a:ln>
@@ -5636,7 +6946,7 @@
           <a:buFontTx/>
           <a:buNone/>
           <a:tabLst/>
-          <a:defRPr b="0" baseline="0" cap="none" i="0" spc="0" strike="noStrike" sz="1800" u="none" kumimoji="0" normalizeH="0">
+          <a:defRPr kumimoji="0" sz="1800" b="0" i="0" u="none" strike="noStrike" cap="none" spc="0" normalizeH="0" baseline="0">
             <a:ln>
               <a:noFill/>
             </a:ln>
@@ -5662,7 +6972,7 @@
           <a:buFontTx/>
           <a:buNone/>
           <a:tabLst/>
-          <a:defRPr b="0" baseline="0" cap="none" i="0" spc="0" strike="noStrike" sz="1800" u="none" kumimoji="0" normalizeH="0">
+          <a:defRPr kumimoji="0" sz="1800" b="0" i="0" u="none" strike="noStrike" cap="none" spc="0" normalizeH="0" baseline="0">
             <a:ln>
               <a:noFill/>
             </a:ln>
@@ -5688,7 +6998,7 @@
           <a:buFontTx/>
           <a:buNone/>
           <a:tabLst/>
-          <a:defRPr b="0" baseline="0" cap="none" i="0" spc="0" strike="noStrike" sz="1800" u="none" kumimoji="0" normalizeH="0">
+          <a:defRPr kumimoji="0" sz="1800" b="0" i="0" u="none" strike="noStrike" cap="none" spc="0" normalizeH="0" baseline="0">
             <a:ln>
               <a:noFill/>
             </a:ln>
@@ -5714,7 +7024,7 @@
           <a:buFontTx/>
           <a:buNone/>
           <a:tabLst/>
-          <a:defRPr b="0" baseline="0" cap="none" i="0" spc="0" strike="noStrike" sz="1800" u="none" kumimoji="0" normalizeH="0">
+          <a:defRPr kumimoji="0" sz="1800" b="0" i="0" u="none" strike="noStrike" cap="none" spc="0" normalizeH="0" baseline="0">
             <a:ln>
               <a:noFill/>
             </a:ln>
@@ -5740,7 +7050,7 @@
           <a:buFontTx/>
           <a:buNone/>
           <a:tabLst/>
-          <a:defRPr b="0" baseline="0" cap="none" i="0" spc="0" strike="noStrike" sz="1800" u="none" kumimoji="0" normalizeH="0">
+          <a:defRPr kumimoji="0" sz="1800" b="0" i="0" u="none" strike="noStrike" cap="none" spc="0" normalizeH="0" baseline="0">
             <a:ln>
               <a:noFill/>
             </a:ln>
@@ -5766,7 +7076,7 @@
           <a:buFontTx/>
           <a:buNone/>
           <a:tabLst/>
-          <a:defRPr b="0" baseline="0" cap="none" i="0" spc="0" strike="noStrike" sz="1800" u="none" kumimoji="0" normalizeH="0">
+          <a:defRPr kumimoji="0" sz="1800" b="0" i="0" u="none" strike="noStrike" cap="none" spc="0" normalizeH="0" baseline="0">
             <a:ln>
               <a:noFill/>
             </a:ln>
@@ -5779,9 +7089,15 @@
         </a:lvl9pPr>
       </a:lstStyle>
       <a:style>
-        <a:lnRef idx="0"/>
-        <a:fillRef idx="0"/>
-        <a:effectRef idx="0"/>
+        <a:lnRef idx="0">
+          <a:scrgbClr r="0" g="0" b="0"/>
+        </a:lnRef>
+        <a:fillRef idx="0">
+          <a:scrgbClr r="0" g="0" b="0"/>
+        </a:fillRef>
+        <a:effectRef idx="0">
+          <a:scrgbClr r="0" g="0" b="0"/>
+        </a:effectRef>
         <a:fontRef idx="none"/>
       </a:style>
     </a:spDef>
@@ -5798,7 +7114,7 @@
         <a:effectLst/>
         <a:sp3d/>
       </a:spPr>
-      <a:bodyPr rot="0" spcFirstLastPara="1" vertOverflow="overflow" horzOverflow="overflow" vert="horz" wrap="square" lIns="91439" tIns="45719" rIns="91439" bIns="45719" numCol="1" spcCol="38100" rtlCol="0" anchor="t" upright="0">
+      <a:bodyPr rot="0" spcFirstLastPara="1" vertOverflow="overflow" horzOverflow="overflow" vert="horz" wrap="square" lIns="91439" tIns="45719" rIns="91439" bIns="45719" numCol="1" spcCol="38100" rtlCol="0" anchor="t">
         <a:noAutofit/>
       </a:bodyPr>
       <a:lstStyle>
@@ -5817,7 +7133,7 @@
           <a:buFontTx/>
           <a:buNone/>
           <a:tabLst/>
-          <a:defRPr b="0" baseline="0" cap="none" i="0" spc="0" strike="noStrike" sz="1800" u="none" kumimoji="0" normalizeH="0">
+          <a:defRPr kumimoji="0" sz="1800" b="0" i="0" u="none" strike="noStrike" cap="none" spc="0" normalizeH="0" baseline="0">
             <a:ln>
               <a:noFill/>
             </a:ln>
@@ -5843,7 +7159,7 @@
           <a:buFontTx/>
           <a:buNone/>
           <a:tabLst/>
-          <a:defRPr b="0" baseline="0" cap="none" i="0" spc="0" strike="noStrike" sz="1800" u="none" kumimoji="0" normalizeH="0">
+          <a:defRPr kumimoji="0" sz="1800" b="0" i="0" u="none" strike="noStrike" cap="none" spc="0" normalizeH="0" baseline="0">
             <a:ln>
               <a:noFill/>
             </a:ln>
@@ -5869,7 +7185,7 @@
           <a:buFontTx/>
           <a:buNone/>
           <a:tabLst/>
-          <a:defRPr b="0" baseline="0" cap="none" i="0" spc="0" strike="noStrike" sz="1800" u="none" kumimoji="0" normalizeH="0">
+          <a:defRPr kumimoji="0" sz="1800" b="0" i="0" u="none" strike="noStrike" cap="none" spc="0" normalizeH="0" baseline="0">
             <a:ln>
               <a:noFill/>
             </a:ln>
@@ -5895,7 +7211,7 @@
           <a:buFontTx/>
           <a:buNone/>
           <a:tabLst/>
-          <a:defRPr b="0" baseline="0" cap="none" i="0" spc="0" strike="noStrike" sz="1800" u="none" kumimoji="0" normalizeH="0">
+          <a:defRPr kumimoji="0" sz="1800" b="0" i="0" u="none" strike="noStrike" cap="none" spc="0" normalizeH="0" baseline="0">
             <a:ln>
               <a:noFill/>
             </a:ln>
@@ -5921,7 +7237,7 @@
           <a:buFontTx/>
           <a:buNone/>
           <a:tabLst/>
-          <a:defRPr b="0" baseline="0" cap="none" i="0" spc="0" strike="noStrike" sz="1800" u="none" kumimoji="0" normalizeH="0">
+          <a:defRPr kumimoji="0" sz="1800" b="0" i="0" u="none" strike="noStrike" cap="none" spc="0" normalizeH="0" baseline="0">
             <a:ln>
               <a:noFill/>
             </a:ln>
@@ -5947,7 +7263,7 @@
           <a:buFontTx/>
           <a:buNone/>
           <a:tabLst/>
-          <a:defRPr b="0" baseline="0" cap="none" i="0" spc="0" strike="noStrike" sz="1800" u="none" kumimoji="0" normalizeH="0">
+          <a:defRPr kumimoji="0" sz="1800" b="0" i="0" u="none" strike="noStrike" cap="none" spc="0" normalizeH="0" baseline="0">
             <a:ln>
               <a:noFill/>
             </a:ln>
@@ -5973,7 +7289,7 @@
           <a:buFontTx/>
           <a:buNone/>
           <a:tabLst/>
-          <a:defRPr b="0" baseline="0" cap="none" i="0" spc="0" strike="noStrike" sz="1800" u="none" kumimoji="0" normalizeH="0">
+          <a:defRPr kumimoji="0" sz="1800" b="0" i="0" u="none" strike="noStrike" cap="none" spc="0" normalizeH="0" baseline="0">
             <a:ln>
               <a:noFill/>
             </a:ln>
@@ -5999,7 +7315,7 @@
           <a:buFontTx/>
           <a:buNone/>
           <a:tabLst/>
-          <a:defRPr b="0" baseline="0" cap="none" i="0" spc="0" strike="noStrike" sz="1800" u="none" kumimoji="0" normalizeH="0">
+          <a:defRPr kumimoji="0" sz="1800" b="0" i="0" u="none" strike="noStrike" cap="none" spc="0" normalizeH="0" baseline="0">
             <a:ln>
               <a:noFill/>
             </a:ln>
@@ -6025,7 +7341,7 @@
           <a:buFontTx/>
           <a:buNone/>
           <a:tabLst/>
-          <a:defRPr b="0" baseline="0" cap="none" i="0" spc="0" strike="noStrike" sz="1800" u="none" kumimoji="0" normalizeH="0">
+          <a:defRPr kumimoji="0" sz="1800" b="0" i="0" u="none" strike="noStrike" cap="none" spc="0" normalizeH="0" baseline="0">
             <a:ln>
               <a:noFill/>
             </a:ln>
@@ -6051,7 +7367,7 @@
           <a:buFontTx/>
           <a:buNone/>
           <a:tabLst/>
-          <a:defRPr b="0" baseline="0" cap="none" i="0" spc="0" strike="noStrike" sz="1800" u="none" kumimoji="0" normalizeH="0">
+          <a:defRPr kumimoji="0" sz="1800" b="0" i="0" u="none" strike="noStrike" cap="none" spc="0" normalizeH="0" baseline="0">
             <a:ln>
               <a:noFill/>
             </a:ln>
@@ -6064,9 +7380,15 @@
         </a:lvl9pPr>
       </a:lstStyle>
       <a:style>
-        <a:lnRef idx="0"/>
-        <a:fillRef idx="0"/>
-        <a:effectRef idx="0"/>
+        <a:lnRef idx="0">
+          <a:scrgbClr r="0" g="0" b="0"/>
+        </a:lnRef>
+        <a:fillRef idx="0">
+          <a:scrgbClr r="0" g="0" b="0"/>
+        </a:fillRef>
+        <a:effectRef idx="0">
+          <a:scrgbClr r="0" g="0" b="0"/>
+        </a:effectRef>
         <a:fontRef idx="none"/>
       </a:style>
     </a:lnDef>
@@ -6080,7 +7402,7 @@
         <a:effectLst/>
         <a:sp3d/>
       </a:spPr>
-      <a:bodyPr rot="0" spcFirstLastPara="1" vertOverflow="overflow" horzOverflow="overflow" vert="horz" wrap="square" lIns="50800" tIns="50800" rIns="50800" bIns="50800" numCol="1" spcCol="38100" rtlCol="0" anchor="ctr" upright="0">
+      <a:bodyPr rot="0" spcFirstLastPara="1" vertOverflow="overflow" horzOverflow="overflow" vert="horz" wrap="square" lIns="50800" tIns="50800" rIns="50800" bIns="50800" numCol="1" spcCol="38100" rtlCol="0" anchor="ctr">
         <a:spAutoFit/>
       </a:bodyPr>
       <a:lstStyle>
@@ -6099,7 +7421,7 @@
           <a:buFontTx/>
           <a:buNone/>
           <a:tabLst/>
-          <a:defRPr b="0" baseline="0" cap="none" i="0" spc="0" strike="noStrike" sz="2400" u="none" kumimoji="0" normalizeH="0">
+          <a:defRPr kumimoji="0" sz="2400" b="0" i="0" u="none" strike="noStrike" cap="none" spc="0" normalizeH="0" baseline="0">
             <a:ln>
               <a:noFill/>
             </a:ln>
@@ -6129,7 +7451,7 @@
           <a:buFontTx/>
           <a:buNone/>
           <a:tabLst/>
-          <a:defRPr b="0" baseline="0" cap="none" i="0" spc="0" strike="noStrike" sz="1800" u="none" kumimoji="0" normalizeH="0">
+          <a:defRPr kumimoji="0" sz="1800" b="0" i="0" u="none" strike="noStrike" cap="none" spc="0" normalizeH="0" baseline="0">
             <a:ln>
               <a:noFill/>
             </a:ln>
@@ -6155,7 +7477,7 @@
           <a:buFontTx/>
           <a:buNone/>
           <a:tabLst/>
-          <a:defRPr b="0" baseline="0" cap="none" i="0" spc="0" strike="noStrike" sz="1800" u="none" kumimoji="0" normalizeH="0">
+          <a:defRPr kumimoji="0" sz="1800" b="0" i="0" u="none" strike="noStrike" cap="none" spc="0" normalizeH="0" baseline="0">
             <a:ln>
               <a:noFill/>
             </a:ln>
@@ -6181,7 +7503,7 @@
           <a:buFontTx/>
           <a:buNone/>
           <a:tabLst/>
-          <a:defRPr b="0" baseline="0" cap="none" i="0" spc="0" strike="noStrike" sz="1800" u="none" kumimoji="0" normalizeH="0">
+          <a:defRPr kumimoji="0" sz="1800" b="0" i="0" u="none" strike="noStrike" cap="none" spc="0" normalizeH="0" baseline="0">
             <a:ln>
               <a:noFill/>
             </a:ln>
@@ -6207,7 +7529,7 @@
           <a:buFontTx/>
           <a:buNone/>
           <a:tabLst/>
-          <a:defRPr b="0" baseline="0" cap="none" i="0" spc="0" strike="noStrike" sz="1800" u="none" kumimoji="0" normalizeH="0">
+          <a:defRPr kumimoji="0" sz="1800" b="0" i="0" u="none" strike="noStrike" cap="none" spc="0" normalizeH="0" baseline="0">
             <a:ln>
               <a:noFill/>
             </a:ln>
@@ -6233,7 +7555,7 @@
           <a:buFontTx/>
           <a:buNone/>
           <a:tabLst/>
-          <a:defRPr b="0" baseline="0" cap="none" i="0" spc="0" strike="noStrike" sz="1800" u="none" kumimoji="0" normalizeH="0">
+          <a:defRPr kumimoji="0" sz="1800" b="0" i="0" u="none" strike="noStrike" cap="none" spc="0" normalizeH="0" baseline="0">
             <a:ln>
               <a:noFill/>
             </a:ln>
@@ -6259,7 +7581,7 @@
           <a:buFontTx/>
           <a:buNone/>
           <a:tabLst/>
-          <a:defRPr b="0" baseline="0" cap="none" i="0" spc="0" strike="noStrike" sz="1800" u="none" kumimoji="0" normalizeH="0">
+          <a:defRPr kumimoji="0" sz="1800" b="0" i="0" u="none" strike="noStrike" cap="none" spc="0" normalizeH="0" baseline="0">
             <a:ln>
               <a:noFill/>
             </a:ln>
@@ -6285,7 +7607,7 @@
           <a:buFontTx/>
           <a:buNone/>
           <a:tabLst/>
-          <a:defRPr b="0" baseline="0" cap="none" i="0" spc="0" strike="noStrike" sz="1800" u="none" kumimoji="0" normalizeH="0">
+          <a:defRPr kumimoji="0" sz="1800" b="0" i="0" u="none" strike="noStrike" cap="none" spc="0" normalizeH="0" baseline="0">
             <a:ln>
               <a:noFill/>
             </a:ln>
@@ -6311,7 +7633,7 @@
           <a:buFontTx/>
           <a:buNone/>
           <a:tabLst/>
-          <a:defRPr b="0" baseline="0" cap="none" i="0" spc="0" strike="noStrike" sz="1800" u="none" kumimoji="0" normalizeH="0">
+          <a:defRPr kumimoji="0" sz="1800" b="0" i="0" u="none" strike="noStrike" cap="none" spc="0" normalizeH="0" baseline="0">
             <a:ln>
               <a:noFill/>
             </a:ln>
@@ -6337,7 +7659,7 @@
           <a:buFontTx/>
           <a:buNone/>
           <a:tabLst/>
-          <a:defRPr b="0" baseline="0" cap="none" i="0" spc="0" strike="noStrike" sz="1800" u="none" kumimoji="0" normalizeH="0">
+          <a:defRPr kumimoji="0" sz="1800" b="0" i="0" u="none" strike="noStrike" cap="none" spc="0" normalizeH="0" baseline="0">
             <a:ln>
               <a:noFill/>
             </a:ln>
@@ -6350,18 +7672,25 @@
         </a:lvl9pPr>
       </a:lstStyle>
       <a:style>
-        <a:lnRef idx="0"/>
-        <a:fillRef idx="0"/>
-        <a:effectRef idx="0"/>
+        <a:lnRef idx="0">
+          <a:scrgbClr r="0" g="0" b="0"/>
+        </a:lnRef>
+        <a:fillRef idx="0">
+          <a:scrgbClr r="0" g="0" b="0"/>
+        </a:fillRef>
+        <a:effectRef idx="0">
+          <a:scrgbClr r="0" g="0" b="0"/>
+        </a:effectRef>
         <a:fontRef idx="none"/>
       </a:style>
     </a:txDef>
   </a:objectDefaults>
+  <a:extraClrSchemeLst/>
 </a:theme>
 </file>
 
 <file path=ppt/theme/theme2.xml><?xml version="1.0" encoding="utf-8"?>
-<a:theme xmlns:a="http://schemas.openxmlformats.org/drawingml/2006/main" xmlns:r="http://schemas.openxmlformats.org/officeDocument/2006/relationships" name="22_ColorGradient">
+<a:theme xmlns:a="http://schemas.openxmlformats.org/drawingml/2006/main" name="22_ColorGradient">
   <a:themeElements>
     <a:clrScheme name="22_ColorGradient">
       <a:dk1>
@@ -6560,7 +7889,7 @@
         <a:effectLst/>
         <a:sp3d/>
       </a:spPr>
-      <a:bodyPr rot="0" spcFirstLastPara="1" vertOverflow="overflow" horzOverflow="overflow" vert="horz" wrap="square" lIns="50800" tIns="50800" rIns="50800" bIns="50800" numCol="1" spcCol="38100" rtlCol="0" anchor="ctr" upright="0">
+      <a:bodyPr rot="0" spcFirstLastPara="1" vertOverflow="overflow" horzOverflow="overflow" vert="horz" wrap="square" lIns="50800" tIns="50800" rIns="50800" bIns="50800" numCol="1" spcCol="38100" rtlCol="0" anchor="ctr">
         <a:spAutoFit/>
       </a:bodyPr>
       <a:lstStyle>
@@ -6579,7 +7908,7 @@
           <a:buFontTx/>
           <a:buNone/>
           <a:tabLst/>
-          <a:defRPr b="0" baseline="0" cap="none" i="0" spc="0" strike="noStrike" sz="3200" u="none" kumimoji="0" normalizeH="0">
+          <a:defRPr kumimoji="0" sz="3200" b="0" i="0" u="none" strike="noStrike" cap="none" spc="0" normalizeH="0" baseline="0">
             <a:ln>
               <a:noFill/>
             </a:ln>
@@ -6609,7 +7938,7 @@
           <a:buFontTx/>
           <a:buNone/>
           <a:tabLst/>
-          <a:defRPr b="0" baseline="0" cap="none" i="0" spc="0" strike="noStrike" sz="1800" u="none" kumimoji="0" normalizeH="0">
+          <a:defRPr kumimoji="0" sz="1800" b="0" i="0" u="none" strike="noStrike" cap="none" spc="0" normalizeH="0" baseline="0">
             <a:ln>
               <a:noFill/>
             </a:ln>
@@ -6635,7 +7964,7 @@
           <a:buFontTx/>
           <a:buNone/>
           <a:tabLst/>
-          <a:defRPr b="0" baseline="0" cap="none" i="0" spc="0" strike="noStrike" sz="1800" u="none" kumimoji="0" normalizeH="0">
+          <a:defRPr kumimoji="0" sz="1800" b="0" i="0" u="none" strike="noStrike" cap="none" spc="0" normalizeH="0" baseline="0">
             <a:ln>
               <a:noFill/>
             </a:ln>
@@ -6661,7 +7990,7 @@
           <a:buFontTx/>
           <a:buNone/>
           <a:tabLst/>
-          <a:defRPr b="0" baseline="0" cap="none" i="0" spc="0" strike="noStrike" sz="1800" u="none" kumimoji="0" normalizeH="0">
+          <a:defRPr kumimoji="0" sz="1800" b="0" i="0" u="none" strike="noStrike" cap="none" spc="0" normalizeH="0" baseline="0">
             <a:ln>
               <a:noFill/>
             </a:ln>
@@ -6687,7 +8016,7 @@
           <a:buFontTx/>
           <a:buNone/>
           <a:tabLst/>
-          <a:defRPr b="0" baseline="0" cap="none" i="0" spc="0" strike="noStrike" sz="1800" u="none" kumimoji="0" normalizeH="0">
+          <a:defRPr kumimoji="0" sz="1800" b="0" i="0" u="none" strike="noStrike" cap="none" spc="0" normalizeH="0" baseline="0">
             <a:ln>
               <a:noFill/>
             </a:ln>
@@ -6713,7 +8042,7 @@
           <a:buFontTx/>
           <a:buNone/>
           <a:tabLst/>
-          <a:defRPr b="0" baseline="0" cap="none" i="0" spc="0" strike="noStrike" sz="1800" u="none" kumimoji="0" normalizeH="0">
+          <a:defRPr kumimoji="0" sz="1800" b="0" i="0" u="none" strike="noStrike" cap="none" spc="0" normalizeH="0" baseline="0">
             <a:ln>
               <a:noFill/>
             </a:ln>
@@ -6739,7 +8068,7 @@
           <a:buFontTx/>
           <a:buNone/>
           <a:tabLst/>
-          <a:defRPr b="0" baseline="0" cap="none" i="0" spc="0" strike="noStrike" sz="1800" u="none" kumimoji="0" normalizeH="0">
+          <a:defRPr kumimoji="0" sz="1800" b="0" i="0" u="none" strike="noStrike" cap="none" spc="0" normalizeH="0" baseline="0">
             <a:ln>
               <a:noFill/>
             </a:ln>
@@ -6765,7 +8094,7 @@
           <a:buFontTx/>
           <a:buNone/>
           <a:tabLst/>
-          <a:defRPr b="0" baseline="0" cap="none" i="0" spc="0" strike="noStrike" sz="1800" u="none" kumimoji="0" normalizeH="0">
+          <a:defRPr kumimoji="0" sz="1800" b="0" i="0" u="none" strike="noStrike" cap="none" spc="0" normalizeH="0" baseline="0">
             <a:ln>
               <a:noFill/>
             </a:ln>
@@ -6791,7 +8120,7 @@
           <a:buFontTx/>
           <a:buNone/>
           <a:tabLst/>
-          <a:defRPr b="0" baseline="0" cap="none" i="0" spc="0" strike="noStrike" sz="1800" u="none" kumimoji="0" normalizeH="0">
+          <a:defRPr kumimoji="0" sz="1800" b="0" i="0" u="none" strike="noStrike" cap="none" spc="0" normalizeH="0" baseline="0">
             <a:ln>
               <a:noFill/>
             </a:ln>
@@ -6817,7 +8146,7 @@
           <a:buFontTx/>
           <a:buNone/>
           <a:tabLst/>
-          <a:defRPr b="0" baseline="0" cap="none" i="0" spc="0" strike="noStrike" sz="1800" u="none" kumimoji="0" normalizeH="0">
+          <a:defRPr kumimoji="0" sz="1800" b="0" i="0" u="none" strike="noStrike" cap="none" spc="0" normalizeH="0" baseline="0">
             <a:ln>
               <a:noFill/>
             </a:ln>
@@ -6830,9 +8159,15 @@
         </a:lvl9pPr>
       </a:lstStyle>
       <a:style>
-        <a:lnRef idx="0"/>
-        <a:fillRef idx="0"/>
-        <a:effectRef idx="0"/>
+        <a:lnRef idx="0">
+          <a:scrgbClr r="0" g="0" b="0"/>
+        </a:lnRef>
+        <a:fillRef idx="0">
+          <a:scrgbClr r="0" g="0" b="0"/>
+        </a:fillRef>
+        <a:effectRef idx="0">
+          <a:scrgbClr r="0" g="0" b="0"/>
+        </a:effectRef>
         <a:fontRef idx="none"/>
       </a:style>
     </a:spDef>
@@ -6849,7 +8184,7 @@
         <a:effectLst/>
         <a:sp3d/>
       </a:spPr>
-      <a:bodyPr rot="0" spcFirstLastPara="1" vertOverflow="overflow" horzOverflow="overflow" vert="horz" wrap="square" lIns="91439" tIns="45719" rIns="91439" bIns="45719" numCol="1" spcCol="38100" rtlCol="0" anchor="t" upright="0">
+      <a:bodyPr rot="0" spcFirstLastPara="1" vertOverflow="overflow" horzOverflow="overflow" vert="horz" wrap="square" lIns="91439" tIns="45719" rIns="91439" bIns="45719" numCol="1" spcCol="38100" rtlCol="0" anchor="t">
         <a:noAutofit/>
       </a:bodyPr>
       <a:lstStyle>
@@ -6868,7 +8203,7 @@
           <a:buFontTx/>
           <a:buNone/>
           <a:tabLst/>
-          <a:defRPr b="0" baseline="0" cap="none" i="0" spc="0" strike="noStrike" sz="1800" u="none" kumimoji="0" normalizeH="0">
+          <a:defRPr kumimoji="0" sz="1800" b="0" i="0" u="none" strike="noStrike" cap="none" spc="0" normalizeH="0" baseline="0">
             <a:ln>
               <a:noFill/>
             </a:ln>
@@ -6894,7 +8229,7 @@
           <a:buFontTx/>
           <a:buNone/>
           <a:tabLst/>
-          <a:defRPr b="0" baseline="0" cap="none" i="0" spc="0" strike="noStrike" sz="1800" u="none" kumimoji="0" normalizeH="0">
+          <a:defRPr kumimoji="0" sz="1800" b="0" i="0" u="none" strike="noStrike" cap="none" spc="0" normalizeH="0" baseline="0">
             <a:ln>
               <a:noFill/>
             </a:ln>
@@ -6920,7 +8255,7 @@
           <a:buFontTx/>
           <a:buNone/>
           <a:tabLst/>
-          <a:defRPr b="0" baseline="0" cap="none" i="0" spc="0" strike="noStrike" sz="1800" u="none" kumimoji="0" normalizeH="0">
+          <a:defRPr kumimoji="0" sz="1800" b="0" i="0" u="none" strike="noStrike" cap="none" spc="0" normalizeH="0" baseline="0">
             <a:ln>
               <a:noFill/>
             </a:ln>
@@ -6946,7 +8281,7 @@
           <a:buFontTx/>
           <a:buNone/>
           <a:tabLst/>
-          <a:defRPr b="0" baseline="0" cap="none" i="0" spc="0" strike="noStrike" sz="1800" u="none" kumimoji="0" normalizeH="0">
+          <a:defRPr kumimoji="0" sz="1800" b="0" i="0" u="none" strike="noStrike" cap="none" spc="0" normalizeH="0" baseline="0">
             <a:ln>
               <a:noFill/>
             </a:ln>
@@ -6972,7 +8307,7 @@
           <a:buFontTx/>
           <a:buNone/>
           <a:tabLst/>
-          <a:defRPr b="0" baseline="0" cap="none" i="0" spc="0" strike="noStrike" sz="1800" u="none" kumimoji="0" normalizeH="0">
+          <a:defRPr kumimoji="0" sz="1800" b="0" i="0" u="none" strike="noStrike" cap="none" spc="0" normalizeH="0" baseline="0">
             <a:ln>
               <a:noFill/>
             </a:ln>
@@ -6998,7 +8333,7 @@
           <a:buFontTx/>
           <a:buNone/>
           <a:tabLst/>
-          <a:defRPr b="0" baseline="0" cap="none" i="0" spc="0" strike="noStrike" sz="1800" u="none" kumimoji="0" normalizeH="0">
+          <a:defRPr kumimoji="0" sz="1800" b="0" i="0" u="none" strike="noStrike" cap="none" spc="0" normalizeH="0" baseline="0">
             <a:ln>
               <a:noFill/>
             </a:ln>
@@ -7024,7 +8359,7 @@
           <a:buFontTx/>
           <a:buNone/>
           <a:tabLst/>
-          <a:defRPr b="0" baseline="0" cap="none" i="0" spc="0" strike="noStrike" sz="1800" u="none" kumimoji="0" normalizeH="0">
+          <a:defRPr kumimoji="0" sz="1800" b="0" i="0" u="none" strike="noStrike" cap="none" spc="0" normalizeH="0" baseline="0">
             <a:ln>
               <a:noFill/>
             </a:ln>
@@ -7050,7 +8385,7 @@
           <a:buFontTx/>
           <a:buNone/>
           <a:tabLst/>
-          <a:defRPr b="0" baseline="0" cap="none" i="0" spc="0" strike="noStrike" sz="1800" u="none" kumimoji="0" normalizeH="0">
+          <a:defRPr kumimoji="0" sz="1800" b="0" i="0" u="none" strike="noStrike" cap="none" spc="0" normalizeH="0" baseline="0">
             <a:ln>
               <a:noFill/>
             </a:ln>
@@ -7076,7 +8411,7 @@
           <a:buFontTx/>
           <a:buNone/>
           <a:tabLst/>
-          <a:defRPr b="0" baseline="0" cap="none" i="0" spc="0" strike="noStrike" sz="1800" u="none" kumimoji="0" normalizeH="0">
+          <a:defRPr kumimoji="0" sz="1800" b="0" i="0" u="none" strike="noStrike" cap="none" spc="0" normalizeH="0" baseline="0">
             <a:ln>
               <a:noFill/>
             </a:ln>
@@ -7102,7 +8437,7 @@
           <a:buFontTx/>
           <a:buNone/>
           <a:tabLst/>
-          <a:defRPr b="0" baseline="0" cap="none" i="0" spc="0" strike="noStrike" sz="1800" u="none" kumimoji="0" normalizeH="0">
+          <a:defRPr kumimoji="0" sz="1800" b="0" i="0" u="none" strike="noStrike" cap="none" spc="0" normalizeH="0" baseline="0">
             <a:ln>
               <a:noFill/>
             </a:ln>
@@ -7115,9 +8450,15 @@
         </a:lvl9pPr>
       </a:lstStyle>
       <a:style>
-        <a:lnRef idx="0"/>
-        <a:fillRef idx="0"/>
-        <a:effectRef idx="0"/>
+        <a:lnRef idx="0">
+          <a:scrgbClr r="0" g="0" b="0"/>
+        </a:lnRef>
+        <a:fillRef idx="0">
+          <a:scrgbClr r="0" g="0" b="0"/>
+        </a:fillRef>
+        <a:effectRef idx="0">
+          <a:scrgbClr r="0" g="0" b="0"/>
+        </a:effectRef>
         <a:fontRef idx="none"/>
       </a:style>
     </a:lnDef>
@@ -7131,7 +8472,7 @@
         <a:effectLst/>
         <a:sp3d/>
       </a:spPr>
-      <a:bodyPr rot="0" spcFirstLastPara="1" vertOverflow="overflow" horzOverflow="overflow" vert="horz" wrap="square" lIns="50800" tIns="50800" rIns="50800" bIns="50800" numCol="1" spcCol="38100" rtlCol="0" anchor="ctr" upright="0">
+      <a:bodyPr rot="0" spcFirstLastPara="1" vertOverflow="overflow" horzOverflow="overflow" vert="horz" wrap="square" lIns="50800" tIns="50800" rIns="50800" bIns="50800" numCol="1" spcCol="38100" rtlCol="0" anchor="ctr">
         <a:spAutoFit/>
       </a:bodyPr>
       <a:lstStyle>
@@ -7150,7 +8491,7 @@
           <a:buFontTx/>
           <a:buNone/>
           <a:tabLst/>
-          <a:defRPr b="0" baseline="0" cap="none" i="0" spc="0" strike="noStrike" sz="2400" u="none" kumimoji="0" normalizeH="0">
+          <a:defRPr kumimoji="0" sz="2400" b="0" i="0" u="none" strike="noStrike" cap="none" spc="0" normalizeH="0" baseline="0">
             <a:ln>
               <a:noFill/>
             </a:ln>
@@ -7180,7 +8521,7 @@
           <a:buFontTx/>
           <a:buNone/>
           <a:tabLst/>
-          <a:defRPr b="0" baseline="0" cap="none" i="0" spc="0" strike="noStrike" sz="1800" u="none" kumimoji="0" normalizeH="0">
+          <a:defRPr kumimoji="0" sz="1800" b="0" i="0" u="none" strike="noStrike" cap="none" spc="0" normalizeH="0" baseline="0">
             <a:ln>
               <a:noFill/>
             </a:ln>
@@ -7206,7 +8547,7 @@
           <a:buFontTx/>
           <a:buNone/>
           <a:tabLst/>
-          <a:defRPr b="0" baseline="0" cap="none" i="0" spc="0" strike="noStrike" sz="1800" u="none" kumimoji="0" normalizeH="0">
+          <a:defRPr kumimoji="0" sz="1800" b="0" i="0" u="none" strike="noStrike" cap="none" spc="0" normalizeH="0" baseline="0">
             <a:ln>
               <a:noFill/>
             </a:ln>
@@ -7232,7 +8573,7 @@
           <a:buFontTx/>
           <a:buNone/>
           <a:tabLst/>
-          <a:defRPr b="0" baseline="0" cap="none" i="0" spc="0" strike="noStrike" sz="1800" u="none" kumimoji="0" normalizeH="0">
+          <a:defRPr kumimoji="0" sz="1800" b="0" i="0" u="none" strike="noStrike" cap="none" spc="0" normalizeH="0" baseline="0">
             <a:ln>
               <a:noFill/>
             </a:ln>
@@ -7258,7 +8599,7 @@
           <a:buFontTx/>
           <a:buNone/>
           <a:tabLst/>
-          <a:defRPr b="0" baseline="0" cap="none" i="0" spc="0" strike="noStrike" sz="1800" u="none" kumimoji="0" normalizeH="0">
+          <a:defRPr kumimoji="0" sz="1800" b="0" i="0" u="none" strike="noStrike" cap="none" spc="0" normalizeH="0" baseline="0">
             <a:ln>
               <a:noFill/>
             </a:ln>
@@ -7284,7 +8625,7 @@
           <a:buFontTx/>
           <a:buNone/>
           <a:tabLst/>
-          <a:defRPr b="0" baseline="0" cap="none" i="0" spc="0" strike="noStrike" sz="1800" u="none" kumimoji="0" normalizeH="0">
+          <a:defRPr kumimoji="0" sz="1800" b="0" i="0" u="none" strike="noStrike" cap="none" spc="0" normalizeH="0" baseline="0">
             <a:ln>
               <a:noFill/>
             </a:ln>
@@ -7310,7 +8651,7 @@
           <a:buFontTx/>
           <a:buNone/>
           <a:tabLst/>
-          <a:defRPr b="0" baseline="0" cap="none" i="0" spc="0" strike="noStrike" sz="1800" u="none" kumimoji="0" normalizeH="0">
+          <a:defRPr kumimoji="0" sz="1800" b="0" i="0" u="none" strike="noStrike" cap="none" spc="0" normalizeH="0" baseline="0">
             <a:ln>
               <a:noFill/>
             </a:ln>
@@ -7336,7 +8677,7 @@
           <a:buFontTx/>
           <a:buNone/>
           <a:tabLst/>
-          <a:defRPr b="0" baseline="0" cap="none" i="0" spc="0" strike="noStrike" sz="1800" u="none" kumimoji="0" normalizeH="0">
+          <a:defRPr kumimoji="0" sz="1800" b="0" i="0" u="none" strike="noStrike" cap="none" spc="0" normalizeH="0" baseline="0">
             <a:ln>
               <a:noFill/>
             </a:ln>
@@ -7362,7 +8703,7 @@
           <a:buFontTx/>
           <a:buNone/>
           <a:tabLst/>
-          <a:defRPr b="0" baseline="0" cap="none" i="0" spc="0" strike="noStrike" sz="1800" u="none" kumimoji="0" normalizeH="0">
+          <a:defRPr kumimoji="0" sz="1800" b="0" i="0" u="none" strike="noStrike" cap="none" spc="0" normalizeH="0" baseline="0">
             <a:ln>
               <a:noFill/>
             </a:ln>
@@ -7388,7 +8729,7 @@
           <a:buFontTx/>
           <a:buNone/>
           <a:tabLst/>
-          <a:defRPr b="0" baseline="0" cap="none" i="0" spc="0" strike="noStrike" sz="1800" u="none" kumimoji="0" normalizeH="0">
+          <a:defRPr kumimoji="0" sz="1800" b="0" i="0" u="none" strike="noStrike" cap="none" spc="0" normalizeH="0" baseline="0">
             <a:ln>
               <a:noFill/>
             </a:ln>
@@ -7401,12 +8742,19 @@
         </a:lvl9pPr>
       </a:lstStyle>
       <a:style>
-        <a:lnRef idx="0"/>
-        <a:fillRef idx="0"/>
-        <a:effectRef idx="0"/>
+        <a:lnRef idx="0">
+          <a:scrgbClr r="0" g="0" b="0"/>
+        </a:lnRef>
+        <a:fillRef idx="0">
+          <a:scrgbClr r="0" g="0" b="0"/>
+        </a:fillRef>
+        <a:effectRef idx="0">
+          <a:scrgbClr r="0" g="0" b="0"/>
+        </a:effectRef>
         <a:fontRef idx="none"/>
       </a:style>
     </a:txDef>
   </a:objectDefaults>
+  <a:extraClrSchemeLst/>
 </a:theme>
 </file>